--- a/modules/Chi_Square/PPT2.pptx
+++ b/modules/Chi_Square/PPT2.pptx
@@ -5,14 +5,18 @@
     <p:sldMasterId id="2147483648" r:id="rId1"/>
   </p:sldMasterIdLst>
   <p:notesMasterIdLst>
-    <p:notesMasterId r:id="rId7"/>
+    <p:notesMasterId r:id="rId11"/>
   </p:notesMasterIdLst>
   <p:sldIdLst>
-    <p:sldId id="361" r:id="rId2"/>
+    <p:sldId id="389" r:id="rId2"/>
     <p:sldId id="365" r:id="rId3"/>
-    <p:sldId id="366" r:id="rId4"/>
-    <p:sldId id="389" r:id="rId5"/>
-    <p:sldId id="408" r:id="rId6"/>
+    <p:sldId id="408" r:id="rId4"/>
+    <p:sldId id="409" r:id="rId5"/>
+    <p:sldId id="413" r:id="rId6"/>
+    <p:sldId id="415" r:id="rId7"/>
+    <p:sldId id="410" r:id="rId8"/>
+    <p:sldId id="411" r:id="rId9"/>
+    <p:sldId id="412" r:id="rId10"/>
   </p:sldIdLst>
   <p:sldSz cx="9144000" cy="6858000" type="screen4x3"/>
   <p:notesSz cx="7315200" cy="9601200"/>
@@ -594,6 +598,91 @@
     </a:lvl9pPr>
   </p:notesStyle>
 </p:notesMaster>
+</file>
+
+<file path=ppt/notesSlides/notesSlide1.xml><?xml version="1.0" encoding="utf-8"?>
+<p:notes xmlns:a="http://schemas.openxmlformats.org/drawingml/2006/main" xmlns:r="http://schemas.openxmlformats.org/officeDocument/2006/relationships" xmlns:p="http://schemas.openxmlformats.org/presentationml/2006/main">
+  <p:cSld>
+    <p:spTree>
+      <p:nvGrpSpPr>
+        <p:cNvPr id="1" name=""/>
+        <p:cNvGrpSpPr/>
+        <p:nvPr/>
+      </p:nvGrpSpPr>
+      <p:grpSpPr>
+        <a:xfrm>
+          <a:off x="0" y="0"/>
+          <a:ext cx="0" cy="0"/>
+          <a:chOff x="0" y="0"/>
+          <a:chExt cx="0" cy="0"/>
+        </a:xfrm>
+      </p:grpSpPr>
+      <p:sp>
+        <p:nvSpPr>
+          <p:cNvPr id="2" name="Slide Image Placeholder 1"/>
+          <p:cNvSpPr>
+            <a:spLocks noGrp="1" noRot="1" noChangeAspect="1"/>
+          </p:cNvSpPr>
+          <p:nvPr>
+            <p:ph type="sldImg"/>
+          </p:nvPr>
+        </p:nvSpPr>
+        <p:spPr/>
+      </p:sp>
+      <p:sp>
+        <p:nvSpPr>
+          <p:cNvPr id="3" name="Notes Placeholder 2"/>
+          <p:cNvSpPr>
+            <a:spLocks noGrp="1"/>
+          </p:cNvSpPr>
+          <p:nvPr>
+            <p:ph type="body" idx="1"/>
+          </p:nvPr>
+        </p:nvSpPr>
+        <p:spPr/>
+        <p:txBody>
+          <a:bodyPr/>
+          <a:lstStyle/>
+          <a:p>
+            <a:endParaRPr lang="en-US" dirty="0"/>
+          </a:p>
+        </p:txBody>
+      </p:sp>
+      <p:sp>
+        <p:nvSpPr>
+          <p:cNvPr id="4" name="Slide Number Placeholder 3"/>
+          <p:cNvSpPr>
+            <a:spLocks noGrp="1"/>
+          </p:cNvSpPr>
+          <p:nvPr>
+            <p:ph type="sldNum" sz="quarter" idx="10"/>
+          </p:nvPr>
+        </p:nvSpPr>
+        <p:spPr/>
+        <p:txBody>
+          <a:bodyPr/>
+          <a:lstStyle/>
+          <a:p>
+            <a:fld id="{6BF3F5D9-D089-40AF-AE46-1175945A111F}" type="slidenum">
+              <a:rPr lang="en-US" smtClean="0"/>
+              <a:pPr/>
+              <a:t>4</a:t>
+            </a:fld>
+            <a:endParaRPr lang="en-US"/>
+          </a:p>
+        </p:txBody>
+      </p:sp>
+    </p:spTree>
+    <p:extLst>
+      <p:ext uri="{BB962C8B-B14F-4D97-AF65-F5344CB8AC3E}">
+        <p14:creationId xmlns:p14="http://schemas.microsoft.com/office/powerpoint/2010/main" val="716188312"/>
+      </p:ext>
+    </p:extLst>
+  </p:cSld>
+  <p:clrMapOvr>
+    <a:masterClrMapping/>
+  </p:clrMapOvr>
+</p:notes>
 </file>
 
 <file path=ppt/slideLayouts/slideLayout1.xml><?xml version="1.0" encoding="utf-8"?>
@@ -3756,7 +3845,7 @@
 </file>
 
 <file path=ppt/slides/slide1.xml><?xml version="1.0" encoding="utf-8"?>
-<p:sld xmlns:a="http://schemas.openxmlformats.org/drawingml/2006/main" xmlns:r="http://schemas.openxmlformats.org/officeDocument/2006/relationships" xmlns:p="http://schemas.openxmlformats.org/presentationml/2006/main">
+<p:sld xmlns:a="http://schemas.openxmlformats.org/drawingml/2006/main" xmlns:r="http://schemas.openxmlformats.org/officeDocument/2006/relationships" xmlns:p="http://schemas.openxmlformats.org/presentationml/2006/main" showMasterPhAnim="0">
   <p:cSld>
     <p:spTree>
       <p:nvGrpSpPr>
@@ -3774,103 +3863,7 @@
       </p:grpSpPr>
       <p:sp>
         <p:nvSpPr>
-          <p:cNvPr id="2" name="Title 1"/>
-          <p:cNvSpPr>
-            <a:spLocks noGrp="1"/>
-          </p:cNvSpPr>
-          <p:nvPr>
-            <p:ph type="title"/>
-          </p:nvPr>
-        </p:nvSpPr>
-        <p:spPr/>
-        <p:txBody>
-          <a:bodyPr/>
-          <a:lstStyle/>
-          <a:p>
-            <a:r>
-              <a:rPr lang="en-US" dirty="0" smtClean="0"/>
-              <a:t>Chi-Square Tests</a:t>
-            </a:r>
-            <a:endParaRPr lang="en-US" dirty="0"/>
-          </a:p>
-        </p:txBody>
-      </p:sp>
-      <p:sp>
-        <p:nvSpPr>
-          <p:cNvPr id="3" name="Content Placeholder 2"/>
-          <p:cNvSpPr>
-            <a:spLocks noGrp="1"/>
-          </p:cNvSpPr>
-          <p:nvPr>
-            <p:ph idx="1"/>
-          </p:nvPr>
-        </p:nvSpPr>
-        <p:spPr>
-          <a:xfrm>
-            <a:off x="685800" y="1981200"/>
-            <a:ext cx="8229600" cy="4114800"/>
-          </a:xfrm>
-        </p:spPr>
-        <p:txBody>
-          <a:bodyPr/>
-          <a:lstStyle/>
-          <a:p>
-            <a:r>
-              <a:rPr lang="en-US" dirty="0" smtClean="0"/>
-              <a:t>Categorical data</a:t>
-            </a:r>
-          </a:p>
-          <a:p>
-            <a:endParaRPr lang="en-US" sz="1400" dirty="0"/>
-          </a:p>
-          <a:p>
-            <a:r>
-              <a:rPr lang="en-US" dirty="0" smtClean="0"/>
-              <a:t>1-sample, compared to theoretical distribution</a:t>
-            </a:r>
-          </a:p>
-          <a:p>
-            <a:pPr lvl="1"/>
-            <a:r>
-              <a:rPr lang="en-US" b="1" dirty="0" smtClean="0">
-                <a:solidFill>
-                  <a:srgbClr val="FF0000"/>
-                </a:solidFill>
-              </a:rPr>
-              <a:t>Goodness-of-Fit Test</a:t>
-            </a:r>
-          </a:p>
-          <a:p>
-            <a:pPr lvl="1"/>
-            <a:endParaRPr lang="en-US" dirty="0"/>
-          </a:p>
-          <a:p>
-            <a:r>
-              <a:rPr lang="en-US" dirty="0" smtClean="0"/>
-              <a:t>2+ samples, 2+ levels of response variable</a:t>
-            </a:r>
-          </a:p>
-          <a:p>
-            <a:pPr lvl="1"/>
-            <a:r>
-              <a:rPr lang="en-US" b="1" dirty="0" smtClean="0">
-                <a:solidFill>
-                  <a:srgbClr val="FF0000"/>
-                </a:solidFill>
-              </a:rPr>
-              <a:t>Chi-square Test</a:t>
-            </a:r>
-            <a:endParaRPr lang="en-US" b="1" dirty="0">
-              <a:solidFill>
-                <a:srgbClr val="FF0000"/>
-              </a:solidFill>
-            </a:endParaRPr>
-          </a:p>
-        </p:txBody>
-      </p:sp>
-      <p:sp>
-        <p:nvSpPr>
-          <p:cNvPr id="4" name="Footer Placeholder 3"/>
+          <p:cNvPr id="4" name="Footer Placeholder 4"/>
           <p:cNvSpPr>
             <a:spLocks noGrp="1"/>
           </p:cNvSpPr>
@@ -3884,16 +3877,15 @@
           <a:lstStyle/>
           <a:p>
             <a:r>
-              <a:rPr lang="en-US" smtClean="0"/>
-              <a:t>Chi-Square Tests</a:t>
-            </a:r>
-            <a:endParaRPr lang="en-US"/>
-          </a:p>
-        </p:txBody>
-      </p:sp>
-      <p:sp>
-        <p:nvSpPr>
-          <p:cNvPr id="5" name="Slide Number Placeholder 4"/>
+              <a:rPr lang="en-US"/>
+              <a:t>Chi-square</a:t>
+            </a:r>
+          </a:p>
+        </p:txBody>
+      </p:sp>
+      <p:sp>
+        <p:nvSpPr>
+          <p:cNvPr id="5" name="Slide Number Placeholder 5"/>
           <p:cNvSpPr>
             <a:spLocks noGrp="1"/>
           </p:cNvSpPr>
@@ -3901,17 +3893,22 @@
             <p:ph type="sldNum" sz="quarter" idx="12"/>
           </p:nvPr>
         </p:nvSpPr>
-        <p:spPr/>
+        <p:spPr>
+          <a:xfrm>
+            <a:off x="8077200" y="6553200"/>
+            <a:ext cx="990600" cy="152400"/>
+          </a:xfrm>
+        </p:spPr>
         <p:txBody>
           <a:bodyPr/>
           <a:lstStyle/>
           <a:p>
             <a:r>
-              <a:rPr lang="en-US" smtClean="0"/>
+              <a:rPr lang="en-US"/>
               <a:t>Slide #</a:t>
             </a:r>
-            <a:fld id="{CDDA98CD-5EC1-4621-B54B-2ECDF722D99F}" type="slidenum">
-              <a:rPr lang="en-US" smtClean="0"/>
+            <a:fld id="{DB6696FF-38B2-4A7E-AB39-C237964A2310}" type="slidenum">
+              <a:rPr lang="en-US"/>
               <a:pPr/>
               <a:t>1</a:t>
             </a:fld>
@@ -3919,7 +3916,270 @@
           </a:p>
         </p:txBody>
       </p:sp>
+      <p:sp>
+        <p:nvSpPr>
+          <p:cNvPr id="180226" name="Rectangle 2"/>
+          <p:cNvSpPr>
+            <a:spLocks noGrp="1" noChangeArrowheads="1"/>
+          </p:cNvSpPr>
+          <p:nvPr>
+            <p:ph type="title"/>
+          </p:nvPr>
+        </p:nvSpPr>
+        <p:spPr>
+          <a:xfrm>
+            <a:off x="685800" y="76200"/>
+            <a:ext cx="7772400" cy="1066800"/>
+          </a:xfrm>
+        </p:spPr>
+        <p:txBody>
+          <a:bodyPr/>
+          <a:lstStyle/>
+          <a:p>
+            <a:r>
+              <a:rPr lang="en-US" sz="4000" dirty="0"/>
+              <a:t>Chi-Square </a:t>
+            </a:r>
+            <a:r>
+              <a:rPr lang="en-US" sz="4000" dirty="0" smtClean="0"/>
+              <a:t>Test</a:t>
+            </a:r>
+            <a:endParaRPr lang="en-US" sz="2400" dirty="0"/>
+          </a:p>
+        </p:txBody>
+      </p:sp>
+      <p:sp>
+        <p:nvSpPr>
+          <p:cNvPr id="180227" name="Rectangle 3"/>
+          <p:cNvSpPr>
+            <a:spLocks noGrp="1" noChangeArrowheads="1"/>
+          </p:cNvSpPr>
+          <p:nvPr>
+            <p:ph type="body" idx="1"/>
+          </p:nvPr>
+        </p:nvSpPr>
+        <p:spPr>
+          <a:xfrm>
+            <a:off x="152400" y="990600"/>
+            <a:ext cx="8991600" cy="5791200"/>
+          </a:xfrm>
+        </p:spPr>
+        <p:txBody>
+          <a:bodyPr/>
+          <a:lstStyle/>
+          <a:p>
+            <a:r>
+              <a:rPr lang="en-US" b="1" dirty="0"/>
+              <a:t>H</a:t>
+            </a:r>
+            <a:r>
+              <a:rPr lang="en-US" b="1" baseline="-25000" dirty="0"/>
+              <a:t>o</a:t>
+            </a:r>
+            <a:r>
+              <a:rPr lang="en-US" b="1" dirty="0"/>
+              <a:t>:</a:t>
+            </a:r>
+            <a:r>
+              <a:rPr lang="en-US" dirty="0"/>
+              <a:t> “distribution of individuals into the levels is same for each population”</a:t>
+            </a:r>
+          </a:p>
+          <a:p>
+            <a:r>
+              <a:rPr lang="en-US" b="1" dirty="0"/>
+              <a:t>H</a:t>
+            </a:r>
+            <a:r>
+              <a:rPr lang="en-US" b="1" baseline="-25000" dirty="0"/>
+              <a:t>A</a:t>
+            </a:r>
+            <a:r>
+              <a:rPr lang="en-US" b="1" dirty="0"/>
+              <a:t>:</a:t>
+            </a:r>
+            <a:r>
+              <a:rPr lang="en-US" dirty="0"/>
+              <a:t> “distribution of individuals into levels is different for at least one pair of populations”</a:t>
+            </a:r>
+          </a:p>
+          <a:p>
+            <a:r>
+              <a:rPr lang="en-US" b="1" dirty="0" smtClean="0"/>
+              <a:t>Assume</a:t>
+            </a:r>
+            <a:r>
+              <a:rPr lang="en-US" b="1" dirty="0"/>
+              <a:t>: </a:t>
+            </a:r>
+            <a:r>
+              <a:rPr lang="en-US" dirty="0"/>
+              <a:t>at least 5 in each cell of expected table</a:t>
+            </a:r>
+            <a:endParaRPr lang="en-US" sz="1000" dirty="0"/>
+          </a:p>
+          <a:p>
+            <a:r>
+              <a:rPr lang="en-US" b="1" dirty="0"/>
+              <a:t>Statistic: </a:t>
+            </a:r>
+            <a:r>
+              <a:rPr lang="en-US" dirty="0"/>
+              <a:t>Observed frequency table</a:t>
+            </a:r>
+          </a:p>
+          <a:p>
+            <a:endParaRPr lang="en-US" sz="2400" dirty="0"/>
+          </a:p>
+          <a:p>
+            <a:r>
+              <a:rPr lang="en-US" b="1" dirty="0"/>
+              <a:t>Test Statistic:</a:t>
+            </a:r>
+            <a:r>
+              <a:rPr lang="en-US" dirty="0"/>
+              <a:t> </a:t>
+            </a:r>
+          </a:p>
+          <a:p>
+            <a:endParaRPr lang="en-US" sz="1200" dirty="0"/>
+          </a:p>
+          <a:p>
+            <a:r>
+              <a:rPr lang="en-US" b="1" dirty="0" err="1"/>
+              <a:t>df</a:t>
+            </a:r>
+            <a:r>
+              <a:rPr lang="en-US" b="1" dirty="0"/>
+              <a:t>: </a:t>
+            </a:r>
+            <a:r>
+              <a:rPr lang="en-US" dirty="0"/>
+              <a:t>(rows-1)*(columns-1</a:t>
+            </a:r>
+            <a:r>
+              <a:rPr lang="en-US" dirty="0" smtClean="0"/>
+              <a:t>)</a:t>
+            </a:r>
+          </a:p>
+          <a:p>
+            <a:r>
+              <a:rPr lang="en-US" b="1" dirty="0" smtClean="0"/>
+              <a:t>When:</a:t>
+            </a:r>
+            <a:r>
+              <a:rPr lang="en-US" dirty="0" smtClean="0"/>
+              <a:t> categorical variable, 2+ populations/groups</a:t>
+            </a:r>
+            <a:endParaRPr lang="en-US" dirty="0"/>
+          </a:p>
+        </p:txBody>
+      </p:sp>
+      <p:graphicFrame>
+        <p:nvGraphicFramePr>
+          <p:cNvPr id="2" name="Object 1"/>
+          <p:cNvGraphicFramePr>
+            <a:graphicFrameLocks noChangeAspect="1"/>
+          </p:cNvGraphicFramePr>
+          <p:nvPr>
+            <p:extLst>
+              <p:ext uri="{D42A27DB-BD31-4B8C-83A1-F6EECF244321}">
+                <p14:modId xmlns:p14="http://schemas.microsoft.com/office/powerpoint/2010/main" val="593627733"/>
+              </p:ext>
+            </p:extLst>
+          </p:nvPr>
+        </p:nvGraphicFramePr>
+        <p:xfrm>
+          <a:off x="3206750" y="4343400"/>
+          <a:ext cx="5403850" cy="1255712"/>
+        </p:xfrm>
+        <a:graphic>
+          <a:graphicData uri="http://schemas.openxmlformats.org/presentationml/2006/ole">
+            <mc:AlternateContent xmlns:mc="http://schemas.openxmlformats.org/markup-compatibility/2006">
+              <mc:Choice xmlns:v="urn:schemas-microsoft-com:vml" Requires="v">
+                <p:oleObj spid="_x0000_s215077" name="Equation" r:id="rId3" imgW="1968500" imgH="457200" progId="Equation.3">
+                  <p:embed/>
+                </p:oleObj>
+              </mc:Choice>
+              <mc:Fallback>
+                <p:oleObj name="Equation" r:id="rId3" imgW="1968500" imgH="457200" progId="Equation.3">
+                  <p:embed/>
+                  <p:pic>
+                    <p:nvPicPr>
+                      <p:cNvPr id="0" name="Object 9"/>
+                      <p:cNvPicPr>
+                        <a:picLocks noChangeAspect="1" noChangeArrowheads="1"/>
+                      </p:cNvPicPr>
+                      <p:nvPr/>
+                    </p:nvPicPr>
+                    <p:blipFill>
+                      <a:blip r:embed="rId4">
+                        <a:extLst>
+                          <a:ext uri="{28A0092B-C50C-407E-A947-70E740481C1C}">
+                            <a14:useLocalDpi xmlns:a14="http://schemas.microsoft.com/office/drawing/2010/main" val="0"/>
+                          </a:ext>
+                        </a:extLst>
+                      </a:blip>
+                      <a:srcRect/>
+                      <a:stretch>
+                        <a:fillRect/>
+                      </a:stretch>
+                    </p:blipFill>
+                    <p:spPr bwMode="auto">
+                      <a:xfrm>
+                        <a:off x="3206750" y="4343400"/>
+                        <a:ext cx="5403850" cy="1255712"/>
+                      </a:xfrm>
+                      <a:prstGeom prst="rect">
+                        <a:avLst/>
+                      </a:prstGeom>
+                      <a:noFill/>
+                      <a:ln>
+                        <a:noFill/>
+                      </a:ln>
+                      <a:effectLst/>
+                      <a:extLst>
+                        <a:ext uri="{909E8E84-426E-40DD-AFC4-6F175D3DCCD1}">
+                          <a14:hiddenFill xmlns:a14="http://schemas.microsoft.com/office/drawing/2010/main">
+                            <a:solidFill>
+                              <a:schemeClr val="accent1"/>
+                            </a:solidFill>
+                          </a14:hiddenFill>
+                        </a:ext>
+                        <a:ext uri="{91240B29-F687-4F45-9708-019B960494DF}">
+                          <a14:hiddenLine xmlns:a14="http://schemas.microsoft.com/office/drawing/2010/main" w="9525">
+                            <a:solidFill>
+                              <a:schemeClr val="tx1"/>
+                            </a:solidFill>
+                            <a:miter lim="800000"/>
+                            <a:headEnd/>
+                            <a:tailEnd/>
+                          </a14:hiddenLine>
+                        </a:ext>
+                        <a:ext uri="{AF507438-7753-43E0-B8FC-AC1667EBCBE1}">
+                          <a14:hiddenEffects xmlns:a14="http://schemas.microsoft.com/office/drawing/2010/main">
+                            <a:effectLst>
+                              <a:outerShdw dist="35921" dir="2700000" algn="ctr" rotWithShape="0">
+                                <a:schemeClr val="bg2"/>
+                              </a:outerShdw>
+                            </a:effectLst>
+                          </a14:hiddenEffects>
+                        </a:ext>
+                      </a:extLst>
+                    </p:spPr>
+                  </p:pic>
+                </p:oleObj>
+              </mc:Fallback>
+            </mc:AlternateContent>
+          </a:graphicData>
+        </a:graphic>
+      </p:graphicFrame>
     </p:spTree>
+    <p:extLst>
+      <p:ext uri="{BB962C8B-B14F-4D97-AF65-F5344CB8AC3E}">
+        <p14:creationId xmlns:p14="http://schemas.microsoft.com/office/powerpoint/2010/main" val="4253805164"/>
+      </p:ext>
+    </p:extLst>
   </p:cSld>
   <p:clrMapOvr>
     <a:masterClrMapping/>
@@ -3945,7 +4205,7 @@
                             </p:stCondLst>
                             <p:childTnLst>
                               <p:par>
-                                <p:cTn id="5" presetID="1" presetClass="entr" presetSubtype="0" fill="hold" nodeType="clickEffect">
+                                <p:cTn id="5" presetID="1" presetClass="entr" presetSubtype="0" fill="hold" grpId="0" nodeType="clickEffect">
                                   <p:stCondLst>
                                     <p:cond delay="0"/>
                                   </p:stCondLst>
@@ -3958,7 +4218,7 @@
                                           </p:stCondLst>
                                         </p:cTn>
                                         <p:tgtEl>
-                                          <p:spTgt spid="3">
+                                          <p:spTgt spid="180227">
                                             <p:txEl>
                                               <p:pRg st="0" end="0"/>
                                             </p:txEl>
@@ -4007,7 +4267,56 @@
                                           </p:stCondLst>
                                         </p:cTn>
                                         <p:tgtEl>
-                                          <p:spTgt spid="3">
+                                          <p:spTgt spid="180227">
+                                            <p:txEl>
+                                              <p:pRg st="1" end="1"/>
+                                            </p:txEl>
+                                          </p:spTgt>
+                                        </p:tgtEl>
+                                        <p:attrNameLst>
+                                          <p:attrName>style.visibility</p:attrName>
+                                        </p:attrNameLst>
+                                      </p:cBhvr>
+                                      <p:to>
+                                        <p:strVal val="visible"/>
+                                      </p:to>
+                                    </p:set>
+                                  </p:childTnLst>
+                                </p:cTn>
+                              </p:par>
+                            </p:childTnLst>
+                          </p:cTn>
+                        </p:par>
+                      </p:childTnLst>
+                    </p:cTn>
+                  </p:par>
+                  <p:par>
+                    <p:cTn id="11" fill="hold">
+                      <p:stCondLst>
+                        <p:cond delay="indefinite"/>
+                      </p:stCondLst>
+                      <p:childTnLst>
+                        <p:par>
+                          <p:cTn id="12" fill="hold">
+                            <p:stCondLst>
+                              <p:cond delay="0"/>
+                            </p:stCondLst>
+                            <p:childTnLst>
+                              <p:par>
+                                <p:cTn id="13" presetID="1" presetClass="entr" presetSubtype="0" fill="hold" grpId="0" nodeType="clickEffect">
+                                  <p:stCondLst>
+                                    <p:cond delay="0"/>
+                                  </p:stCondLst>
+                                  <p:childTnLst>
+                                    <p:set>
+                                      <p:cBhvr>
+                                        <p:cTn id="14" dur="1" fill="hold">
+                                          <p:stCondLst>
+                                            <p:cond delay="0"/>
+                                          </p:stCondLst>
+                                        </p:cTn>
+                                        <p:tgtEl>
+                                          <p:spTgt spid="180227">
                                             <p:txEl>
                                               <p:pRg st="2" end="2"/>
                                             </p:txEl>
@@ -4024,21 +4333,39 @@
                                   </p:childTnLst>
                                 </p:cTn>
                               </p:par>
+                            </p:childTnLst>
+                          </p:cTn>
+                        </p:par>
+                      </p:childTnLst>
+                    </p:cTn>
+                  </p:par>
+                  <p:par>
+                    <p:cTn id="15" fill="hold">
+                      <p:stCondLst>
+                        <p:cond delay="indefinite"/>
+                      </p:stCondLst>
+                      <p:childTnLst>
+                        <p:par>
+                          <p:cTn id="16" fill="hold">
+                            <p:stCondLst>
+                              <p:cond delay="0"/>
+                            </p:stCondLst>
+                            <p:childTnLst>
                               <p:par>
-                                <p:cTn id="11" presetID="1" presetClass="entr" presetSubtype="0" fill="hold" grpId="0" nodeType="withEffect">
+                                <p:cTn id="17" presetID="1" presetClass="entr" presetSubtype="0" fill="hold" grpId="0" nodeType="clickEffect">
                                   <p:stCondLst>
                                     <p:cond delay="0"/>
                                   </p:stCondLst>
                                   <p:childTnLst>
                                     <p:set>
                                       <p:cBhvr>
-                                        <p:cTn id="12" dur="1" fill="hold">
+                                        <p:cTn id="18" dur="1" fill="hold">
                                           <p:stCondLst>
                                             <p:cond delay="0"/>
                                           </p:stCondLst>
                                         </p:cTn>
                                         <p:tgtEl>
-                                          <p:spTgt spid="3">
+                                          <p:spTgt spid="180227">
                                             <p:txEl>
                                               <p:pRg st="3" end="3"/>
                                             </p:txEl>
@@ -4062,32 +4389,32 @@
                     </p:cTn>
                   </p:par>
                   <p:par>
-                    <p:cTn id="13" fill="hold">
+                    <p:cTn id="19" fill="hold">
                       <p:stCondLst>
                         <p:cond delay="indefinite"/>
                       </p:stCondLst>
                       <p:childTnLst>
                         <p:par>
-                          <p:cTn id="14" fill="hold">
+                          <p:cTn id="20" fill="hold">
                             <p:stCondLst>
                               <p:cond delay="0"/>
                             </p:stCondLst>
                             <p:childTnLst>
                               <p:par>
-                                <p:cTn id="15" presetID="1" presetClass="entr" presetSubtype="0" fill="hold" grpId="0" nodeType="clickEffect">
+                                <p:cTn id="21" presetID="1" presetClass="entr" presetSubtype="0" fill="hold" grpId="0" nodeType="clickEffect">
                                   <p:stCondLst>
                                     <p:cond delay="0"/>
                                   </p:stCondLst>
                                   <p:childTnLst>
                                     <p:set>
                                       <p:cBhvr>
-                                        <p:cTn id="16" dur="1" fill="hold">
+                                        <p:cTn id="22" dur="1" fill="hold">
                                           <p:stCondLst>
                                             <p:cond delay="0"/>
                                           </p:stCondLst>
                                         </p:cTn>
                                         <p:tgtEl>
-                                          <p:spTgt spid="3">
+                                          <p:spTgt spid="180227">
                                             <p:txEl>
                                               <p:pRg st="5" end="5"/>
                                             </p:txEl>
@@ -4104,23 +4431,126 @@
                                   </p:childTnLst>
                                 </p:cTn>
                               </p:par>
+                            </p:childTnLst>
+                          </p:cTn>
+                        </p:par>
+                        <p:par>
+                          <p:cTn id="23" fill="hold">
+                            <p:stCondLst>
+                              <p:cond delay="0"/>
+                            </p:stCondLst>
+                            <p:childTnLst>
                               <p:par>
-                                <p:cTn id="17" presetID="1" presetClass="entr" presetSubtype="0" fill="hold" grpId="0" nodeType="withEffect">
+                                <p:cTn id="24" presetID="1" presetClass="entr" presetSubtype="0" fill="hold" nodeType="afterEffect">
                                   <p:stCondLst>
                                     <p:cond delay="0"/>
                                   </p:stCondLst>
                                   <p:childTnLst>
                                     <p:set>
                                       <p:cBhvr>
-                                        <p:cTn id="18" dur="1" fill="hold">
+                                        <p:cTn id="25" dur="1" fill="hold">
                                           <p:stCondLst>
                                             <p:cond delay="0"/>
                                           </p:stCondLst>
                                         </p:cTn>
                                         <p:tgtEl>
-                                          <p:spTgt spid="3">
+                                          <p:spTgt spid="2"/>
+                                        </p:tgtEl>
+                                        <p:attrNameLst>
+                                          <p:attrName>style.visibility</p:attrName>
+                                        </p:attrNameLst>
+                                      </p:cBhvr>
+                                      <p:to>
+                                        <p:strVal val="visible"/>
+                                      </p:to>
+                                    </p:set>
+                                  </p:childTnLst>
+                                </p:cTn>
+                              </p:par>
+                            </p:childTnLst>
+                          </p:cTn>
+                        </p:par>
+                      </p:childTnLst>
+                    </p:cTn>
+                  </p:par>
+                  <p:par>
+                    <p:cTn id="26" fill="hold">
+                      <p:stCondLst>
+                        <p:cond delay="indefinite"/>
+                      </p:stCondLst>
+                      <p:childTnLst>
+                        <p:par>
+                          <p:cTn id="27" fill="hold">
+                            <p:stCondLst>
+                              <p:cond delay="0"/>
+                            </p:stCondLst>
+                            <p:childTnLst>
+                              <p:par>
+                                <p:cTn id="28" presetID="1" presetClass="entr" presetSubtype="0" fill="hold" grpId="0" nodeType="clickEffect">
+                                  <p:stCondLst>
+                                    <p:cond delay="0"/>
+                                  </p:stCondLst>
+                                  <p:childTnLst>
+                                    <p:set>
+                                      <p:cBhvr>
+                                        <p:cTn id="29" dur="1" fill="hold">
+                                          <p:stCondLst>
+                                            <p:cond delay="0"/>
+                                          </p:stCondLst>
+                                        </p:cTn>
+                                        <p:tgtEl>
+                                          <p:spTgt spid="180227">
                                             <p:txEl>
-                                              <p:pRg st="6" end="6"/>
+                                              <p:pRg st="7" end="7"/>
+                                            </p:txEl>
+                                          </p:spTgt>
+                                        </p:tgtEl>
+                                        <p:attrNameLst>
+                                          <p:attrName>style.visibility</p:attrName>
+                                        </p:attrNameLst>
+                                      </p:cBhvr>
+                                      <p:to>
+                                        <p:strVal val="visible"/>
+                                      </p:to>
+                                    </p:set>
+                                  </p:childTnLst>
+                                </p:cTn>
+                              </p:par>
+                            </p:childTnLst>
+                          </p:cTn>
+                        </p:par>
+                      </p:childTnLst>
+                    </p:cTn>
+                  </p:par>
+                  <p:par>
+                    <p:cTn id="30" fill="hold">
+                      <p:stCondLst>
+                        <p:cond delay="indefinite"/>
+                      </p:stCondLst>
+                      <p:childTnLst>
+                        <p:par>
+                          <p:cTn id="31" fill="hold">
+                            <p:stCondLst>
+                              <p:cond delay="0"/>
+                            </p:stCondLst>
+                            <p:childTnLst>
+                              <p:par>
+                                <p:cTn id="32" presetID="1" presetClass="entr" presetSubtype="0" fill="hold" grpId="0" nodeType="clickEffect">
+                                  <p:stCondLst>
+                                    <p:cond delay="0"/>
+                                  </p:stCondLst>
+                                  <p:childTnLst>
+                                    <p:set>
+                                      <p:cBhvr>
+                                        <p:cTn id="33" dur="1" fill="hold">
+                                          <p:stCondLst>
+                                            <p:cond delay="0"/>
+                                          </p:stCondLst>
+                                        </p:cTn>
+                                        <p:tgtEl>
+                                          <p:spTgt spid="180227">
+                                            <p:txEl>
+                                              <p:pRg st="8" end="8"/>
                                             </p:txEl>
                                           </p:spTgt>
                                         </p:tgtEl>
@@ -4163,7 +4593,7 @@
       </p:par>
     </p:tnLst>
     <p:bldLst>
-      <p:bldP spid="3" grpId="0" uiExpand="1" build="p"/>
+      <p:bldP spid="180227" grpId="0" uiExpand="1" build="p"/>
     </p:bldLst>
   </p:timing>
 </p:sld>
@@ -4335,7 +4765,39 @@
           <a:p>
             <a:r>
               <a:rPr lang="en-US" dirty="0"/>
-              <a:t>Does the occurrence of a food item in the stomachs of lake trout and chinook salmon differ</a:t>
+              <a:t>Does the occurrence of a food item in the stomachs of </a:t>
+            </a:r>
+            <a:r>
+              <a:rPr lang="en-US" dirty="0" smtClean="0"/>
+              <a:t>Lake </a:t>
+            </a:r>
+            <a:r>
+              <a:rPr lang="en-US" dirty="0"/>
+              <a:t>T</a:t>
+            </a:r>
+            <a:r>
+              <a:rPr lang="en-US" dirty="0" smtClean="0"/>
+              <a:t>rout </a:t>
+            </a:r>
+            <a:r>
+              <a:rPr lang="en-US" dirty="0"/>
+              <a:t>and </a:t>
+            </a:r>
+            <a:r>
+              <a:rPr lang="en-US" dirty="0" smtClean="0"/>
+              <a:t>Chinook </a:t>
+            </a:r>
+            <a:r>
+              <a:rPr lang="en-US" dirty="0"/>
+              <a:t>S</a:t>
+            </a:r>
+            <a:r>
+              <a:rPr lang="en-US" dirty="0" smtClean="0"/>
+              <a:t>almon </a:t>
+            </a:r>
+            <a:r>
+              <a:rPr lang="en-US" dirty="0"/>
+              <a:t>differ</a:t>
             </a:r>
             <a:r>
               <a:rPr lang="en-US" dirty="0" smtClean="0"/>
@@ -4485,6 +4947,413 @@
 </file>
 
 <file path=ppt/slides/slide3.xml><?xml version="1.0" encoding="utf-8"?>
+<p:sld xmlns:a="http://schemas.openxmlformats.org/drawingml/2006/main" xmlns:r="http://schemas.openxmlformats.org/officeDocument/2006/relationships" xmlns:p="http://schemas.openxmlformats.org/presentationml/2006/main">
+  <p:cSld>
+    <p:spTree>
+      <p:nvGrpSpPr>
+        <p:cNvPr id="1" name=""/>
+        <p:cNvGrpSpPr/>
+        <p:nvPr/>
+      </p:nvGrpSpPr>
+      <p:grpSpPr>
+        <a:xfrm>
+          <a:off x="0" y="0"/>
+          <a:ext cx="0" cy="0"/>
+          <a:chOff x="0" y="0"/>
+          <a:chExt cx="0" cy="0"/>
+        </a:xfrm>
+      </p:grpSpPr>
+      <p:sp>
+        <p:nvSpPr>
+          <p:cNvPr id="4" name="Footer Placeholder 4"/>
+          <p:cNvSpPr>
+            <a:spLocks noGrp="1"/>
+          </p:cNvSpPr>
+          <p:nvPr>
+            <p:ph type="ftr" sz="quarter" idx="11"/>
+          </p:nvPr>
+        </p:nvSpPr>
+        <p:spPr/>
+        <p:txBody>
+          <a:bodyPr/>
+          <a:lstStyle/>
+          <a:p>
+            <a:r>
+              <a:rPr lang="en-US"/>
+              <a:t>Chi-square</a:t>
+            </a:r>
+          </a:p>
+        </p:txBody>
+      </p:sp>
+      <p:sp>
+        <p:nvSpPr>
+          <p:cNvPr id="5" name="Slide Number Placeholder 5"/>
+          <p:cNvSpPr>
+            <a:spLocks noGrp="1"/>
+          </p:cNvSpPr>
+          <p:nvPr>
+            <p:ph type="sldNum" sz="quarter" idx="12"/>
+          </p:nvPr>
+        </p:nvSpPr>
+        <p:spPr/>
+        <p:txBody>
+          <a:bodyPr/>
+          <a:lstStyle/>
+          <a:p>
+            <a:r>
+              <a:rPr lang="en-US"/>
+              <a:t>Slide #</a:t>
+            </a:r>
+            <a:fld id="{88B24AF3-4205-49FA-ADFB-3B4196ADBCA0}" type="slidenum">
+              <a:rPr lang="en-US"/>
+              <a:pPr/>
+              <a:t>3</a:t>
+            </a:fld>
+            <a:endParaRPr lang="en-US"/>
+          </a:p>
+        </p:txBody>
+      </p:sp>
+      <p:sp>
+        <p:nvSpPr>
+          <p:cNvPr id="113666" name="Rectangle 2"/>
+          <p:cNvSpPr>
+            <a:spLocks noGrp="1" noChangeArrowheads="1"/>
+          </p:cNvSpPr>
+          <p:nvPr>
+            <p:ph type="title"/>
+          </p:nvPr>
+        </p:nvSpPr>
+        <p:spPr>
+          <a:xfrm>
+            <a:off x="685800" y="76200"/>
+            <a:ext cx="7772400" cy="685800"/>
+          </a:xfrm>
+        </p:spPr>
+        <p:txBody>
+          <a:bodyPr/>
+          <a:lstStyle/>
+          <a:p>
+            <a:r>
+              <a:rPr lang="en-US" sz="4000" dirty="0" smtClean="0"/>
+              <a:t>A Full Example</a:t>
+            </a:r>
+            <a:endParaRPr lang="en-US" sz="4000" dirty="0"/>
+          </a:p>
+        </p:txBody>
+      </p:sp>
+      <p:sp>
+        <p:nvSpPr>
+          <p:cNvPr id="113667" name="Rectangle 3"/>
+          <p:cNvSpPr>
+            <a:spLocks noGrp="1" noChangeArrowheads="1"/>
+          </p:cNvSpPr>
+          <p:nvPr>
+            <p:ph type="body" idx="1"/>
+          </p:nvPr>
+        </p:nvSpPr>
+        <p:spPr>
+          <a:xfrm>
+            <a:off x="304800" y="914400"/>
+            <a:ext cx="8534400" cy="5562600"/>
+          </a:xfrm>
+        </p:spPr>
+        <p:txBody>
+          <a:bodyPr/>
+          <a:lstStyle/>
+          <a:p>
+            <a:pPr marL="284163" indent="-284163"/>
+            <a:r>
+              <a:rPr lang="en-US" dirty="0" smtClean="0"/>
+              <a:t>When Chinook </a:t>
+            </a:r>
+            <a:r>
+              <a:rPr lang="en-US" dirty="0"/>
+              <a:t>S</a:t>
+            </a:r>
+            <a:r>
+              <a:rPr lang="en-US" dirty="0" smtClean="0"/>
+              <a:t>almon </a:t>
+            </a:r>
+            <a:r>
+              <a:rPr lang="en-US" dirty="0"/>
+              <a:t>were first introduced to Lake </a:t>
+            </a:r>
+            <a:r>
+              <a:rPr lang="en-US" dirty="0" smtClean="0"/>
+              <a:t>Superior there was concern that they </a:t>
+            </a:r>
+            <a:r>
+              <a:rPr lang="en-US" dirty="0"/>
+              <a:t>would compete </a:t>
+            </a:r>
+            <a:r>
+              <a:rPr lang="en-US" dirty="0" smtClean="0"/>
+              <a:t>with </a:t>
+            </a:r>
+            <a:r>
+              <a:rPr lang="en-US" dirty="0"/>
+              <a:t>native L</a:t>
+            </a:r>
+            <a:r>
+              <a:rPr lang="en-US" dirty="0" smtClean="0"/>
+              <a:t>ake Trout </a:t>
+            </a:r>
+            <a:r>
+              <a:rPr lang="en-US" dirty="0"/>
+              <a:t>for </a:t>
+            </a:r>
+            <a:r>
+              <a:rPr lang="en-US" dirty="0" smtClean="0"/>
+              <a:t>Lake </a:t>
+            </a:r>
+            <a:r>
+              <a:rPr lang="en-US" dirty="0"/>
+              <a:t>H</a:t>
+            </a:r>
+            <a:r>
+              <a:rPr lang="en-US" dirty="0" smtClean="0"/>
+              <a:t>erring</a:t>
+            </a:r>
+            <a:r>
+              <a:rPr lang="en-US" dirty="0"/>
+              <a:t>. </a:t>
+            </a:r>
+            <a:r>
+              <a:rPr lang="en-US" dirty="0" smtClean="0"/>
+              <a:t>Preliminarily, </a:t>
+            </a:r>
+            <a:r>
+              <a:rPr lang="en-US" dirty="0"/>
+              <a:t>fisheries biologists </a:t>
+            </a:r>
+            <a:r>
+              <a:rPr lang="en-US" dirty="0" smtClean="0"/>
+              <a:t>classified </a:t>
+            </a:r>
+            <a:r>
+              <a:rPr lang="en-US" dirty="0"/>
+              <a:t>the diets of </a:t>
+            </a:r>
+            <a:r>
+              <a:rPr lang="en-US" b="1" dirty="0" smtClean="0">
+                <a:solidFill>
+                  <a:schemeClr val="hlink"/>
+                </a:solidFill>
+              </a:rPr>
+              <a:t>50</a:t>
+            </a:r>
+            <a:r>
+              <a:rPr lang="en-US" dirty="0" smtClean="0"/>
+              <a:t> </a:t>
+            </a:r>
+            <a:r>
+              <a:rPr lang="en-US" dirty="0"/>
+              <a:t>L</a:t>
+            </a:r>
+            <a:r>
+              <a:rPr lang="en-US" dirty="0" smtClean="0"/>
+              <a:t>ake </a:t>
+            </a:r>
+            <a:r>
+              <a:rPr lang="en-US" dirty="0"/>
+              <a:t>T</a:t>
+            </a:r>
+            <a:r>
+              <a:rPr lang="en-US" dirty="0" smtClean="0"/>
+              <a:t>rout </a:t>
+            </a:r>
+            <a:r>
+              <a:rPr lang="en-US" dirty="0"/>
+              <a:t>and </a:t>
+            </a:r>
+            <a:r>
+              <a:rPr lang="en-US" b="1" dirty="0" smtClean="0">
+                <a:solidFill>
+                  <a:schemeClr val="accent1"/>
+                </a:solidFill>
+              </a:rPr>
+              <a:t>40</a:t>
+            </a:r>
+            <a:r>
+              <a:rPr lang="en-US" dirty="0" smtClean="0"/>
+              <a:t> </a:t>
+            </a:r>
+            <a:r>
+              <a:rPr lang="en-US" dirty="0"/>
+              <a:t>C</a:t>
+            </a:r>
+            <a:r>
+              <a:rPr lang="en-US" dirty="0" smtClean="0"/>
+              <a:t>hinook Salmon as </a:t>
+            </a:r>
+            <a:r>
+              <a:rPr lang="en-US" dirty="0"/>
+              <a:t>containing </a:t>
+            </a:r>
+            <a:r>
+              <a:rPr lang="en-US" dirty="0" smtClean="0"/>
+              <a:t>Lake </a:t>
+            </a:r>
+            <a:r>
+              <a:rPr lang="en-US" dirty="0"/>
+              <a:t>H</a:t>
+            </a:r>
+            <a:r>
+              <a:rPr lang="en-US" dirty="0" smtClean="0"/>
+              <a:t>erring </a:t>
+            </a:r>
+            <a:r>
+              <a:rPr lang="en-US" dirty="0"/>
+              <a:t>or not. They found </a:t>
+            </a:r>
+            <a:r>
+              <a:rPr lang="en-US" b="1" dirty="0" smtClean="0">
+                <a:solidFill>
+                  <a:schemeClr val="hlink"/>
+                </a:solidFill>
+              </a:rPr>
+              <a:t>36</a:t>
+            </a:r>
+            <a:r>
+              <a:rPr lang="en-US" dirty="0" smtClean="0"/>
+              <a:t> Lake </a:t>
+            </a:r>
+            <a:r>
+              <a:rPr lang="en-US" dirty="0"/>
+              <a:t>T</a:t>
+            </a:r>
+            <a:r>
+              <a:rPr lang="en-US" dirty="0" smtClean="0"/>
+              <a:t>rout </a:t>
+            </a:r>
+            <a:r>
+              <a:rPr lang="en-US" dirty="0"/>
+              <a:t>and </a:t>
+            </a:r>
+            <a:r>
+              <a:rPr lang="en-US" b="1" dirty="0">
+                <a:solidFill>
+                  <a:schemeClr val="accent1"/>
+                </a:solidFill>
+              </a:rPr>
+              <a:t>24</a:t>
+            </a:r>
+            <a:r>
+              <a:rPr lang="en-US" dirty="0"/>
+              <a:t> C</a:t>
+            </a:r>
+            <a:r>
+              <a:rPr lang="en-US" dirty="0" smtClean="0"/>
+              <a:t>hinook </a:t>
+            </a:r>
+            <a:r>
+              <a:rPr lang="en-US" dirty="0"/>
+              <a:t>S</a:t>
+            </a:r>
+            <a:r>
+              <a:rPr lang="en-US" dirty="0" smtClean="0"/>
+              <a:t>almon </a:t>
+            </a:r>
+            <a:r>
+              <a:rPr lang="en-US" dirty="0"/>
+              <a:t>contained </a:t>
+            </a:r>
+            <a:r>
+              <a:rPr lang="en-US" dirty="0" smtClean="0"/>
+              <a:t>Lake </a:t>
+            </a:r>
+            <a:r>
+              <a:rPr lang="en-US" dirty="0"/>
+              <a:t>H</a:t>
+            </a:r>
+            <a:r>
+              <a:rPr lang="en-US" dirty="0" smtClean="0"/>
+              <a:t>erring</a:t>
+            </a:r>
+            <a:r>
+              <a:rPr lang="en-US" dirty="0"/>
+              <a:t>. T</a:t>
+            </a:r>
+            <a:r>
+              <a:rPr lang="en-US" dirty="0" smtClean="0"/>
+              <a:t>est </a:t>
+            </a:r>
+            <a:r>
+              <a:rPr lang="en-US" dirty="0"/>
+              <a:t>(at the 10% level) if there is a difference in the proportion of </a:t>
+            </a:r>
+            <a:r>
+              <a:rPr lang="en-US" dirty="0" smtClean="0"/>
+              <a:t>Lake </a:t>
+            </a:r>
+            <a:r>
+              <a:rPr lang="en-US" dirty="0"/>
+              <a:t>T</a:t>
+            </a:r>
+            <a:r>
+              <a:rPr lang="en-US" dirty="0" smtClean="0"/>
+              <a:t>rout </a:t>
+            </a:r>
+            <a:r>
+              <a:rPr lang="en-US" dirty="0"/>
+              <a:t>and </a:t>
+            </a:r>
+            <a:r>
+              <a:rPr lang="en-US" dirty="0" smtClean="0"/>
+              <a:t>Chinook </a:t>
+            </a:r>
+            <a:r>
+              <a:rPr lang="en-US" dirty="0"/>
+              <a:t>S</a:t>
+            </a:r>
+            <a:r>
+              <a:rPr lang="en-US" dirty="0" smtClean="0"/>
+              <a:t>almon </a:t>
+            </a:r>
+            <a:r>
+              <a:rPr lang="en-US" dirty="0"/>
+              <a:t>that </a:t>
+            </a:r>
+            <a:r>
+              <a:rPr lang="en-US" dirty="0" smtClean="0"/>
+              <a:t>had Lake </a:t>
+            </a:r>
+            <a:r>
+              <a:rPr lang="en-US" dirty="0"/>
+              <a:t>H</a:t>
+            </a:r>
+            <a:r>
+              <a:rPr lang="en-US" dirty="0" smtClean="0"/>
+              <a:t>erring</a:t>
+            </a:r>
+            <a:r>
+              <a:rPr lang="en-US" dirty="0"/>
+              <a:t>.</a:t>
+            </a:r>
+          </a:p>
+        </p:txBody>
+      </p:sp>
+    </p:spTree>
+    <p:extLst>
+      <p:ext uri="{BB962C8B-B14F-4D97-AF65-F5344CB8AC3E}">
+        <p14:creationId xmlns:p14="http://schemas.microsoft.com/office/powerpoint/2010/main" val="2014688986"/>
+      </p:ext>
+    </p:extLst>
+  </p:cSld>
+  <p:clrMapOvr>
+    <a:masterClrMapping/>
+  </p:clrMapOvr>
+  <p:timing>
+    <p:tnLst>
+      <p:par>
+        <p:cTn id="1" dur="indefinite" restart="never" nodeType="tmRoot"/>
+      </p:par>
+    </p:tnLst>
+  </p:timing>
+</p:sld>
+</file>
+
+<file path=ppt/slides/slide4.xml><?xml version="1.0" encoding="utf-8"?>
 <p:sld xmlns:a="http://schemas.openxmlformats.org/drawingml/2006/main" xmlns:r="http://schemas.openxmlformats.org/officeDocument/2006/relationships" xmlns:p="http://schemas.openxmlformats.org/presentationml/2006/main" showMasterPhAnim="0">
   <p:cSld>
     <p:spTree>
@@ -4517,7 +5386,7 @@
           <a:lstStyle/>
           <a:p>
             <a:r>
-              <a:rPr lang="en-US"/>
+              <a:rPr lang="en-US" altLang="en-US"/>
               <a:t>Chi-square</a:t>
             </a:r>
           </a:p>
@@ -4539,21 +5408,342 @@
           <a:lstStyle/>
           <a:p>
             <a:r>
-              <a:rPr lang="en-US"/>
+              <a:rPr lang="en-US" altLang="en-US"/>
               <a:t>Slide #</a:t>
             </a:r>
-            <a:fld id="{6DBB84AF-0AA5-4821-A2AA-F75E615EED53}" type="slidenum">
-              <a:rPr lang="en-US"/>
+            <a:fld id="{D80E990E-8109-41BA-833B-B0D2DDB84E37}" type="slidenum">
+              <a:rPr lang="en-US" altLang="en-US"/>
               <a:pPr/>
-              <a:t>3</a:t>
+              <a:t>4</a:t>
             </a:fld>
-            <a:endParaRPr lang="en-US"/>
-          </a:p>
-        </p:txBody>
-      </p:sp>
-      <p:sp>
-        <p:nvSpPr>
-          <p:cNvPr id="188418" name="Rectangle 2"/>
+            <a:endParaRPr lang="en-US" altLang="en-US"/>
+          </a:p>
+        </p:txBody>
+      </p:sp>
+      <p:sp>
+        <p:nvSpPr>
+          <p:cNvPr id="191490" name="Rectangle 2"/>
+          <p:cNvSpPr>
+            <a:spLocks noGrp="1" noChangeArrowheads="1"/>
+          </p:cNvSpPr>
+          <p:nvPr>
+            <p:ph type="body" idx="1"/>
+          </p:nvPr>
+        </p:nvSpPr>
+        <p:spPr>
+          <a:xfrm>
+            <a:off x="152400" y="1066800"/>
+            <a:ext cx="8001000" cy="5562600"/>
+          </a:xfrm>
+        </p:spPr>
+        <p:txBody>
+          <a:bodyPr/>
+          <a:lstStyle/>
+          <a:p>
+            <a:pPr>
+              <a:lnSpc>
+                <a:spcPct val="90000"/>
+              </a:lnSpc>
+              <a:buFontTx/>
+              <a:buNone/>
+            </a:pPr>
+            <a:r>
+              <a:rPr lang="en-US" altLang="en-US" b="1" dirty="0">
+                <a:solidFill>
+                  <a:schemeClr val="accent1"/>
+                </a:solidFill>
+              </a:rPr>
+              <a:t>1) State the rejection criterion (</a:t>
+            </a:r>
+            <a:r>
+              <a:rPr lang="en-US" altLang="en-US" b="1" dirty="0">
+                <a:solidFill>
+                  <a:schemeClr val="accent1"/>
+                </a:solidFill>
+                <a:latin typeface="Symbol" panose="05050102010706020507" pitchFamily="18" charset="2"/>
+              </a:rPr>
+              <a:t>a</a:t>
+            </a:r>
+            <a:r>
+              <a:rPr lang="en-US" altLang="en-US" b="1" dirty="0">
+                <a:solidFill>
+                  <a:schemeClr val="accent1"/>
+                </a:solidFill>
+              </a:rPr>
+              <a:t>)</a:t>
+            </a:r>
+            <a:endParaRPr lang="en-US" altLang="en-US" b="1" dirty="0"/>
+          </a:p>
+          <a:p>
+            <a:pPr lvl="1">
+              <a:lnSpc>
+                <a:spcPct val="90000"/>
+              </a:lnSpc>
+            </a:pPr>
+            <a:r>
+              <a:rPr lang="en-US" altLang="en-US" dirty="0"/>
+              <a:t>use </a:t>
+            </a:r>
+            <a:r>
+              <a:rPr lang="en-US" altLang="en-US" dirty="0">
+                <a:latin typeface="Symbol" panose="05050102010706020507" pitchFamily="18" charset="2"/>
+              </a:rPr>
+              <a:t>a</a:t>
+            </a:r>
+            <a:r>
+              <a:rPr lang="en-US" altLang="en-US" dirty="0"/>
+              <a:t>=0.10</a:t>
+            </a:r>
+          </a:p>
+          <a:p>
+            <a:pPr lvl="1">
+              <a:lnSpc>
+                <a:spcPct val="90000"/>
+              </a:lnSpc>
+            </a:pPr>
+            <a:endParaRPr lang="en-US" altLang="en-US" sz="1400" dirty="0"/>
+          </a:p>
+          <a:p>
+            <a:pPr>
+              <a:lnSpc>
+                <a:spcPct val="90000"/>
+              </a:lnSpc>
+              <a:buFontTx/>
+              <a:buNone/>
+            </a:pPr>
+            <a:r>
+              <a:rPr lang="en-US" altLang="en-US" b="1" dirty="0">
+                <a:solidFill>
+                  <a:schemeClr val="accent1"/>
+                </a:solidFill>
+              </a:rPr>
+              <a:t>2) </a:t>
+            </a:r>
+            <a:r>
+              <a:rPr lang="en-US" altLang="en-US" b="1" dirty="0" smtClean="0">
+                <a:solidFill>
+                  <a:schemeClr val="accent1"/>
+                </a:solidFill>
+              </a:rPr>
+              <a:t>State </a:t>
+            </a:r>
+            <a:r>
+              <a:rPr lang="en-US" altLang="en-US" b="1" dirty="0">
+                <a:solidFill>
+                  <a:schemeClr val="accent1"/>
+                </a:solidFill>
+              </a:rPr>
+              <a:t>the null and alternative hypotheses</a:t>
+            </a:r>
+            <a:endParaRPr lang="en-US" altLang="en-US" b="1" dirty="0"/>
+          </a:p>
+          <a:p>
+            <a:pPr lvl="1">
+              <a:lnSpc>
+                <a:spcPct val="90000"/>
+              </a:lnSpc>
+            </a:pPr>
+            <a:r>
+              <a:rPr lang="en-US" altLang="en-US" sz="2400" dirty="0"/>
+              <a:t>H</a:t>
+            </a:r>
+            <a:r>
+              <a:rPr lang="en-US" altLang="en-US" sz="2400" baseline="-25000" dirty="0"/>
+              <a:t>0</a:t>
+            </a:r>
+            <a:r>
+              <a:rPr lang="en-US" altLang="en-US" sz="2400" dirty="0" smtClean="0"/>
+              <a:t>: “There is NO difference in the distribution of predators into the two prey categories”</a:t>
+            </a:r>
+          </a:p>
+          <a:p>
+            <a:pPr lvl="1">
+              <a:lnSpc>
+                <a:spcPct val="90000"/>
+              </a:lnSpc>
+            </a:pPr>
+            <a:r>
+              <a:rPr lang="en-US" altLang="en-US" sz="2400" dirty="0" smtClean="0"/>
+              <a:t>H</a:t>
+            </a:r>
+            <a:r>
+              <a:rPr lang="en-US" altLang="en-US" sz="2400" baseline="-25000" dirty="0" smtClean="0"/>
+              <a:t>A</a:t>
+            </a:r>
+            <a:r>
+              <a:rPr lang="en-US" altLang="en-US" sz="2400" dirty="0" smtClean="0"/>
+              <a:t>: </a:t>
+            </a:r>
+            <a:r>
+              <a:rPr lang="en-US" altLang="en-US" sz="2400" dirty="0"/>
+              <a:t>“There is </a:t>
+            </a:r>
+            <a:r>
+              <a:rPr lang="en-US" altLang="en-US" sz="2400" dirty="0" smtClean="0"/>
+              <a:t>a difference </a:t>
+            </a:r>
+            <a:r>
+              <a:rPr lang="en-US" altLang="en-US" sz="2400" dirty="0"/>
+              <a:t>in the distribution of predators into the two prey categories”</a:t>
+            </a:r>
+          </a:p>
+          <a:p>
+            <a:pPr lvl="1">
+              <a:lnSpc>
+                <a:spcPct val="90000"/>
+              </a:lnSpc>
+            </a:pPr>
+            <a:endParaRPr lang="en-US" altLang="en-US" sz="2400" dirty="0" smtClean="0"/>
+          </a:p>
+          <a:p>
+            <a:pPr lvl="1">
+              <a:lnSpc>
+                <a:spcPct val="90000"/>
+              </a:lnSpc>
+            </a:pPr>
+            <a:r>
+              <a:rPr lang="en-US" altLang="en-US" sz="2400" dirty="0" smtClean="0"/>
+              <a:t>Alternatively …</a:t>
+            </a:r>
+          </a:p>
+          <a:p>
+            <a:pPr lvl="2">
+              <a:lnSpc>
+                <a:spcPct val="90000"/>
+              </a:lnSpc>
+            </a:pPr>
+            <a:r>
+              <a:rPr lang="en-US" altLang="en-US" sz="2000" dirty="0" smtClean="0"/>
+              <a:t>H</a:t>
+            </a:r>
+            <a:r>
+              <a:rPr lang="en-US" altLang="en-US" sz="2000" baseline="-25000" dirty="0" smtClean="0"/>
+              <a:t>0</a:t>
+            </a:r>
+            <a:r>
+              <a:rPr lang="en-US" altLang="en-US" sz="2000" dirty="0"/>
+              <a:t>: </a:t>
+            </a:r>
+            <a:r>
+              <a:rPr lang="en-US" altLang="en-US" sz="2000" dirty="0" err="1"/>
+              <a:t>p</a:t>
+            </a:r>
+            <a:r>
+              <a:rPr lang="en-US" altLang="en-US" sz="2000" baseline="-25000" dirty="0" err="1"/>
+              <a:t>LT</a:t>
+            </a:r>
+            <a:r>
+              <a:rPr lang="en-US" altLang="en-US" sz="2000" dirty="0"/>
+              <a:t> = </a:t>
+            </a:r>
+            <a:r>
+              <a:rPr lang="en-US" altLang="en-US" sz="2000" dirty="0" err="1"/>
+              <a:t>p</a:t>
+            </a:r>
+            <a:r>
+              <a:rPr lang="en-US" altLang="en-US" sz="2000" baseline="-25000" dirty="0" err="1"/>
+              <a:t>CS</a:t>
+            </a:r>
+            <a:endParaRPr lang="en-US" altLang="en-US" sz="2000" baseline="-25000" dirty="0"/>
+          </a:p>
+          <a:p>
+            <a:pPr lvl="2">
+              <a:lnSpc>
+                <a:spcPct val="90000"/>
+              </a:lnSpc>
+            </a:pPr>
+            <a:r>
+              <a:rPr lang="en-US" altLang="en-US" sz="2000" dirty="0"/>
+              <a:t>H</a:t>
+            </a:r>
+            <a:r>
+              <a:rPr lang="en-US" altLang="en-US" sz="2000" baseline="-25000" dirty="0"/>
+              <a:t>A</a:t>
+            </a:r>
+            <a:r>
+              <a:rPr lang="en-US" altLang="en-US" sz="2000" dirty="0"/>
+              <a:t>: </a:t>
+            </a:r>
+            <a:r>
+              <a:rPr lang="en-US" altLang="en-US" sz="2000" dirty="0" err="1"/>
+              <a:t>p</a:t>
+            </a:r>
+            <a:r>
+              <a:rPr lang="en-US" altLang="en-US" sz="2000" baseline="-25000" dirty="0" err="1"/>
+              <a:t>LT</a:t>
+            </a:r>
+            <a:r>
+              <a:rPr lang="en-US" altLang="en-US" sz="2000" dirty="0"/>
+              <a:t> </a:t>
+            </a:r>
+            <a:r>
+              <a:rPr lang="en-US" altLang="en-US" sz="2000" dirty="0">
+                <a:cs typeface="Times New Roman" panose="02020603050405020304" pitchFamily="18" charset="0"/>
+              </a:rPr>
+              <a:t>≠</a:t>
+            </a:r>
+            <a:r>
+              <a:rPr lang="en-US" altLang="en-US" sz="2000" dirty="0"/>
+              <a:t> </a:t>
+            </a:r>
+            <a:r>
+              <a:rPr lang="en-US" altLang="en-US" sz="2000" dirty="0" err="1"/>
+              <a:t>p</a:t>
+            </a:r>
+            <a:r>
+              <a:rPr lang="en-US" altLang="en-US" sz="2000" baseline="-25000" dirty="0" err="1"/>
+              <a:t>CS</a:t>
+            </a:r>
+            <a:endParaRPr lang="en-US" altLang="en-US" sz="2000" baseline="-25000" dirty="0"/>
+          </a:p>
+          <a:p>
+            <a:pPr lvl="3">
+              <a:lnSpc>
+                <a:spcPct val="90000"/>
+              </a:lnSpc>
+            </a:pPr>
+            <a:r>
+              <a:rPr lang="en-US" altLang="en-US" sz="1600" dirty="0"/>
+              <a:t>where p is the proportion that consumed lake herring</a:t>
+            </a:r>
+          </a:p>
+          <a:p>
+            <a:pPr lvl="3">
+              <a:lnSpc>
+                <a:spcPct val="90000"/>
+              </a:lnSpc>
+            </a:pPr>
+            <a:r>
+              <a:rPr lang="en-US" altLang="en-US" sz="1600" dirty="0"/>
+              <a:t>where LT = </a:t>
+            </a:r>
+            <a:r>
+              <a:rPr lang="en-US" altLang="en-US" sz="1600" dirty="0" smtClean="0"/>
+              <a:t>Lake Trout </a:t>
+            </a:r>
+            <a:r>
+              <a:rPr lang="en-US" altLang="en-US" sz="1600" dirty="0"/>
+              <a:t>and CS = </a:t>
+            </a:r>
+            <a:r>
+              <a:rPr lang="en-US" altLang="en-US" sz="1600" dirty="0" smtClean="0"/>
+              <a:t>Chinook </a:t>
+            </a:r>
+            <a:r>
+              <a:rPr lang="en-US" altLang="en-US" sz="1600" dirty="0"/>
+              <a:t>S</a:t>
+            </a:r>
+            <a:r>
+              <a:rPr lang="en-US" altLang="en-US" sz="1600" dirty="0" smtClean="0"/>
+              <a:t>almon</a:t>
+            </a:r>
+            <a:endParaRPr lang="en-US" altLang="en-US" sz="1600" dirty="0"/>
+          </a:p>
+        </p:txBody>
+      </p:sp>
+      <p:sp>
+        <p:nvSpPr>
+          <p:cNvPr id="191491" name="Rectangle 3"/>
           <p:cNvSpPr>
             <a:spLocks noGrp="1" noChangeArrowheads="1"/>
           </p:cNvSpPr>
@@ -4561,172 +5751,31 @@
             <p:ph type="title"/>
           </p:nvPr>
         </p:nvSpPr>
-        <p:spPr/>
+        <p:spPr>
+          <a:xfrm>
+            <a:off x="685800" y="152400"/>
+            <a:ext cx="7772400" cy="838200"/>
+          </a:xfrm>
+          <a:noFill/>
+          <a:ln/>
+        </p:spPr>
         <p:txBody>
           <a:bodyPr/>
           <a:lstStyle/>
           <a:p>
             <a:r>
-              <a:rPr lang="en-US"/>
-              <a:t>What do those examples have in common?</a:t>
-            </a:r>
-          </a:p>
-        </p:txBody>
-      </p:sp>
-      <p:sp>
-        <p:nvSpPr>
-          <p:cNvPr id="188419" name="Rectangle 3"/>
-          <p:cNvSpPr>
-            <a:spLocks noGrp="1" noChangeArrowheads="1"/>
-          </p:cNvSpPr>
-          <p:nvPr>
-            <p:ph type="body" idx="1"/>
-          </p:nvPr>
-        </p:nvSpPr>
-        <p:spPr>
-          <a:xfrm>
-            <a:off x="685800" y="1981200"/>
-            <a:ext cx="8382000" cy="4572000"/>
-          </a:xfrm>
-        </p:spPr>
-        <p:txBody>
-          <a:bodyPr/>
-          <a:lstStyle/>
-          <a:p>
-            <a:r>
-              <a:rPr lang="en-US" sz="2800" dirty="0" smtClean="0"/>
-              <a:t>A </a:t>
-            </a:r>
-            <a:r>
-              <a:rPr lang="en-US" sz="2800" b="1" dirty="0" smtClean="0">
-                <a:solidFill>
-                  <a:srgbClr val="FF0000"/>
-                </a:solidFill>
-              </a:rPr>
-              <a:t>categorical</a:t>
-            </a:r>
-            <a:r>
-              <a:rPr lang="en-US" sz="2800" dirty="0" smtClean="0"/>
-              <a:t> </a:t>
-            </a:r>
-            <a:r>
-              <a:rPr lang="en-US" sz="2800" dirty="0"/>
-              <a:t>response variable</a:t>
-            </a:r>
-          </a:p>
-          <a:p>
-            <a:pPr lvl="1"/>
-            <a:r>
-              <a:rPr lang="en-US" sz="2400" dirty="0" smtClean="0"/>
-              <a:t>dominant </a:t>
-            </a:r>
-            <a:r>
-              <a:rPr lang="en-US" sz="2400" dirty="0"/>
-              <a:t>plant in a plot</a:t>
-            </a:r>
-          </a:p>
-          <a:p>
-            <a:pPr lvl="1"/>
-            <a:r>
-              <a:rPr lang="en-US" sz="2400" dirty="0"/>
-              <a:t>sex of student (male or female</a:t>
-            </a:r>
-            <a:r>
-              <a:rPr lang="en-US" sz="2400" dirty="0" smtClean="0"/>
-              <a:t>)</a:t>
-            </a:r>
-          </a:p>
-          <a:p>
-            <a:pPr lvl="1"/>
-            <a:r>
-              <a:rPr lang="en-US" sz="2400" dirty="0"/>
-              <a:t>occurrence of a food item (Y/N</a:t>
-            </a:r>
-            <a:r>
-              <a:rPr lang="en-US" sz="2400" dirty="0" smtClean="0"/>
-              <a:t>)</a:t>
-            </a:r>
-          </a:p>
-          <a:p>
-            <a:pPr lvl="1"/>
-            <a:endParaRPr lang="en-US" sz="1400" dirty="0"/>
-          </a:p>
-          <a:p>
-            <a:r>
-              <a:rPr lang="en-US" sz="2800" dirty="0"/>
-              <a:t>C</a:t>
-            </a:r>
-            <a:r>
-              <a:rPr lang="en-US" sz="2800" dirty="0" smtClean="0"/>
-              <a:t>ompare response frequencies </a:t>
-            </a:r>
-            <a:r>
-              <a:rPr lang="en-US" sz="2800" dirty="0"/>
-              <a:t>among </a:t>
-            </a:r>
-            <a:r>
-              <a:rPr lang="en-US" sz="2800" b="1" u="sng" dirty="0" smtClean="0">
-                <a:solidFill>
-                  <a:srgbClr val="FF0000"/>
-                </a:solidFill>
-              </a:rPr>
-              <a:t>&gt;</a:t>
-            </a:r>
-            <a:r>
-              <a:rPr lang="en-US" sz="2800" b="1" dirty="0" smtClean="0">
-                <a:solidFill>
-                  <a:srgbClr val="FF0000"/>
-                </a:solidFill>
-              </a:rPr>
-              <a:t>2 groups</a:t>
-            </a:r>
-            <a:endParaRPr lang="en-US" sz="2800" b="1" dirty="0">
-              <a:solidFill>
-                <a:srgbClr val="FF0000"/>
-              </a:solidFill>
-            </a:endParaRPr>
-          </a:p>
-          <a:p>
-            <a:pPr lvl="1"/>
-            <a:r>
-              <a:rPr lang="en-US" sz="2400" dirty="0" smtClean="0"/>
-              <a:t>between </a:t>
-            </a:r>
-            <a:r>
-              <a:rPr lang="en-US" sz="2400" dirty="0"/>
-              <a:t>two locations</a:t>
-            </a:r>
-          </a:p>
-          <a:p>
-            <a:pPr lvl="1"/>
-            <a:r>
-              <a:rPr lang="en-US" sz="2400" dirty="0" smtClean="0"/>
-              <a:t>among </a:t>
-            </a:r>
-            <a:r>
-              <a:rPr lang="en-US" sz="2400" dirty="0"/>
-              <a:t>three </a:t>
-            </a:r>
-            <a:r>
-              <a:rPr lang="en-US" sz="2400" dirty="0" smtClean="0"/>
-              <a:t>divisions</a:t>
-            </a:r>
-          </a:p>
-          <a:p>
-            <a:pPr lvl="1"/>
-            <a:r>
-              <a:rPr lang="en-US" sz="2400" dirty="0"/>
-              <a:t>between lake trout and chinook </a:t>
-            </a:r>
-            <a:r>
-              <a:rPr lang="en-US" sz="2400" dirty="0" smtClean="0"/>
-              <a:t>salmon</a:t>
-            </a:r>
-            <a:endParaRPr lang="en-US" sz="2400" dirty="0"/>
+              <a:rPr lang="en-US" altLang="en-US"/>
+              <a:t>A Full Example</a:t>
+            </a:r>
           </a:p>
         </p:txBody>
       </p:sp>
     </p:spTree>
+    <p:extLst>
+      <p:ext uri="{BB962C8B-B14F-4D97-AF65-F5344CB8AC3E}">
+        <p14:creationId xmlns:p14="http://schemas.microsoft.com/office/powerpoint/2010/main" val="355018268"/>
+      </p:ext>
+    </p:extLst>
   </p:cSld>
   <p:clrMapOvr>
     <a:masterClrMapping/>
@@ -4765,7 +5814,145 @@
                                           </p:stCondLst>
                                         </p:cTn>
                                         <p:tgtEl>
-                                          <p:spTgt spid="188419">
+                                          <p:spTgt spid="191490">
+                                            <p:txEl>
+                                              <p:pRg st="1" end="1"/>
+                                            </p:txEl>
+                                          </p:spTgt>
+                                        </p:tgtEl>
+                                        <p:attrNameLst>
+                                          <p:attrName>style.visibility</p:attrName>
+                                        </p:attrNameLst>
+                                      </p:cBhvr>
+                                      <p:to>
+                                        <p:strVal val="visible"/>
+                                      </p:to>
+                                    </p:set>
+                                  </p:childTnLst>
+                                </p:cTn>
+                              </p:par>
+                            </p:childTnLst>
+                          </p:cTn>
+                        </p:par>
+                        <p:par>
+                          <p:cTn id="7" fill="hold" nodeType="withGroup">
+                            <p:stCondLst>
+                              <p:cond delay="0"/>
+                            </p:stCondLst>
+                            <p:childTnLst>
+                              <p:par>
+                                <p:cTn id="8" presetID="1" presetClass="entr" presetSubtype="0" fill="hold" grpId="0" nodeType="afterEffect">
+                                  <p:stCondLst>
+                                    <p:cond delay="500"/>
+                                  </p:stCondLst>
+                                  <p:childTnLst>
+                                    <p:set>
+                                      <p:cBhvr>
+                                        <p:cTn id="9" dur="1" fill="hold">
+                                          <p:stCondLst>
+                                            <p:cond delay="0"/>
+                                          </p:stCondLst>
+                                        </p:cTn>
+                                        <p:tgtEl>
+                                          <p:spTgt spid="191490">
+                                            <p:txEl>
+                                              <p:pRg st="3" end="3"/>
+                                            </p:txEl>
+                                          </p:spTgt>
+                                        </p:tgtEl>
+                                        <p:attrNameLst>
+                                          <p:attrName>style.visibility</p:attrName>
+                                        </p:attrNameLst>
+                                      </p:cBhvr>
+                                      <p:to>
+                                        <p:strVal val="visible"/>
+                                      </p:to>
+                                    </p:set>
+                                  </p:childTnLst>
+                                </p:cTn>
+                              </p:par>
+                            </p:childTnLst>
+                          </p:cTn>
+                        </p:par>
+                      </p:childTnLst>
+                    </p:cTn>
+                  </p:par>
+                  <p:par>
+                    <p:cTn id="10" fill="hold">
+                      <p:stCondLst>
+                        <p:cond delay="indefinite"/>
+                      </p:stCondLst>
+                      <p:childTnLst>
+                        <p:par>
+                          <p:cTn id="11" fill="hold">
+                            <p:stCondLst>
+                              <p:cond delay="0"/>
+                            </p:stCondLst>
+                            <p:childTnLst>
+                              <p:par>
+                                <p:cTn id="12" presetID="1" presetClass="entr" presetSubtype="0" fill="hold" grpId="0" nodeType="clickEffect">
+                                  <p:stCondLst>
+                                    <p:cond delay="0"/>
+                                  </p:stCondLst>
+                                  <p:childTnLst>
+                                    <p:set>
+                                      <p:cBhvr>
+                                        <p:cTn id="13" dur="1" fill="hold">
+                                          <p:stCondLst>
+                                            <p:cond delay="0"/>
+                                          </p:stCondLst>
+                                        </p:cTn>
+                                        <p:tgtEl>
+                                          <p:spTgt spid="191490">
+                                            <p:txEl>
+                                              <p:pRg st="4" end="4"/>
+                                            </p:txEl>
+                                          </p:spTgt>
+                                        </p:tgtEl>
+                                        <p:attrNameLst>
+                                          <p:attrName>style.visibility</p:attrName>
+                                        </p:attrNameLst>
+                                      </p:cBhvr>
+                                      <p:to>
+                                        <p:strVal val="visible"/>
+                                      </p:to>
+                                    </p:set>
+                                  </p:childTnLst>
+                                </p:cTn>
+                              </p:par>
+                            </p:childTnLst>
+                          </p:cTn>
+                        </p:par>
+                      </p:childTnLst>
+                    </p:cTn>
+                  </p:par>
+                  <p:par>
+                    <p:cTn id="14" fill="hold">
+                      <p:stCondLst>
+                        <p:cond delay="indefinite"/>
+                      </p:stCondLst>
+                      <p:childTnLst>
+                        <p:par>
+                          <p:cTn id="15" fill="hold">
+                            <p:stCondLst>
+                              <p:cond delay="0"/>
+                            </p:stCondLst>
+                            <p:childTnLst>
+                              <p:par>
+                                <p:cTn id="16" presetID="1" presetClass="entr" presetSubtype="0" fill="hold" grpId="0" nodeType="clickEffect">
+                                  <p:stCondLst>
+                                    <p:cond delay="0"/>
+                                  </p:stCondLst>
+                                  <p:childTnLst>
+                                    <p:set>
+                                      <p:cBhvr>
+                                        <p:cTn id="17" dur="1" fill="hold">
+                                          <p:stCondLst>
+                                            <p:cond delay="0"/>
+                                          </p:stCondLst>
+                                        </p:cTn>
+                                        <p:tgtEl>
+                                          <p:spTgt spid="191490">
                                             <p:txEl>
                                               <p:pRg st="5" end="5"/>
                                             </p:txEl>
@@ -4782,52 +5969,39 @@
                                   </p:childTnLst>
                                 </p:cTn>
                               </p:par>
+                            </p:childTnLst>
+                          </p:cTn>
+                        </p:par>
+                      </p:childTnLst>
+                    </p:cTn>
+                  </p:par>
+                  <p:par>
+                    <p:cTn id="18" fill="hold">
+                      <p:stCondLst>
+                        <p:cond delay="indefinite"/>
+                      </p:stCondLst>
+                      <p:childTnLst>
+                        <p:par>
+                          <p:cTn id="19" fill="hold">
+                            <p:stCondLst>
+                              <p:cond delay="0"/>
+                            </p:stCondLst>
+                            <p:childTnLst>
                               <p:par>
-                                <p:cTn id="7" presetID="1" presetClass="entr" presetSubtype="0" fill="hold" grpId="0" nodeType="withEffect">
+                                <p:cTn id="20" presetID="1" presetClass="entr" presetSubtype="0" fill="hold" grpId="0" nodeType="clickEffect">
                                   <p:stCondLst>
                                     <p:cond delay="0"/>
                                   </p:stCondLst>
                                   <p:childTnLst>
                                     <p:set>
                                       <p:cBhvr>
-                                        <p:cTn id="8" dur="1" fill="hold">
+                                        <p:cTn id="21" dur="1" fill="hold">
                                           <p:stCondLst>
                                             <p:cond delay="0"/>
                                           </p:stCondLst>
                                         </p:cTn>
                                         <p:tgtEl>
-                                          <p:spTgt spid="188419">
-                                            <p:txEl>
-                                              <p:pRg st="6" end="6"/>
-                                            </p:txEl>
-                                          </p:spTgt>
-                                        </p:tgtEl>
-                                        <p:attrNameLst>
-                                          <p:attrName>style.visibility</p:attrName>
-                                        </p:attrNameLst>
-                                      </p:cBhvr>
-                                      <p:to>
-                                        <p:strVal val="visible"/>
-                                      </p:to>
-                                    </p:set>
-                                  </p:childTnLst>
-                                </p:cTn>
-                              </p:par>
-                              <p:par>
-                                <p:cTn id="9" presetID="1" presetClass="entr" presetSubtype="0" fill="hold" grpId="0" nodeType="withEffect">
-                                  <p:stCondLst>
-                                    <p:cond delay="0"/>
-                                  </p:stCondLst>
-                                  <p:childTnLst>
-                                    <p:set>
-                                      <p:cBhvr>
-                                        <p:cTn id="10" dur="1" fill="hold">
-                                          <p:stCondLst>
-                                            <p:cond delay="0"/>
-                                          </p:stCondLst>
-                                        </p:cTn>
-                                        <p:tgtEl>
-                                          <p:spTgt spid="188419">
+                                          <p:spTgt spid="191490">
                                             <p:txEl>
                                               <p:pRg st="7" end="7"/>
                                             </p:txEl>
@@ -4844,23 +6018,152 @@
                                   </p:childTnLst>
                                 </p:cTn>
                               </p:par>
+                            </p:childTnLst>
+                          </p:cTn>
+                        </p:par>
+                        <p:par>
+                          <p:cTn id="22" fill="hold">
+                            <p:stCondLst>
+                              <p:cond delay="0"/>
+                            </p:stCondLst>
+                            <p:childTnLst>
                               <p:par>
-                                <p:cTn id="11" presetID="1" presetClass="entr" presetSubtype="0" fill="hold" grpId="0" nodeType="withEffect">
+                                <p:cTn id="23" presetID="1" presetClass="entr" presetSubtype="0" fill="hold" grpId="0" nodeType="afterEffect">
                                   <p:stCondLst>
                                     <p:cond delay="0"/>
                                   </p:stCondLst>
                                   <p:childTnLst>
                                     <p:set>
                                       <p:cBhvr>
-                                        <p:cTn id="12" dur="1" fill="hold">
+                                        <p:cTn id="24" dur="1" fill="hold">
                                           <p:stCondLst>
                                             <p:cond delay="0"/>
                                           </p:stCondLst>
                                         </p:cTn>
                                         <p:tgtEl>
-                                          <p:spTgt spid="188419">
+                                          <p:spTgt spid="191490">
                                             <p:txEl>
                                               <p:pRg st="8" end="8"/>
+                                            </p:txEl>
+                                          </p:spTgt>
+                                        </p:tgtEl>
+                                        <p:attrNameLst>
+                                          <p:attrName>style.visibility</p:attrName>
+                                        </p:attrNameLst>
+                                      </p:cBhvr>
+                                      <p:to>
+                                        <p:strVal val="visible"/>
+                                      </p:to>
+                                    </p:set>
+                                  </p:childTnLst>
+                                </p:cTn>
+                              </p:par>
+                            </p:childTnLst>
+                          </p:cTn>
+                        </p:par>
+                        <p:par>
+                          <p:cTn id="25" fill="hold" nodeType="withGroup">
+                            <p:stCondLst>
+                              <p:cond delay="0"/>
+                            </p:stCondLst>
+                            <p:childTnLst>
+                              <p:par>
+                                <p:cTn id="26" presetID="1" presetClass="entr" presetSubtype="0" fill="hold" grpId="0" nodeType="afterEffect">
+                                  <p:stCondLst>
+                                    <p:cond delay="0"/>
+                                  </p:stCondLst>
+                                  <p:childTnLst>
+                                    <p:set>
+                                      <p:cBhvr>
+                                        <p:cTn id="27" dur="1" fill="hold">
+                                          <p:stCondLst>
+                                            <p:cond delay="0"/>
+                                          </p:stCondLst>
+                                        </p:cTn>
+                                        <p:tgtEl>
+                                          <p:spTgt spid="191490">
+                                            <p:txEl>
+                                              <p:pRg st="9" end="9"/>
+                                            </p:txEl>
+                                          </p:spTgt>
+                                        </p:tgtEl>
+                                        <p:attrNameLst>
+                                          <p:attrName>style.visibility</p:attrName>
+                                        </p:attrNameLst>
+                                      </p:cBhvr>
+                                      <p:to>
+                                        <p:strVal val="visible"/>
+                                      </p:to>
+                                    </p:set>
+                                  </p:childTnLst>
+                                </p:cTn>
+                              </p:par>
+                            </p:childTnLst>
+                          </p:cTn>
+                        </p:par>
+                        <p:par>
+                          <p:cTn id="28" fill="hold">
+                            <p:stCondLst>
+                              <p:cond delay="0"/>
+                            </p:stCondLst>
+                            <p:childTnLst>
+                              <p:par>
+                                <p:cTn id="29" presetID="1" presetClass="entr" presetSubtype="0" fill="hold" grpId="0" nodeType="afterEffect">
+                                  <p:stCondLst>
+                                    <p:cond delay="0"/>
+                                  </p:stCondLst>
+                                  <p:childTnLst>
+                                    <p:set>
+                                      <p:cBhvr>
+                                        <p:cTn id="30" dur="1" fill="hold">
+                                          <p:stCondLst>
+                                            <p:cond delay="0"/>
+                                          </p:stCondLst>
+                                        </p:cTn>
+                                        <p:tgtEl>
+                                          <p:spTgt spid="191490">
+                                            <p:txEl>
+                                              <p:pRg st="10" end="10"/>
+                                            </p:txEl>
+                                          </p:spTgt>
+                                        </p:tgtEl>
+                                        <p:attrNameLst>
+                                          <p:attrName>style.visibility</p:attrName>
+                                        </p:attrNameLst>
+                                      </p:cBhvr>
+                                      <p:to>
+                                        <p:strVal val="visible"/>
+                                      </p:to>
+                                    </p:set>
+                                  </p:childTnLst>
+                                </p:cTn>
+                              </p:par>
+                            </p:childTnLst>
+                          </p:cTn>
+                        </p:par>
+                        <p:par>
+                          <p:cTn id="31" fill="hold">
+                            <p:stCondLst>
+                              <p:cond delay="0"/>
+                            </p:stCondLst>
+                            <p:childTnLst>
+                              <p:par>
+                                <p:cTn id="32" presetID="1" presetClass="entr" presetSubtype="0" fill="hold" grpId="0" nodeType="afterEffect">
+                                  <p:stCondLst>
+                                    <p:cond delay="0"/>
+                                  </p:stCondLst>
+                                  <p:childTnLst>
+                                    <p:set>
+                                      <p:cBhvr>
+                                        <p:cTn id="33" dur="1" fill="hold">
+                                          <p:stCondLst>
+                                            <p:cond delay="0"/>
+                                          </p:stCondLst>
+                                        </p:cTn>
+                                        <p:tgtEl>
+                                          <p:spTgt spid="191490">
+                                            <p:txEl>
+                                              <p:pRg st="11" end="11"/>
                                             </p:txEl>
                                           </p:spTgt>
                                         </p:tgtEl>
@@ -4903,13 +6206,13 @@
       </p:par>
     </p:tnLst>
     <p:bldLst>
-      <p:bldP spid="188419" grpId="0" build="p" autoUpdateAnimBg="0"/>
+      <p:bldP spid="191490" grpId="0" uiExpand="1" build="p" bldLvl="3" autoUpdateAnimBg="0"/>
     </p:bldLst>
   </p:timing>
 </p:sld>
 </file>
 
-<file path=ppt/slides/slide4.xml><?xml version="1.0" encoding="utf-8"?>
+<file path=ppt/slides/slide5.xml><?xml version="1.0" encoding="utf-8"?>
 <p:sld xmlns:a="http://schemas.openxmlformats.org/drawingml/2006/main" xmlns:r="http://schemas.openxmlformats.org/officeDocument/2006/relationships" xmlns:p="http://schemas.openxmlformats.org/presentationml/2006/main" showMasterPhAnim="0">
   <p:cSld>
     <p:spTree>
@@ -4942,7 +6245,7 @@
           <a:lstStyle/>
           <a:p>
             <a:r>
-              <a:rPr lang="en-US"/>
+              <a:rPr lang="en-US" altLang="en-US"/>
               <a:t>Chi-square</a:t>
             </a:r>
           </a:p>
@@ -4958,32 +6261,141 @@
             <p:ph type="sldNum" sz="quarter" idx="12"/>
           </p:nvPr>
         </p:nvSpPr>
+        <p:spPr/>
+        <p:txBody>
+          <a:bodyPr/>
+          <a:lstStyle/>
+          <a:p>
+            <a:r>
+              <a:rPr lang="en-US" altLang="en-US"/>
+              <a:t>Slide #</a:t>
+            </a:r>
+            <a:fld id="{D80E990E-8109-41BA-833B-B0D2DDB84E37}" type="slidenum">
+              <a:rPr lang="en-US" altLang="en-US"/>
+              <a:pPr/>
+              <a:t>5</a:t>
+            </a:fld>
+            <a:endParaRPr lang="en-US" altLang="en-US"/>
+          </a:p>
+        </p:txBody>
+      </p:sp>
+      <p:sp>
+        <p:nvSpPr>
+          <p:cNvPr id="191490" name="Rectangle 2"/>
+          <p:cNvSpPr>
+            <a:spLocks noGrp="1" noChangeArrowheads="1"/>
+          </p:cNvSpPr>
+          <p:nvPr>
+            <p:ph type="body" idx="1"/>
+          </p:nvPr>
+        </p:nvSpPr>
         <p:spPr>
           <a:xfrm>
-            <a:off x="8077200" y="6553200"/>
-            <a:ext cx="990600" cy="152400"/>
+            <a:off x="152400" y="1066800"/>
+            <a:ext cx="8001000" cy="5562600"/>
           </a:xfrm>
         </p:spPr>
         <p:txBody>
           <a:bodyPr/>
           <a:lstStyle/>
           <a:p>
-            <a:r>
-              <a:rPr lang="en-US"/>
-              <a:t>Slide #</a:t>
-            </a:r>
-            <a:fld id="{DB6696FF-38B2-4A7E-AB39-C237964A2310}" type="slidenum">
-              <a:rPr lang="en-US"/>
-              <a:pPr/>
-              <a:t>4</a:t>
-            </a:fld>
-            <a:endParaRPr lang="en-US"/>
-          </a:p>
-        </p:txBody>
-      </p:sp>
-      <p:sp>
-        <p:nvSpPr>
-          <p:cNvPr id="180226" name="Rectangle 2"/>
+            <a:pPr>
+              <a:lnSpc>
+                <a:spcPct val="90000"/>
+              </a:lnSpc>
+              <a:buFontTx/>
+              <a:buNone/>
+            </a:pPr>
+            <a:r>
+              <a:rPr lang="en-US" altLang="en-US" b="1" dirty="0" smtClean="0">
+                <a:solidFill>
+                  <a:schemeClr val="accent1"/>
+                </a:solidFill>
+              </a:rPr>
+              <a:t>3)</a:t>
+            </a:r>
+            <a:r>
+              <a:rPr lang="en-US" altLang="en-US" b="1" dirty="0">
+                <a:solidFill>
+                  <a:schemeClr val="accent1"/>
+                </a:solidFill>
+              </a:rPr>
+              <a:t> Determine which test to perform</a:t>
+            </a:r>
+            <a:endParaRPr lang="en-US" altLang="en-US" b="1" dirty="0"/>
+          </a:p>
+          <a:p>
+            <a:pPr lvl="2">
+              <a:lnSpc>
+                <a:spcPct val="90000"/>
+              </a:lnSpc>
+            </a:pPr>
+            <a:r>
+              <a:rPr lang="en-US" altLang="en-US" dirty="0"/>
+              <a:t>categorical data with two levels </a:t>
+            </a:r>
+            <a:r>
+              <a:rPr lang="en-US" altLang="en-US" dirty="0" smtClean="0"/>
+              <a:t>(Herring </a:t>
+            </a:r>
+            <a:r>
+              <a:rPr lang="en-US" altLang="en-US" dirty="0"/>
+              <a:t>or not)</a:t>
+            </a:r>
+          </a:p>
+          <a:p>
+            <a:pPr lvl="2">
+              <a:lnSpc>
+                <a:spcPct val="90000"/>
+              </a:lnSpc>
+            </a:pPr>
+            <a:r>
+              <a:rPr lang="en-US" altLang="en-US" dirty="0"/>
+              <a:t>two populations </a:t>
+            </a:r>
+            <a:r>
+              <a:rPr lang="en-US" altLang="en-US" dirty="0" smtClean="0"/>
+              <a:t>(Lake Trout</a:t>
+            </a:r>
+            <a:r>
+              <a:rPr lang="en-US" altLang="en-US" dirty="0"/>
+              <a:t>, </a:t>
+            </a:r>
+            <a:r>
+              <a:rPr lang="en-US" altLang="en-US" dirty="0" smtClean="0"/>
+              <a:t>Chinook Salmon</a:t>
+            </a:r>
+            <a:r>
+              <a:rPr lang="en-US" altLang="en-US" dirty="0"/>
+              <a:t>)</a:t>
+            </a:r>
+          </a:p>
+          <a:p>
+            <a:pPr lvl="1">
+              <a:lnSpc>
+                <a:spcPct val="90000"/>
+              </a:lnSpc>
+            </a:pPr>
+            <a:r>
+              <a:rPr lang="en-US" altLang="en-US" dirty="0">
+                <a:sym typeface="Symbol" panose="05050102010706020507" pitchFamily="18" charset="2"/>
+              </a:rPr>
+              <a:t> </a:t>
+            </a:r>
+            <a:r>
+              <a:rPr lang="en-US" altLang="en-US" dirty="0"/>
+              <a:t>chi-square </a:t>
+            </a:r>
+            <a:r>
+              <a:rPr lang="en-US" altLang="en-US" dirty="0" smtClean="0"/>
+              <a:t>test</a:t>
+            </a:r>
+          </a:p>
+        </p:txBody>
+      </p:sp>
+      <p:sp>
+        <p:nvSpPr>
+          <p:cNvPr id="191491" name="Rectangle 3"/>
           <p:cNvSpPr>
             <a:spLocks noGrp="1" noChangeArrowheads="1"/>
           </p:cNvSpPr>
@@ -4993,29 +6405,286 @@
         </p:nvSpPr>
         <p:spPr>
           <a:xfrm>
-            <a:off x="685800" y="76200"/>
-            <a:ext cx="7772400" cy="1066800"/>
+            <a:off x="685800" y="152400"/>
+            <a:ext cx="7772400" cy="838200"/>
           </a:xfrm>
+          <a:noFill/>
+          <a:ln/>
         </p:spPr>
         <p:txBody>
           <a:bodyPr/>
           <a:lstStyle/>
           <a:p>
             <a:r>
-              <a:rPr lang="en-US" sz="4000" dirty="0"/>
-              <a:t>Chi-Square </a:t>
-            </a:r>
-            <a:r>
-              <a:rPr lang="en-US" sz="4000" dirty="0" smtClean="0"/>
-              <a:t>Test</a:t>
-            </a:r>
-            <a:endParaRPr lang="en-US" sz="2400" dirty="0"/>
-          </a:p>
-        </p:txBody>
-      </p:sp>
-      <p:sp>
-        <p:nvSpPr>
-          <p:cNvPr id="180227" name="Rectangle 3"/>
+              <a:rPr lang="en-US" altLang="en-US"/>
+              <a:t>A Full Example</a:t>
+            </a:r>
+          </a:p>
+        </p:txBody>
+      </p:sp>
+    </p:spTree>
+    <p:extLst>
+      <p:ext uri="{BB962C8B-B14F-4D97-AF65-F5344CB8AC3E}">
+        <p14:creationId xmlns:p14="http://schemas.microsoft.com/office/powerpoint/2010/main" val="2729170378"/>
+      </p:ext>
+    </p:extLst>
+  </p:cSld>
+  <p:clrMapOvr>
+    <a:masterClrMapping/>
+  </p:clrMapOvr>
+  <p:timing>
+    <p:tnLst>
+      <p:par>
+        <p:cTn id="1" dur="indefinite" restart="never" nodeType="tmRoot">
+          <p:childTnLst>
+            <p:seq concurrent="1" nextAc="seek">
+              <p:cTn id="2" dur="indefinite" nodeType="mainSeq">
+                <p:childTnLst>
+                  <p:par>
+                    <p:cTn id="3" fill="hold">
+                      <p:stCondLst>
+                        <p:cond delay="indefinite"/>
+                      </p:stCondLst>
+                      <p:childTnLst>
+                        <p:par>
+                          <p:cTn id="4" fill="hold">
+                            <p:stCondLst>
+                              <p:cond delay="0"/>
+                            </p:stCondLst>
+                            <p:childTnLst>
+                              <p:par>
+                                <p:cTn id="5" presetID="1" presetClass="entr" presetSubtype="0" fill="hold" grpId="0" nodeType="clickEffect">
+                                  <p:stCondLst>
+                                    <p:cond delay="0"/>
+                                  </p:stCondLst>
+                                  <p:childTnLst>
+                                    <p:set>
+                                      <p:cBhvr>
+                                        <p:cTn id="6" dur="1" fill="hold">
+                                          <p:stCondLst>
+                                            <p:cond delay="0"/>
+                                          </p:stCondLst>
+                                        </p:cTn>
+                                        <p:tgtEl>
+                                          <p:spTgt spid="191490">
+                                            <p:txEl>
+                                              <p:pRg st="1" end="1"/>
+                                            </p:txEl>
+                                          </p:spTgt>
+                                        </p:tgtEl>
+                                        <p:attrNameLst>
+                                          <p:attrName>style.visibility</p:attrName>
+                                        </p:attrNameLst>
+                                      </p:cBhvr>
+                                      <p:to>
+                                        <p:strVal val="visible"/>
+                                      </p:to>
+                                    </p:set>
+                                  </p:childTnLst>
+                                </p:cTn>
+                              </p:par>
+                            </p:childTnLst>
+                          </p:cTn>
+                        </p:par>
+                      </p:childTnLst>
+                    </p:cTn>
+                  </p:par>
+                  <p:par>
+                    <p:cTn id="7" fill="hold">
+                      <p:stCondLst>
+                        <p:cond delay="indefinite"/>
+                      </p:stCondLst>
+                      <p:childTnLst>
+                        <p:par>
+                          <p:cTn id="8" fill="hold">
+                            <p:stCondLst>
+                              <p:cond delay="0"/>
+                            </p:stCondLst>
+                            <p:childTnLst>
+                              <p:par>
+                                <p:cTn id="9" presetID="1" presetClass="entr" presetSubtype="0" fill="hold" grpId="0" nodeType="clickEffect">
+                                  <p:stCondLst>
+                                    <p:cond delay="0"/>
+                                  </p:stCondLst>
+                                  <p:childTnLst>
+                                    <p:set>
+                                      <p:cBhvr>
+                                        <p:cTn id="10" dur="1" fill="hold">
+                                          <p:stCondLst>
+                                            <p:cond delay="0"/>
+                                          </p:stCondLst>
+                                        </p:cTn>
+                                        <p:tgtEl>
+                                          <p:spTgt spid="191490">
+                                            <p:txEl>
+                                              <p:pRg st="2" end="2"/>
+                                            </p:txEl>
+                                          </p:spTgt>
+                                        </p:tgtEl>
+                                        <p:attrNameLst>
+                                          <p:attrName>style.visibility</p:attrName>
+                                        </p:attrNameLst>
+                                      </p:cBhvr>
+                                      <p:to>
+                                        <p:strVal val="visible"/>
+                                      </p:to>
+                                    </p:set>
+                                  </p:childTnLst>
+                                </p:cTn>
+                              </p:par>
+                            </p:childTnLst>
+                          </p:cTn>
+                        </p:par>
+                      </p:childTnLst>
+                    </p:cTn>
+                  </p:par>
+                  <p:par>
+                    <p:cTn id="11" fill="hold">
+                      <p:stCondLst>
+                        <p:cond delay="indefinite"/>
+                      </p:stCondLst>
+                      <p:childTnLst>
+                        <p:par>
+                          <p:cTn id="12" fill="hold">
+                            <p:stCondLst>
+                              <p:cond delay="0"/>
+                            </p:stCondLst>
+                            <p:childTnLst>
+                              <p:par>
+                                <p:cTn id="13" presetID="1" presetClass="entr" presetSubtype="0" fill="hold" grpId="0" nodeType="clickEffect">
+                                  <p:stCondLst>
+                                    <p:cond delay="0"/>
+                                  </p:stCondLst>
+                                  <p:childTnLst>
+                                    <p:set>
+                                      <p:cBhvr>
+                                        <p:cTn id="14" dur="1" fill="hold">
+                                          <p:stCondLst>
+                                            <p:cond delay="0"/>
+                                          </p:stCondLst>
+                                        </p:cTn>
+                                        <p:tgtEl>
+                                          <p:spTgt spid="191490">
+                                            <p:txEl>
+                                              <p:pRg st="3" end="3"/>
+                                            </p:txEl>
+                                          </p:spTgt>
+                                        </p:tgtEl>
+                                        <p:attrNameLst>
+                                          <p:attrName>style.visibility</p:attrName>
+                                        </p:attrNameLst>
+                                      </p:cBhvr>
+                                      <p:to>
+                                        <p:strVal val="visible"/>
+                                      </p:to>
+                                    </p:set>
+                                  </p:childTnLst>
+                                </p:cTn>
+                              </p:par>
+                            </p:childTnLst>
+                          </p:cTn>
+                        </p:par>
+                      </p:childTnLst>
+                    </p:cTn>
+                  </p:par>
+                </p:childTnLst>
+              </p:cTn>
+              <p:prevCondLst>
+                <p:cond evt="onPrev" delay="0">
+                  <p:tgtEl>
+                    <p:sldTgt/>
+                  </p:tgtEl>
+                </p:cond>
+              </p:prevCondLst>
+              <p:nextCondLst>
+                <p:cond evt="onNext" delay="0">
+                  <p:tgtEl>
+                    <p:sldTgt/>
+                  </p:tgtEl>
+                </p:cond>
+              </p:nextCondLst>
+            </p:seq>
+          </p:childTnLst>
+        </p:cTn>
+      </p:par>
+    </p:tnLst>
+    <p:bldLst>
+      <p:bldP spid="191490" grpId="0" uiExpand="1" build="p" bldLvl="3" autoUpdateAnimBg="0"/>
+    </p:bldLst>
+  </p:timing>
+</p:sld>
+</file>
+
+<file path=ppt/slides/slide6.xml><?xml version="1.0" encoding="utf-8"?>
+<p:sld xmlns:a="http://schemas.openxmlformats.org/drawingml/2006/main" xmlns:r="http://schemas.openxmlformats.org/officeDocument/2006/relationships" xmlns:p="http://schemas.openxmlformats.org/presentationml/2006/main" showMasterPhAnim="0">
+  <p:cSld>
+    <p:spTree>
+      <p:nvGrpSpPr>
+        <p:cNvPr id="1" name=""/>
+        <p:cNvGrpSpPr/>
+        <p:nvPr/>
+      </p:nvGrpSpPr>
+      <p:grpSpPr>
+        <a:xfrm>
+          <a:off x="0" y="0"/>
+          <a:ext cx="0" cy="0"/>
+          <a:chOff x="0" y="0"/>
+          <a:chExt cx="0" cy="0"/>
+        </a:xfrm>
+      </p:grpSpPr>
+      <p:sp>
+        <p:nvSpPr>
+          <p:cNvPr id="4" name="Footer Placeholder 4"/>
+          <p:cNvSpPr>
+            <a:spLocks noGrp="1"/>
+          </p:cNvSpPr>
+          <p:nvPr>
+            <p:ph type="ftr" sz="quarter" idx="11"/>
+          </p:nvPr>
+        </p:nvSpPr>
+        <p:spPr/>
+        <p:txBody>
+          <a:bodyPr/>
+          <a:lstStyle/>
+          <a:p>
+            <a:r>
+              <a:rPr lang="en-US" altLang="en-US"/>
+              <a:t>Chi-square</a:t>
+            </a:r>
+          </a:p>
+        </p:txBody>
+      </p:sp>
+      <p:sp>
+        <p:nvSpPr>
+          <p:cNvPr id="5" name="Slide Number Placeholder 5"/>
+          <p:cNvSpPr>
+            <a:spLocks noGrp="1"/>
+          </p:cNvSpPr>
+          <p:nvPr>
+            <p:ph type="sldNum" sz="quarter" idx="12"/>
+          </p:nvPr>
+        </p:nvSpPr>
+        <p:spPr/>
+        <p:txBody>
+          <a:bodyPr/>
+          <a:lstStyle/>
+          <a:p>
+            <a:r>
+              <a:rPr lang="en-US" altLang="en-US"/>
+              <a:t>Slide #</a:t>
+            </a:r>
+            <a:fld id="{D80E990E-8109-41BA-833B-B0D2DDB84E37}" type="slidenum">
+              <a:rPr lang="en-US" altLang="en-US"/>
+              <a:pPr/>
+              <a:t>6</a:t>
+            </a:fld>
+            <a:endParaRPr lang="en-US" altLang="en-US"/>
+          </a:p>
+        </p:txBody>
+      </p:sp>
+      <p:sp>
+        <p:nvSpPr>
+          <p:cNvPr id="191490" name="Rectangle 2"/>
           <p:cNvSpPr>
             <a:spLocks noGrp="1" noChangeArrowheads="1"/>
           </p:cNvSpPr>
@@ -5025,166 +6694,189 @@
         </p:nvSpPr>
         <p:spPr>
           <a:xfrm>
-            <a:off x="152400" y="990600"/>
-            <a:ext cx="8991600" cy="5791200"/>
+            <a:off x="152400" y="1066800"/>
+            <a:ext cx="8001000" cy="2133600"/>
           </a:xfrm>
         </p:spPr>
         <p:txBody>
           <a:bodyPr/>
           <a:lstStyle/>
           <a:p>
-            <a:r>
-              <a:rPr lang="en-US" b="1" dirty="0"/>
-              <a:t>H</a:t>
-            </a:r>
-            <a:r>
-              <a:rPr lang="en-US" b="1" baseline="-25000" dirty="0"/>
-              <a:t>o</a:t>
-            </a:r>
-            <a:r>
-              <a:rPr lang="en-US" b="1" dirty="0"/>
-              <a:t>:</a:t>
-            </a:r>
-            <a:r>
-              <a:rPr lang="en-US" dirty="0"/>
-              <a:t> “distribution of individuals into the levels is same for each population”</a:t>
-            </a:r>
-          </a:p>
-          <a:p>
-            <a:r>
-              <a:rPr lang="en-US" b="1" dirty="0"/>
-              <a:t>H</a:t>
-            </a:r>
-            <a:r>
-              <a:rPr lang="en-US" b="1" baseline="-25000" dirty="0"/>
-              <a:t>A</a:t>
-            </a:r>
-            <a:r>
-              <a:rPr lang="en-US" b="1" dirty="0"/>
-              <a:t>:</a:t>
-            </a:r>
-            <a:r>
-              <a:rPr lang="en-US" dirty="0"/>
-              <a:t> “distribution of individuals into levels is different for at least one pair of populations”</a:t>
-            </a:r>
-          </a:p>
-          <a:p>
-            <a:r>
-              <a:rPr lang="en-US" b="1" dirty="0" smtClean="0"/>
-              <a:t>Assume</a:t>
-            </a:r>
-            <a:r>
-              <a:rPr lang="en-US" b="1" dirty="0"/>
-              <a:t>: </a:t>
-            </a:r>
-            <a:r>
-              <a:rPr lang="en-US" dirty="0"/>
-              <a:t>at least 5 in each cell of expected table</a:t>
-            </a:r>
-            <a:endParaRPr lang="en-US" sz="1000" dirty="0"/>
-          </a:p>
-          <a:p>
-            <a:r>
-              <a:rPr lang="en-US" b="1" dirty="0"/>
-              <a:t>Statistic: </a:t>
-            </a:r>
-            <a:r>
-              <a:rPr lang="en-US" dirty="0"/>
-              <a:t>Observed frequency table</a:t>
-            </a:r>
-          </a:p>
-          <a:p>
-            <a:endParaRPr lang="en-US" sz="2400" dirty="0"/>
-          </a:p>
-          <a:p>
-            <a:r>
-              <a:rPr lang="en-US" b="1" dirty="0"/>
-              <a:t>Test Statistic:</a:t>
-            </a:r>
-            <a:r>
-              <a:rPr lang="en-US" dirty="0"/>
-              <a:t> </a:t>
-            </a:r>
-          </a:p>
-          <a:p>
-            <a:endParaRPr lang="en-US" sz="1200" dirty="0"/>
-          </a:p>
-          <a:p>
-            <a:r>
-              <a:rPr lang="en-US" b="1" dirty="0" err="1"/>
-              <a:t>df</a:t>
-            </a:r>
-            <a:r>
-              <a:rPr lang="en-US" b="1" dirty="0"/>
-              <a:t>: </a:t>
-            </a:r>
-            <a:r>
-              <a:rPr lang="en-US" dirty="0"/>
-              <a:t>(rows-1)*(columns-1</a:t>
-            </a:r>
-            <a:r>
-              <a:rPr lang="en-US" dirty="0" smtClean="0"/>
-              <a:t>)</a:t>
-            </a:r>
-          </a:p>
-          <a:p>
-            <a:r>
-              <a:rPr lang="en-US" b="1" dirty="0" smtClean="0"/>
-              <a:t>When:</a:t>
-            </a:r>
-            <a:r>
-              <a:rPr lang="en-US" dirty="0" smtClean="0"/>
-              <a:t> categorical variable, 2+ populations/groups</a:t>
-            </a:r>
-            <a:endParaRPr lang="en-US" dirty="0"/>
+            <a:pPr>
+              <a:buFontTx/>
+              <a:buNone/>
+            </a:pPr>
+            <a:r>
+              <a:rPr lang="en-US" altLang="en-US" b="1" dirty="0" smtClean="0">
+                <a:solidFill>
+                  <a:schemeClr val="accent1"/>
+                </a:solidFill>
+              </a:rPr>
+              <a:t>4</a:t>
+            </a:r>
+            <a:r>
+              <a:rPr lang="en-US" altLang="en-US" b="1" dirty="0">
+                <a:solidFill>
+                  <a:schemeClr val="accent1"/>
+                </a:solidFill>
+              </a:rPr>
+              <a:t>) Collect the data</a:t>
+            </a:r>
+            <a:endParaRPr lang="en-US" altLang="en-US" b="1" dirty="0"/>
+          </a:p>
+          <a:p>
+            <a:pPr lvl="1"/>
+            <a:r>
+              <a:rPr lang="en-US" altLang="en-US" sz="2400" dirty="0"/>
+              <a:t>observational, no evidence of </a:t>
+            </a:r>
+            <a:r>
+              <a:rPr lang="en-US" altLang="en-US" sz="2400" dirty="0" smtClean="0"/>
+              <a:t>randomness</a:t>
+            </a:r>
+          </a:p>
+          <a:p>
+            <a:pPr lvl="1"/>
+            <a:endParaRPr lang="en-US" altLang="en-US" sz="2400" dirty="0" smtClean="0"/>
+          </a:p>
+          <a:p>
+            <a:pPr lvl="1"/>
+            <a:r>
+              <a:rPr lang="en-US" sz="2400" dirty="0">
+                <a:sym typeface="Wingdings" pitchFamily="2" charset="2"/>
+              </a:rPr>
+              <a:t>Recall – “… </a:t>
+            </a:r>
+            <a:r>
+              <a:rPr lang="en-US" sz="2400" dirty="0"/>
+              <a:t>the diets of </a:t>
+            </a:r>
+            <a:r>
+              <a:rPr lang="en-US" sz="2400" b="1" dirty="0">
+                <a:solidFill>
+                  <a:schemeClr val="hlink"/>
+                </a:solidFill>
+              </a:rPr>
+              <a:t>50</a:t>
+            </a:r>
+            <a:r>
+              <a:rPr lang="en-US" sz="2400" dirty="0"/>
+              <a:t> Lake Trout and </a:t>
+            </a:r>
+            <a:r>
+              <a:rPr lang="en-US" sz="2400" b="1" dirty="0">
+                <a:solidFill>
+                  <a:schemeClr val="accent1"/>
+                </a:solidFill>
+              </a:rPr>
+              <a:t>40</a:t>
+            </a:r>
+            <a:r>
+              <a:rPr lang="en-US" sz="2400" dirty="0"/>
+              <a:t> Chinook Salmon … found </a:t>
+            </a:r>
+            <a:r>
+              <a:rPr lang="en-US" sz="2400" b="1" dirty="0">
+                <a:solidFill>
+                  <a:schemeClr val="hlink"/>
+                </a:solidFill>
+              </a:rPr>
+              <a:t>36</a:t>
+            </a:r>
+            <a:r>
+              <a:rPr lang="en-US" sz="2400" dirty="0"/>
+              <a:t> Lake Trout and </a:t>
+            </a:r>
+            <a:r>
+              <a:rPr lang="en-US" sz="2400" b="1" dirty="0">
+                <a:solidFill>
+                  <a:schemeClr val="accent1"/>
+                </a:solidFill>
+              </a:rPr>
+              <a:t>24</a:t>
+            </a:r>
+            <a:r>
+              <a:rPr lang="en-US" sz="2400" dirty="0"/>
+              <a:t> Chinook Salmon contained Lake Herring</a:t>
+            </a:r>
+            <a:r>
+              <a:rPr lang="en-US" sz="2400" dirty="0">
+                <a:sym typeface="Wingdings" pitchFamily="2" charset="2"/>
+              </a:rPr>
+              <a:t>”</a:t>
+            </a:r>
+            <a:endParaRPr lang="en-US" altLang="en-US" sz="2400" dirty="0"/>
+          </a:p>
+        </p:txBody>
+      </p:sp>
+      <p:sp>
+        <p:nvSpPr>
+          <p:cNvPr id="191491" name="Rectangle 3"/>
+          <p:cNvSpPr>
+            <a:spLocks noGrp="1" noChangeArrowheads="1"/>
+          </p:cNvSpPr>
+          <p:nvPr>
+            <p:ph type="title"/>
+          </p:nvPr>
+        </p:nvSpPr>
+        <p:spPr>
+          <a:xfrm>
+            <a:off x="685800" y="152400"/>
+            <a:ext cx="7772400" cy="838200"/>
+          </a:xfrm>
+          <a:noFill/>
+          <a:ln/>
+        </p:spPr>
+        <p:txBody>
+          <a:bodyPr/>
+          <a:lstStyle/>
+          <a:p>
+            <a:r>
+              <a:rPr lang="en-US" altLang="en-US"/>
+              <a:t>A Full Example</a:t>
+            </a:r>
           </a:p>
         </p:txBody>
       </p:sp>
       <p:graphicFrame>
         <p:nvGraphicFramePr>
-          <p:cNvPr id="2" name="Object 1"/>
+          <p:cNvPr id="9" name="Object 4"/>
           <p:cNvGraphicFramePr>
             <a:graphicFrameLocks noChangeAspect="1"/>
           </p:cNvGraphicFramePr>
           <p:nvPr>
             <p:extLst>
               <p:ext uri="{D42A27DB-BD31-4B8C-83A1-F6EECF244321}">
-                <p14:modId xmlns:p14="http://schemas.microsoft.com/office/powerpoint/2010/main" val="593627733"/>
+                <p14:modId xmlns:p14="http://schemas.microsoft.com/office/powerpoint/2010/main" val="2840295875"/>
               </p:ext>
             </p:extLst>
           </p:nvPr>
         </p:nvGraphicFramePr>
         <p:xfrm>
-          <a:off x="3206750" y="4343400"/>
-          <a:ext cx="5403850" cy="1255712"/>
+          <a:off x="1905000" y="4063426"/>
+          <a:ext cx="4724400" cy="1337210"/>
         </p:xfrm>
         <a:graphic>
           <a:graphicData uri="http://schemas.openxmlformats.org/presentationml/2006/ole">
             <mc:AlternateContent xmlns:mc="http://schemas.openxmlformats.org/markup-compatibility/2006">
               <mc:Choice xmlns:v="urn:schemas-microsoft-com:vml" Requires="v">
-                <p:oleObj spid="_x0000_s215073" name="Equation" r:id="rId3" imgW="1968500" imgH="457200" progId="Equation.3">
+                <p:oleObj spid="_x0000_s216071" name="Worksheet" r:id="rId3" imgW="2104957" imgH="715979" progId="Excel.Sheet.8">
                   <p:embed/>
                 </p:oleObj>
               </mc:Choice>
               <mc:Fallback>
-                <p:oleObj name="Equation" r:id="rId3" imgW="1968500" imgH="457200" progId="Equation.3">
+                <p:oleObj name="Worksheet" r:id="rId3" imgW="2104957" imgH="715979" progId="Excel.Sheet.8">
                   <p:embed/>
                   <p:pic>
                     <p:nvPicPr>
-                      <p:cNvPr id="0" name="Object 9"/>
+                      <p:cNvPr id="0" name=""/>
                       <p:cNvPicPr>
                         <a:picLocks noChangeAspect="1" noChangeArrowheads="1"/>
                       </p:cNvPicPr>
                       <p:nvPr/>
                     </p:nvPicPr>
                     <p:blipFill>
-                      <a:blip r:embed="rId4">
-                        <a:extLst>
-                          <a:ext uri="{28A0092B-C50C-407E-A947-70E740481C1C}">
-                            <a14:useLocalDpi xmlns:a14="http://schemas.microsoft.com/office/drawing/2010/main" val="0"/>
-                          </a:ext>
-                        </a:extLst>
-                      </a:blip>
+                      <a:blip r:embed="rId4"/>
                       <a:srcRect/>
                       <a:stretch>
                         <a:fillRect/>
@@ -5192,8 +6884,2136 @@
                     </p:blipFill>
                     <p:spPr bwMode="auto">
                       <a:xfrm>
-                        <a:off x="3206750" y="4343400"/>
-                        <a:ext cx="5403850" cy="1255712"/>
+                        <a:off x="1905000" y="4063426"/>
+                        <a:ext cx="4724400" cy="1337210"/>
+                      </a:xfrm>
+                      <a:prstGeom prst="rect">
+                        <a:avLst/>
+                      </a:prstGeom>
+                      <a:noFill/>
+                      <a:extLst/>
+                    </p:spPr>
+                  </p:pic>
+                </p:oleObj>
+              </mc:Fallback>
+            </mc:AlternateContent>
+          </a:graphicData>
+        </a:graphic>
+      </p:graphicFrame>
+      <p:sp>
+        <p:nvSpPr>
+          <p:cNvPr id="10" name="Rectangle 9"/>
+          <p:cNvSpPr/>
+          <p:nvPr/>
+        </p:nvSpPr>
+        <p:spPr>
+          <a:xfrm>
+            <a:off x="5943599" y="4318040"/>
+            <a:ext cx="492443" cy="461665"/>
+          </a:xfrm>
+          <a:prstGeom prst="rect">
+            <a:avLst/>
+          </a:prstGeom>
+        </p:spPr>
+        <p:txBody>
+          <a:bodyPr wrap="none">
+            <a:spAutoFit/>
+          </a:bodyPr>
+          <a:lstStyle/>
+          <a:p>
+            <a:r>
+              <a:rPr lang="en-US" b="1" dirty="0">
+                <a:solidFill>
+                  <a:schemeClr val="hlink"/>
+                </a:solidFill>
+              </a:rPr>
+              <a:t>50</a:t>
+            </a:r>
+            <a:endParaRPr lang="en-US" dirty="0"/>
+          </a:p>
+        </p:txBody>
+      </p:sp>
+      <p:sp>
+        <p:nvSpPr>
+          <p:cNvPr id="11" name="Rectangle 10"/>
+          <p:cNvSpPr/>
+          <p:nvPr/>
+        </p:nvSpPr>
+        <p:spPr>
+          <a:xfrm>
+            <a:off x="5956466" y="4675632"/>
+            <a:ext cx="492443" cy="461665"/>
+          </a:xfrm>
+          <a:prstGeom prst="rect">
+            <a:avLst/>
+          </a:prstGeom>
+        </p:spPr>
+        <p:txBody>
+          <a:bodyPr wrap="none">
+            <a:spAutoFit/>
+          </a:bodyPr>
+          <a:lstStyle/>
+          <a:p>
+            <a:r>
+              <a:rPr lang="en-US" b="1" dirty="0" smtClean="0">
+                <a:solidFill>
+                  <a:schemeClr val="accent1"/>
+                </a:solidFill>
+              </a:rPr>
+              <a:t>40</a:t>
+            </a:r>
+            <a:endParaRPr lang="en-US" dirty="0">
+              <a:solidFill>
+                <a:schemeClr val="accent1"/>
+              </a:solidFill>
+            </a:endParaRPr>
+          </a:p>
+        </p:txBody>
+      </p:sp>
+      <p:sp>
+        <p:nvSpPr>
+          <p:cNvPr id="12" name="Rectangle 11"/>
+          <p:cNvSpPr/>
+          <p:nvPr/>
+        </p:nvSpPr>
+        <p:spPr>
+          <a:xfrm>
+            <a:off x="3886199" y="4320647"/>
+            <a:ext cx="492443" cy="461665"/>
+          </a:xfrm>
+          <a:prstGeom prst="rect">
+            <a:avLst/>
+          </a:prstGeom>
+        </p:spPr>
+        <p:txBody>
+          <a:bodyPr wrap="none">
+            <a:spAutoFit/>
+          </a:bodyPr>
+          <a:lstStyle/>
+          <a:p>
+            <a:r>
+              <a:rPr lang="en-US" b="1" dirty="0" smtClean="0">
+                <a:solidFill>
+                  <a:schemeClr val="hlink"/>
+                </a:solidFill>
+              </a:rPr>
+              <a:t>36</a:t>
+            </a:r>
+            <a:endParaRPr lang="en-US" dirty="0"/>
+          </a:p>
+        </p:txBody>
+      </p:sp>
+      <p:sp>
+        <p:nvSpPr>
+          <p:cNvPr id="13" name="Rectangle 12"/>
+          <p:cNvSpPr/>
+          <p:nvPr/>
+        </p:nvSpPr>
+        <p:spPr>
+          <a:xfrm>
+            <a:off x="4876799" y="4320647"/>
+            <a:ext cx="492443" cy="461665"/>
+          </a:xfrm>
+          <a:prstGeom prst="rect">
+            <a:avLst/>
+          </a:prstGeom>
+        </p:spPr>
+        <p:txBody>
+          <a:bodyPr wrap="none">
+            <a:spAutoFit/>
+          </a:bodyPr>
+          <a:lstStyle/>
+          <a:p>
+            <a:r>
+              <a:rPr lang="en-US" b="1" dirty="0" smtClean="0">
+                <a:solidFill>
+                  <a:schemeClr val="hlink"/>
+                </a:solidFill>
+              </a:rPr>
+              <a:t>14</a:t>
+            </a:r>
+            <a:endParaRPr lang="en-US" dirty="0"/>
+          </a:p>
+        </p:txBody>
+      </p:sp>
+      <p:sp>
+        <p:nvSpPr>
+          <p:cNvPr id="14" name="Rectangle 13"/>
+          <p:cNvSpPr/>
+          <p:nvPr/>
+        </p:nvSpPr>
+        <p:spPr>
+          <a:xfrm>
+            <a:off x="3889922" y="4648200"/>
+            <a:ext cx="492443" cy="461665"/>
+          </a:xfrm>
+          <a:prstGeom prst="rect">
+            <a:avLst/>
+          </a:prstGeom>
+        </p:spPr>
+        <p:txBody>
+          <a:bodyPr wrap="none">
+            <a:spAutoFit/>
+          </a:bodyPr>
+          <a:lstStyle/>
+          <a:p>
+            <a:r>
+              <a:rPr lang="en-US" b="1" dirty="0" smtClean="0">
+                <a:solidFill>
+                  <a:schemeClr val="accent1"/>
+                </a:solidFill>
+              </a:rPr>
+              <a:t>24</a:t>
+            </a:r>
+            <a:endParaRPr lang="en-US" dirty="0">
+              <a:solidFill>
+                <a:schemeClr val="accent1"/>
+              </a:solidFill>
+            </a:endParaRPr>
+          </a:p>
+        </p:txBody>
+      </p:sp>
+      <p:sp>
+        <p:nvSpPr>
+          <p:cNvPr id="15" name="Rectangle 14"/>
+          <p:cNvSpPr/>
+          <p:nvPr/>
+        </p:nvSpPr>
+        <p:spPr>
+          <a:xfrm>
+            <a:off x="4891364" y="4650807"/>
+            <a:ext cx="492443" cy="461665"/>
+          </a:xfrm>
+          <a:prstGeom prst="rect">
+            <a:avLst/>
+          </a:prstGeom>
+        </p:spPr>
+        <p:txBody>
+          <a:bodyPr wrap="none">
+            <a:spAutoFit/>
+          </a:bodyPr>
+          <a:lstStyle/>
+          <a:p>
+            <a:r>
+              <a:rPr lang="en-US" b="1" dirty="0" smtClean="0">
+                <a:solidFill>
+                  <a:schemeClr val="accent1"/>
+                </a:solidFill>
+              </a:rPr>
+              <a:t>16</a:t>
+            </a:r>
+            <a:endParaRPr lang="en-US" dirty="0">
+              <a:solidFill>
+                <a:schemeClr val="accent1"/>
+              </a:solidFill>
+            </a:endParaRPr>
+          </a:p>
+        </p:txBody>
+      </p:sp>
+      <p:sp>
+        <p:nvSpPr>
+          <p:cNvPr id="16" name="Rectangle 15"/>
+          <p:cNvSpPr/>
+          <p:nvPr/>
+        </p:nvSpPr>
+        <p:spPr>
+          <a:xfrm>
+            <a:off x="4895087" y="4997303"/>
+            <a:ext cx="492443" cy="461665"/>
+          </a:xfrm>
+          <a:prstGeom prst="rect">
+            <a:avLst/>
+          </a:prstGeom>
+        </p:spPr>
+        <p:txBody>
+          <a:bodyPr wrap="none">
+            <a:spAutoFit/>
+          </a:bodyPr>
+          <a:lstStyle/>
+          <a:p>
+            <a:r>
+              <a:rPr lang="en-US" b="1" dirty="0" smtClean="0"/>
+              <a:t>30</a:t>
+            </a:r>
+            <a:endParaRPr lang="en-US" dirty="0"/>
+          </a:p>
+        </p:txBody>
+      </p:sp>
+      <p:sp>
+        <p:nvSpPr>
+          <p:cNvPr id="17" name="Rectangle 16"/>
+          <p:cNvSpPr/>
+          <p:nvPr/>
+        </p:nvSpPr>
+        <p:spPr>
+          <a:xfrm>
+            <a:off x="3886199" y="4997303"/>
+            <a:ext cx="492443" cy="461665"/>
+          </a:xfrm>
+          <a:prstGeom prst="rect">
+            <a:avLst/>
+          </a:prstGeom>
+        </p:spPr>
+        <p:txBody>
+          <a:bodyPr wrap="none">
+            <a:spAutoFit/>
+          </a:bodyPr>
+          <a:lstStyle/>
+          <a:p>
+            <a:r>
+              <a:rPr lang="en-US" b="1" dirty="0" smtClean="0"/>
+              <a:t>60</a:t>
+            </a:r>
+            <a:endParaRPr lang="en-US" dirty="0"/>
+          </a:p>
+        </p:txBody>
+      </p:sp>
+      <p:sp>
+        <p:nvSpPr>
+          <p:cNvPr id="18" name="Rectangle 17"/>
+          <p:cNvSpPr/>
+          <p:nvPr/>
+        </p:nvSpPr>
+        <p:spPr>
+          <a:xfrm>
+            <a:off x="5971031" y="4997303"/>
+            <a:ext cx="492443" cy="461665"/>
+          </a:xfrm>
+          <a:prstGeom prst="rect">
+            <a:avLst/>
+          </a:prstGeom>
+        </p:spPr>
+        <p:txBody>
+          <a:bodyPr wrap="none">
+            <a:spAutoFit/>
+          </a:bodyPr>
+          <a:lstStyle/>
+          <a:p>
+            <a:r>
+              <a:rPr lang="en-US" b="1" dirty="0" smtClean="0"/>
+              <a:t>90</a:t>
+            </a:r>
+            <a:endParaRPr lang="en-US" dirty="0"/>
+          </a:p>
+        </p:txBody>
+      </p:sp>
+    </p:spTree>
+    <p:extLst>
+      <p:ext uri="{BB962C8B-B14F-4D97-AF65-F5344CB8AC3E}">
+        <p14:creationId xmlns:p14="http://schemas.microsoft.com/office/powerpoint/2010/main" val="223005880"/>
+      </p:ext>
+    </p:extLst>
+  </p:cSld>
+  <p:clrMapOvr>
+    <a:masterClrMapping/>
+  </p:clrMapOvr>
+  <p:timing>
+    <p:tnLst>
+      <p:par>
+        <p:cTn id="1" dur="indefinite" restart="never" nodeType="tmRoot">
+          <p:childTnLst>
+            <p:seq concurrent="1" nextAc="seek">
+              <p:cTn id="2" dur="indefinite" nodeType="mainSeq">
+                <p:childTnLst>
+                  <p:par>
+                    <p:cTn id="3" fill="hold">
+                      <p:stCondLst>
+                        <p:cond delay="indefinite"/>
+                      </p:stCondLst>
+                      <p:childTnLst>
+                        <p:par>
+                          <p:cTn id="4" fill="hold">
+                            <p:stCondLst>
+                              <p:cond delay="0"/>
+                            </p:stCondLst>
+                            <p:childTnLst>
+                              <p:par>
+                                <p:cTn id="5" presetID="1" presetClass="entr" presetSubtype="0" fill="hold" nodeType="clickEffect">
+                                  <p:stCondLst>
+                                    <p:cond delay="0"/>
+                                  </p:stCondLst>
+                                  <p:childTnLst>
+                                    <p:set>
+                                      <p:cBhvr>
+                                        <p:cTn id="6" dur="1" fill="hold">
+                                          <p:stCondLst>
+                                            <p:cond delay="0"/>
+                                          </p:stCondLst>
+                                        </p:cTn>
+                                        <p:tgtEl>
+                                          <p:spTgt spid="191490">
+                                            <p:txEl>
+                                              <p:pRg st="3" end="3"/>
+                                            </p:txEl>
+                                          </p:spTgt>
+                                        </p:tgtEl>
+                                        <p:attrNameLst>
+                                          <p:attrName>style.visibility</p:attrName>
+                                        </p:attrNameLst>
+                                      </p:cBhvr>
+                                      <p:to>
+                                        <p:strVal val="visible"/>
+                                      </p:to>
+                                    </p:set>
+                                  </p:childTnLst>
+                                </p:cTn>
+                              </p:par>
+                            </p:childTnLst>
+                          </p:cTn>
+                        </p:par>
+                        <p:par>
+                          <p:cTn id="7" fill="hold">
+                            <p:stCondLst>
+                              <p:cond delay="0"/>
+                            </p:stCondLst>
+                            <p:childTnLst>
+                              <p:par>
+                                <p:cTn id="8" presetID="1" presetClass="entr" presetSubtype="0" fill="hold" nodeType="afterEffect">
+                                  <p:stCondLst>
+                                    <p:cond delay="1000"/>
+                                  </p:stCondLst>
+                                  <p:childTnLst>
+                                    <p:set>
+                                      <p:cBhvr>
+                                        <p:cTn id="9" dur="1" fill="hold">
+                                          <p:stCondLst>
+                                            <p:cond delay="0"/>
+                                          </p:stCondLst>
+                                        </p:cTn>
+                                        <p:tgtEl>
+                                          <p:spTgt spid="9"/>
+                                        </p:tgtEl>
+                                        <p:attrNameLst>
+                                          <p:attrName>style.visibility</p:attrName>
+                                        </p:attrNameLst>
+                                      </p:cBhvr>
+                                      <p:to>
+                                        <p:strVal val="visible"/>
+                                      </p:to>
+                                    </p:set>
+                                  </p:childTnLst>
+                                </p:cTn>
+                              </p:par>
+                            </p:childTnLst>
+                          </p:cTn>
+                        </p:par>
+                      </p:childTnLst>
+                    </p:cTn>
+                  </p:par>
+                  <p:par>
+                    <p:cTn id="10" fill="hold">
+                      <p:stCondLst>
+                        <p:cond delay="indefinite"/>
+                      </p:stCondLst>
+                      <p:childTnLst>
+                        <p:par>
+                          <p:cTn id="11" fill="hold">
+                            <p:stCondLst>
+                              <p:cond delay="0"/>
+                            </p:stCondLst>
+                            <p:childTnLst>
+                              <p:par>
+                                <p:cTn id="12" presetID="1" presetClass="entr" presetSubtype="0" fill="hold" grpId="0" nodeType="clickEffect">
+                                  <p:stCondLst>
+                                    <p:cond delay="0"/>
+                                  </p:stCondLst>
+                                  <p:childTnLst>
+                                    <p:set>
+                                      <p:cBhvr>
+                                        <p:cTn id="13" dur="1" fill="hold">
+                                          <p:stCondLst>
+                                            <p:cond delay="0"/>
+                                          </p:stCondLst>
+                                        </p:cTn>
+                                        <p:tgtEl>
+                                          <p:spTgt spid="10"/>
+                                        </p:tgtEl>
+                                        <p:attrNameLst>
+                                          <p:attrName>style.visibility</p:attrName>
+                                        </p:attrNameLst>
+                                      </p:cBhvr>
+                                      <p:to>
+                                        <p:strVal val="visible"/>
+                                      </p:to>
+                                    </p:set>
+                                  </p:childTnLst>
+                                </p:cTn>
+                              </p:par>
+                            </p:childTnLst>
+                          </p:cTn>
+                        </p:par>
+                      </p:childTnLst>
+                    </p:cTn>
+                  </p:par>
+                  <p:par>
+                    <p:cTn id="14" fill="hold">
+                      <p:stCondLst>
+                        <p:cond delay="indefinite"/>
+                      </p:stCondLst>
+                      <p:childTnLst>
+                        <p:par>
+                          <p:cTn id="15" fill="hold">
+                            <p:stCondLst>
+                              <p:cond delay="0"/>
+                            </p:stCondLst>
+                            <p:childTnLst>
+                              <p:par>
+                                <p:cTn id="16" presetID="1" presetClass="entr" presetSubtype="0" fill="hold" grpId="0" nodeType="clickEffect">
+                                  <p:stCondLst>
+                                    <p:cond delay="0"/>
+                                  </p:stCondLst>
+                                  <p:childTnLst>
+                                    <p:set>
+                                      <p:cBhvr>
+                                        <p:cTn id="17" dur="1" fill="hold">
+                                          <p:stCondLst>
+                                            <p:cond delay="0"/>
+                                          </p:stCondLst>
+                                        </p:cTn>
+                                        <p:tgtEl>
+                                          <p:spTgt spid="11"/>
+                                        </p:tgtEl>
+                                        <p:attrNameLst>
+                                          <p:attrName>style.visibility</p:attrName>
+                                        </p:attrNameLst>
+                                      </p:cBhvr>
+                                      <p:to>
+                                        <p:strVal val="visible"/>
+                                      </p:to>
+                                    </p:set>
+                                  </p:childTnLst>
+                                </p:cTn>
+                              </p:par>
+                            </p:childTnLst>
+                          </p:cTn>
+                        </p:par>
+                      </p:childTnLst>
+                    </p:cTn>
+                  </p:par>
+                  <p:par>
+                    <p:cTn id="18" fill="hold">
+                      <p:stCondLst>
+                        <p:cond delay="indefinite"/>
+                      </p:stCondLst>
+                      <p:childTnLst>
+                        <p:par>
+                          <p:cTn id="19" fill="hold">
+                            <p:stCondLst>
+                              <p:cond delay="0"/>
+                            </p:stCondLst>
+                            <p:childTnLst>
+                              <p:par>
+                                <p:cTn id="20" presetID="1" presetClass="entr" presetSubtype="0" fill="hold" grpId="0" nodeType="clickEffect">
+                                  <p:stCondLst>
+                                    <p:cond delay="0"/>
+                                  </p:stCondLst>
+                                  <p:childTnLst>
+                                    <p:set>
+                                      <p:cBhvr>
+                                        <p:cTn id="21" dur="1" fill="hold">
+                                          <p:stCondLst>
+                                            <p:cond delay="0"/>
+                                          </p:stCondLst>
+                                        </p:cTn>
+                                        <p:tgtEl>
+                                          <p:spTgt spid="12"/>
+                                        </p:tgtEl>
+                                        <p:attrNameLst>
+                                          <p:attrName>style.visibility</p:attrName>
+                                        </p:attrNameLst>
+                                      </p:cBhvr>
+                                      <p:to>
+                                        <p:strVal val="visible"/>
+                                      </p:to>
+                                    </p:set>
+                                  </p:childTnLst>
+                                </p:cTn>
+                              </p:par>
+                            </p:childTnLst>
+                          </p:cTn>
+                        </p:par>
+                      </p:childTnLst>
+                    </p:cTn>
+                  </p:par>
+                  <p:par>
+                    <p:cTn id="22" fill="hold">
+                      <p:stCondLst>
+                        <p:cond delay="indefinite"/>
+                      </p:stCondLst>
+                      <p:childTnLst>
+                        <p:par>
+                          <p:cTn id="23" fill="hold">
+                            <p:stCondLst>
+                              <p:cond delay="0"/>
+                            </p:stCondLst>
+                            <p:childTnLst>
+                              <p:par>
+                                <p:cTn id="24" presetID="1" presetClass="entr" presetSubtype="0" fill="hold" grpId="0" nodeType="clickEffect">
+                                  <p:stCondLst>
+                                    <p:cond delay="0"/>
+                                  </p:stCondLst>
+                                  <p:childTnLst>
+                                    <p:set>
+                                      <p:cBhvr>
+                                        <p:cTn id="25" dur="1" fill="hold">
+                                          <p:stCondLst>
+                                            <p:cond delay="0"/>
+                                          </p:stCondLst>
+                                        </p:cTn>
+                                        <p:tgtEl>
+                                          <p:spTgt spid="14"/>
+                                        </p:tgtEl>
+                                        <p:attrNameLst>
+                                          <p:attrName>style.visibility</p:attrName>
+                                        </p:attrNameLst>
+                                      </p:cBhvr>
+                                      <p:to>
+                                        <p:strVal val="visible"/>
+                                      </p:to>
+                                    </p:set>
+                                  </p:childTnLst>
+                                </p:cTn>
+                              </p:par>
+                            </p:childTnLst>
+                          </p:cTn>
+                        </p:par>
+                      </p:childTnLst>
+                    </p:cTn>
+                  </p:par>
+                  <p:par>
+                    <p:cTn id="26" fill="hold">
+                      <p:stCondLst>
+                        <p:cond delay="indefinite"/>
+                      </p:stCondLst>
+                      <p:childTnLst>
+                        <p:par>
+                          <p:cTn id="27" fill="hold">
+                            <p:stCondLst>
+                              <p:cond delay="0"/>
+                            </p:stCondLst>
+                            <p:childTnLst>
+                              <p:par>
+                                <p:cTn id="28" presetID="1" presetClass="entr" presetSubtype="0" fill="hold" grpId="0" nodeType="clickEffect">
+                                  <p:stCondLst>
+                                    <p:cond delay="0"/>
+                                  </p:stCondLst>
+                                  <p:childTnLst>
+                                    <p:set>
+                                      <p:cBhvr>
+                                        <p:cTn id="29" dur="1" fill="hold">
+                                          <p:stCondLst>
+                                            <p:cond delay="0"/>
+                                          </p:stCondLst>
+                                        </p:cTn>
+                                        <p:tgtEl>
+                                          <p:spTgt spid="13"/>
+                                        </p:tgtEl>
+                                        <p:attrNameLst>
+                                          <p:attrName>style.visibility</p:attrName>
+                                        </p:attrNameLst>
+                                      </p:cBhvr>
+                                      <p:to>
+                                        <p:strVal val="visible"/>
+                                      </p:to>
+                                    </p:set>
+                                  </p:childTnLst>
+                                </p:cTn>
+                              </p:par>
+                            </p:childTnLst>
+                          </p:cTn>
+                        </p:par>
+                        <p:par>
+                          <p:cTn id="30" fill="hold">
+                            <p:stCondLst>
+                              <p:cond delay="0"/>
+                            </p:stCondLst>
+                            <p:childTnLst>
+                              <p:par>
+                                <p:cTn id="31" presetID="1" presetClass="entr" presetSubtype="0" fill="hold" grpId="0" nodeType="afterEffect">
+                                  <p:stCondLst>
+                                    <p:cond delay="500"/>
+                                  </p:stCondLst>
+                                  <p:childTnLst>
+                                    <p:set>
+                                      <p:cBhvr>
+                                        <p:cTn id="32" dur="1" fill="hold">
+                                          <p:stCondLst>
+                                            <p:cond delay="0"/>
+                                          </p:stCondLst>
+                                        </p:cTn>
+                                        <p:tgtEl>
+                                          <p:spTgt spid="15"/>
+                                        </p:tgtEl>
+                                        <p:attrNameLst>
+                                          <p:attrName>style.visibility</p:attrName>
+                                        </p:attrNameLst>
+                                      </p:cBhvr>
+                                      <p:to>
+                                        <p:strVal val="visible"/>
+                                      </p:to>
+                                    </p:set>
+                                  </p:childTnLst>
+                                </p:cTn>
+                              </p:par>
+                            </p:childTnLst>
+                          </p:cTn>
+                        </p:par>
+                        <p:par>
+                          <p:cTn id="33" fill="hold">
+                            <p:stCondLst>
+                              <p:cond delay="500"/>
+                            </p:stCondLst>
+                            <p:childTnLst>
+                              <p:par>
+                                <p:cTn id="34" presetID="1" presetClass="entr" presetSubtype="0" fill="hold" grpId="0" nodeType="afterEffect">
+                                  <p:stCondLst>
+                                    <p:cond delay="500"/>
+                                  </p:stCondLst>
+                                  <p:childTnLst>
+                                    <p:set>
+                                      <p:cBhvr>
+                                        <p:cTn id="35" dur="1" fill="hold">
+                                          <p:stCondLst>
+                                            <p:cond delay="0"/>
+                                          </p:stCondLst>
+                                        </p:cTn>
+                                        <p:tgtEl>
+                                          <p:spTgt spid="17"/>
+                                        </p:tgtEl>
+                                        <p:attrNameLst>
+                                          <p:attrName>style.visibility</p:attrName>
+                                        </p:attrNameLst>
+                                      </p:cBhvr>
+                                      <p:to>
+                                        <p:strVal val="visible"/>
+                                      </p:to>
+                                    </p:set>
+                                  </p:childTnLst>
+                                </p:cTn>
+                              </p:par>
+                            </p:childTnLst>
+                          </p:cTn>
+                        </p:par>
+                        <p:par>
+                          <p:cTn id="36" fill="hold">
+                            <p:stCondLst>
+                              <p:cond delay="1000"/>
+                            </p:stCondLst>
+                            <p:childTnLst>
+                              <p:par>
+                                <p:cTn id="37" presetID="1" presetClass="entr" presetSubtype="0" fill="hold" grpId="0" nodeType="afterEffect">
+                                  <p:stCondLst>
+                                    <p:cond delay="500"/>
+                                  </p:stCondLst>
+                                  <p:childTnLst>
+                                    <p:set>
+                                      <p:cBhvr>
+                                        <p:cTn id="38" dur="1" fill="hold">
+                                          <p:stCondLst>
+                                            <p:cond delay="0"/>
+                                          </p:stCondLst>
+                                        </p:cTn>
+                                        <p:tgtEl>
+                                          <p:spTgt spid="16"/>
+                                        </p:tgtEl>
+                                        <p:attrNameLst>
+                                          <p:attrName>style.visibility</p:attrName>
+                                        </p:attrNameLst>
+                                      </p:cBhvr>
+                                      <p:to>
+                                        <p:strVal val="visible"/>
+                                      </p:to>
+                                    </p:set>
+                                  </p:childTnLst>
+                                </p:cTn>
+                              </p:par>
+                            </p:childTnLst>
+                          </p:cTn>
+                        </p:par>
+                        <p:par>
+                          <p:cTn id="39" fill="hold">
+                            <p:stCondLst>
+                              <p:cond delay="1500"/>
+                            </p:stCondLst>
+                            <p:childTnLst>
+                              <p:par>
+                                <p:cTn id="40" presetID="1" presetClass="entr" presetSubtype="0" fill="hold" grpId="0" nodeType="afterEffect">
+                                  <p:stCondLst>
+                                    <p:cond delay="500"/>
+                                  </p:stCondLst>
+                                  <p:childTnLst>
+                                    <p:set>
+                                      <p:cBhvr>
+                                        <p:cTn id="41" dur="1" fill="hold">
+                                          <p:stCondLst>
+                                            <p:cond delay="0"/>
+                                          </p:stCondLst>
+                                        </p:cTn>
+                                        <p:tgtEl>
+                                          <p:spTgt spid="18"/>
+                                        </p:tgtEl>
+                                        <p:attrNameLst>
+                                          <p:attrName>style.visibility</p:attrName>
+                                        </p:attrNameLst>
+                                      </p:cBhvr>
+                                      <p:to>
+                                        <p:strVal val="visible"/>
+                                      </p:to>
+                                    </p:set>
+                                  </p:childTnLst>
+                                </p:cTn>
+                              </p:par>
+                            </p:childTnLst>
+                          </p:cTn>
+                        </p:par>
+                      </p:childTnLst>
+                    </p:cTn>
+                  </p:par>
+                </p:childTnLst>
+              </p:cTn>
+              <p:prevCondLst>
+                <p:cond evt="onPrev" delay="0">
+                  <p:tgtEl>
+                    <p:sldTgt/>
+                  </p:tgtEl>
+                </p:cond>
+              </p:prevCondLst>
+              <p:nextCondLst>
+                <p:cond evt="onNext" delay="0">
+                  <p:tgtEl>
+                    <p:sldTgt/>
+                  </p:tgtEl>
+                </p:cond>
+              </p:nextCondLst>
+            </p:seq>
+          </p:childTnLst>
+        </p:cTn>
+      </p:par>
+    </p:tnLst>
+    <p:bldLst>
+      <p:bldP spid="10" grpId="0"/>
+      <p:bldP spid="11" grpId="0"/>
+      <p:bldP spid="12" grpId="0"/>
+      <p:bldP spid="13" grpId="0"/>
+      <p:bldP spid="14" grpId="0"/>
+      <p:bldP spid="15" grpId="0"/>
+      <p:bldP spid="16" grpId="0"/>
+      <p:bldP spid="17" grpId="0"/>
+      <p:bldP spid="18" grpId="0"/>
+    </p:bldLst>
+  </p:timing>
+</p:sld>
+</file>
+
+<file path=ppt/slides/slide7.xml><?xml version="1.0" encoding="utf-8"?>
+<p:sld xmlns:a="http://schemas.openxmlformats.org/drawingml/2006/main" xmlns:r="http://schemas.openxmlformats.org/officeDocument/2006/relationships" xmlns:p="http://schemas.openxmlformats.org/presentationml/2006/main" showMasterPhAnim="0">
+  <p:cSld>
+    <p:spTree>
+      <p:nvGrpSpPr>
+        <p:cNvPr id="1" name=""/>
+        <p:cNvGrpSpPr/>
+        <p:nvPr/>
+      </p:nvGrpSpPr>
+      <p:grpSpPr>
+        <a:xfrm>
+          <a:off x="0" y="0"/>
+          <a:ext cx="0" cy="0"/>
+          <a:chOff x="0" y="0"/>
+          <a:chExt cx="0" cy="0"/>
+        </a:xfrm>
+      </p:grpSpPr>
+      <p:sp>
+        <p:nvSpPr>
+          <p:cNvPr id="6" name="Footer Placeholder 4"/>
+          <p:cNvSpPr>
+            <a:spLocks noGrp="1"/>
+          </p:cNvSpPr>
+          <p:nvPr>
+            <p:ph type="ftr" sz="quarter" idx="11"/>
+          </p:nvPr>
+        </p:nvSpPr>
+        <p:spPr/>
+        <p:txBody>
+          <a:bodyPr/>
+          <a:lstStyle/>
+          <a:p>
+            <a:r>
+              <a:rPr lang="en-US" altLang="en-US"/>
+              <a:t>Chi-square</a:t>
+            </a:r>
+          </a:p>
+        </p:txBody>
+      </p:sp>
+      <p:sp>
+        <p:nvSpPr>
+          <p:cNvPr id="7" name="Slide Number Placeholder 5"/>
+          <p:cNvSpPr>
+            <a:spLocks noGrp="1"/>
+          </p:cNvSpPr>
+          <p:nvPr>
+            <p:ph type="sldNum" sz="quarter" idx="12"/>
+          </p:nvPr>
+        </p:nvSpPr>
+        <p:spPr/>
+        <p:txBody>
+          <a:bodyPr/>
+          <a:lstStyle/>
+          <a:p>
+            <a:r>
+              <a:rPr lang="en-US" altLang="en-US"/>
+              <a:t>Slide #</a:t>
+            </a:r>
+            <a:fld id="{43161E8B-E17A-4449-8A1C-5AA87806CB52}" type="slidenum">
+              <a:rPr lang="en-US" altLang="en-US"/>
+              <a:pPr/>
+              <a:t>7</a:t>
+            </a:fld>
+            <a:endParaRPr lang="en-US" altLang="en-US"/>
+          </a:p>
+        </p:txBody>
+      </p:sp>
+      <p:sp>
+        <p:nvSpPr>
+          <p:cNvPr id="192514" name="Rectangle 2"/>
+          <p:cNvSpPr>
+            <a:spLocks noGrp="1" noChangeArrowheads="1"/>
+          </p:cNvSpPr>
+          <p:nvPr>
+            <p:ph type="body" idx="1"/>
+          </p:nvPr>
+        </p:nvSpPr>
+        <p:spPr>
+          <a:xfrm>
+            <a:off x="152400" y="1066800"/>
+            <a:ext cx="8915400" cy="5791200"/>
+          </a:xfrm>
+        </p:spPr>
+        <p:txBody>
+          <a:bodyPr/>
+          <a:lstStyle/>
+          <a:p>
+            <a:pPr>
+              <a:spcBef>
+                <a:spcPct val="0"/>
+              </a:spcBef>
+              <a:buFontTx/>
+              <a:buNone/>
+            </a:pPr>
+            <a:r>
+              <a:rPr lang="en-US" altLang="en-US" b="1" dirty="0" smtClean="0">
+                <a:solidFill>
+                  <a:schemeClr val="accent1"/>
+                </a:solidFill>
+              </a:rPr>
+              <a:t>5</a:t>
+            </a:r>
+            <a:r>
+              <a:rPr lang="en-US" altLang="en-US" b="1" dirty="0">
+                <a:solidFill>
+                  <a:schemeClr val="accent1"/>
+                </a:solidFill>
+              </a:rPr>
+              <a:t>)  Check all necessary assumptions</a:t>
+            </a:r>
+            <a:r>
+              <a:rPr lang="en-US" altLang="en-US" sz="2800" b="1" dirty="0"/>
+              <a:t> </a:t>
+            </a:r>
+          </a:p>
+          <a:p>
+            <a:pPr lvl="1"/>
+            <a:r>
+              <a:rPr lang="en-US" altLang="en-US" sz="2400" dirty="0" smtClean="0"/>
+              <a:t>Create expected table</a:t>
+            </a:r>
+            <a:endParaRPr lang="en-US" altLang="en-US" sz="2400" dirty="0"/>
+          </a:p>
+          <a:p>
+            <a:pPr lvl="1"/>
+            <a:endParaRPr lang="en-US" altLang="en-US" sz="2400" dirty="0"/>
+          </a:p>
+          <a:p>
+            <a:pPr lvl="1"/>
+            <a:endParaRPr lang="en-US" altLang="en-US" sz="2400" dirty="0" smtClean="0"/>
+          </a:p>
+          <a:p>
+            <a:pPr lvl="1"/>
+            <a:endParaRPr lang="en-US" altLang="en-US" sz="2400" dirty="0"/>
+          </a:p>
+          <a:p>
+            <a:pPr lvl="1"/>
+            <a:endParaRPr lang="en-US" altLang="en-US" sz="2400" dirty="0"/>
+          </a:p>
+          <a:p>
+            <a:pPr lvl="1"/>
+            <a:r>
+              <a:rPr lang="en-US" altLang="en-US" sz="2400" dirty="0"/>
+              <a:t>Each cell has an expected value greater than </a:t>
+            </a:r>
+            <a:r>
+              <a:rPr lang="en-US" altLang="en-US" sz="2400" dirty="0" smtClean="0"/>
+              <a:t>5</a:t>
+            </a:r>
+          </a:p>
+          <a:p>
+            <a:pPr lvl="1"/>
+            <a:endParaRPr lang="en-US" altLang="en-US" sz="2400" dirty="0"/>
+          </a:p>
+          <a:p>
+            <a:pPr lvl="1"/>
+            <a:endParaRPr lang="en-US" altLang="en-US" sz="800" dirty="0"/>
+          </a:p>
+          <a:p>
+            <a:pPr>
+              <a:spcBef>
+                <a:spcPct val="0"/>
+              </a:spcBef>
+              <a:buFontTx/>
+              <a:buNone/>
+            </a:pPr>
+            <a:r>
+              <a:rPr lang="en-US" altLang="en-US" b="1" dirty="0">
+                <a:solidFill>
+                  <a:schemeClr val="accent1"/>
+                </a:solidFill>
+              </a:rPr>
+              <a:t>6)  Calculate appropriate statistics</a:t>
+            </a:r>
+            <a:r>
+              <a:rPr lang="en-US" altLang="en-US" sz="2800" b="1" dirty="0"/>
+              <a:t> </a:t>
+            </a:r>
+          </a:p>
+          <a:p>
+            <a:pPr lvl="1"/>
+            <a:r>
+              <a:rPr lang="en-US" altLang="en-US" sz="2400" dirty="0"/>
+              <a:t>observed table </a:t>
+            </a:r>
+            <a:r>
+              <a:rPr lang="en-US" altLang="en-US" sz="2400" dirty="0" smtClean="0"/>
+              <a:t>shown in Step 4.</a:t>
+            </a:r>
+            <a:endParaRPr lang="en-US" altLang="en-US" sz="2400" dirty="0"/>
+          </a:p>
+        </p:txBody>
+      </p:sp>
+      <p:sp>
+        <p:nvSpPr>
+          <p:cNvPr id="192515" name="Rectangle 3"/>
+          <p:cNvSpPr>
+            <a:spLocks noGrp="1" noChangeArrowheads="1"/>
+          </p:cNvSpPr>
+          <p:nvPr>
+            <p:ph type="title"/>
+          </p:nvPr>
+        </p:nvSpPr>
+        <p:spPr>
+          <a:xfrm>
+            <a:off x="685800" y="152400"/>
+            <a:ext cx="7772400" cy="838200"/>
+          </a:xfrm>
+          <a:noFill/>
+          <a:ln/>
+        </p:spPr>
+        <p:txBody>
+          <a:bodyPr/>
+          <a:lstStyle/>
+          <a:p>
+            <a:r>
+              <a:rPr lang="en-US" altLang="en-US"/>
+              <a:t>A Full Example</a:t>
+            </a:r>
+          </a:p>
+        </p:txBody>
+      </p:sp>
+      <p:graphicFrame>
+        <p:nvGraphicFramePr>
+          <p:cNvPr id="8" name="Object 4"/>
+          <p:cNvGraphicFramePr>
+            <a:graphicFrameLocks noChangeAspect="1"/>
+          </p:cNvGraphicFramePr>
+          <p:nvPr>
+            <p:extLst>
+              <p:ext uri="{D42A27DB-BD31-4B8C-83A1-F6EECF244321}">
+                <p14:modId xmlns:p14="http://schemas.microsoft.com/office/powerpoint/2010/main" val="2640618441"/>
+              </p:ext>
+            </p:extLst>
+          </p:nvPr>
+        </p:nvGraphicFramePr>
+        <p:xfrm>
+          <a:off x="1905000" y="2209800"/>
+          <a:ext cx="4724400" cy="1337210"/>
+        </p:xfrm>
+        <a:graphic>
+          <a:graphicData uri="http://schemas.openxmlformats.org/presentationml/2006/ole">
+            <mc:AlternateContent xmlns:mc="http://schemas.openxmlformats.org/markup-compatibility/2006">
+              <mc:Choice xmlns:v="urn:schemas-microsoft-com:vml" Requires="v">
+                <p:oleObj spid="_x0000_s218119" name="Worksheet" r:id="rId3" imgW="2104957" imgH="715979" progId="Excel.Sheet.8">
+                  <p:embed/>
+                </p:oleObj>
+              </mc:Choice>
+              <mc:Fallback>
+                <p:oleObj name="Worksheet" r:id="rId3" imgW="2104957" imgH="715979" progId="Excel.Sheet.8">
+                  <p:embed/>
+                  <p:pic>
+                    <p:nvPicPr>
+                      <p:cNvPr id="0" name=""/>
+                      <p:cNvPicPr>
+                        <a:picLocks noChangeAspect="1" noChangeArrowheads="1"/>
+                      </p:cNvPicPr>
+                      <p:nvPr/>
+                    </p:nvPicPr>
+                    <p:blipFill>
+                      <a:blip r:embed="rId4"/>
+                      <a:srcRect/>
+                      <a:stretch>
+                        <a:fillRect/>
+                      </a:stretch>
+                    </p:blipFill>
+                    <p:spPr bwMode="auto">
+                      <a:xfrm>
+                        <a:off x="1905000" y="2209800"/>
+                        <a:ext cx="4724400" cy="1337210"/>
+                      </a:xfrm>
+                      <a:prstGeom prst="rect">
+                        <a:avLst/>
+                      </a:prstGeom>
+                      <a:noFill/>
+                      <a:extLst/>
+                    </p:spPr>
+                  </p:pic>
+                </p:oleObj>
+              </mc:Fallback>
+            </mc:AlternateContent>
+          </a:graphicData>
+        </a:graphic>
+      </p:graphicFrame>
+      <p:sp>
+        <p:nvSpPr>
+          <p:cNvPr id="9" name="Rectangle 8"/>
+          <p:cNvSpPr/>
+          <p:nvPr/>
+        </p:nvSpPr>
+        <p:spPr>
+          <a:xfrm>
+            <a:off x="5943599" y="2464414"/>
+            <a:ext cx="492443" cy="461665"/>
+          </a:xfrm>
+          <a:prstGeom prst="rect">
+            <a:avLst/>
+          </a:prstGeom>
+        </p:spPr>
+        <p:txBody>
+          <a:bodyPr wrap="none">
+            <a:spAutoFit/>
+          </a:bodyPr>
+          <a:lstStyle/>
+          <a:p>
+            <a:r>
+              <a:rPr lang="en-US" b="1" dirty="0"/>
+              <a:t>50</a:t>
+            </a:r>
+          </a:p>
+        </p:txBody>
+      </p:sp>
+      <p:sp>
+        <p:nvSpPr>
+          <p:cNvPr id="10" name="Rectangle 9"/>
+          <p:cNvSpPr/>
+          <p:nvPr/>
+        </p:nvSpPr>
+        <p:spPr>
+          <a:xfrm>
+            <a:off x="5956466" y="2822006"/>
+            <a:ext cx="492443" cy="461665"/>
+          </a:xfrm>
+          <a:prstGeom prst="rect">
+            <a:avLst/>
+          </a:prstGeom>
+        </p:spPr>
+        <p:txBody>
+          <a:bodyPr wrap="none">
+            <a:spAutoFit/>
+          </a:bodyPr>
+          <a:lstStyle/>
+          <a:p>
+            <a:r>
+              <a:rPr lang="en-US" b="1" dirty="0" smtClean="0"/>
+              <a:t>40</a:t>
+            </a:r>
+            <a:endParaRPr lang="en-US" b="1" dirty="0"/>
+          </a:p>
+        </p:txBody>
+      </p:sp>
+      <p:sp>
+        <p:nvSpPr>
+          <p:cNvPr id="11" name="Rectangle 10"/>
+          <p:cNvSpPr/>
+          <p:nvPr/>
+        </p:nvSpPr>
+        <p:spPr>
+          <a:xfrm>
+            <a:off x="3886199" y="2467021"/>
+            <a:ext cx="723275" cy="461665"/>
+          </a:xfrm>
+          <a:prstGeom prst="rect">
+            <a:avLst/>
+          </a:prstGeom>
+        </p:spPr>
+        <p:txBody>
+          <a:bodyPr wrap="none">
+            <a:spAutoFit/>
+          </a:bodyPr>
+          <a:lstStyle/>
+          <a:p>
+            <a:r>
+              <a:rPr lang="en-US" b="1" dirty="0" smtClean="0"/>
+              <a:t>33.3</a:t>
+            </a:r>
+            <a:endParaRPr lang="en-US" b="1" dirty="0"/>
+          </a:p>
+        </p:txBody>
+      </p:sp>
+      <p:sp>
+        <p:nvSpPr>
+          <p:cNvPr id="12" name="Rectangle 11"/>
+          <p:cNvSpPr/>
+          <p:nvPr/>
+        </p:nvSpPr>
+        <p:spPr>
+          <a:xfrm>
+            <a:off x="4876799" y="2467021"/>
+            <a:ext cx="723275" cy="461665"/>
+          </a:xfrm>
+          <a:prstGeom prst="rect">
+            <a:avLst/>
+          </a:prstGeom>
+        </p:spPr>
+        <p:txBody>
+          <a:bodyPr wrap="none">
+            <a:spAutoFit/>
+          </a:bodyPr>
+          <a:lstStyle/>
+          <a:p>
+            <a:r>
+              <a:rPr lang="en-US" b="1" dirty="0" smtClean="0"/>
+              <a:t>16.7</a:t>
+            </a:r>
+            <a:endParaRPr lang="en-US" b="1" dirty="0"/>
+          </a:p>
+        </p:txBody>
+      </p:sp>
+      <p:sp>
+        <p:nvSpPr>
+          <p:cNvPr id="13" name="Rectangle 12"/>
+          <p:cNvSpPr/>
+          <p:nvPr/>
+        </p:nvSpPr>
+        <p:spPr>
+          <a:xfrm>
+            <a:off x="3889922" y="2794574"/>
+            <a:ext cx="723275" cy="461665"/>
+          </a:xfrm>
+          <a:prstGeom prst="rect">
+            <a:avLst/>
+          </a:prstGeom>
+        </p:spPr>
+        <p:txBody>
+          <a:bodyPr wrap="none">
+            <a:spAutoFit/>
+          </a:bodyPr>
+          <a:lstStyle/>
+          <a:p>
+            <a:r>
+              <a:rPr lang="en-US" b="1" dirty="0" smtClean="0"/>
+              <a:t>26.7</a:t>
+            </a:r>
+            <a:endParaRPr lang="en-US" b="1" dirty="0"/>
+          </a:p>
+        </p:txBody>
+      </p:sp>
+      <p:sp>
+        <p:nvSpPr>
+          <p:cNvPr id="14" name="Rectangle 13"/>
+          <p:cNvSpPr/>
+          <p:nvPr/>
+        </p:nvSpPr>
+        <p:spPr>
+          <a:xfrm>
+            <a:off x="4891364" y="2797181"/>
+            <a:ext cx="723275" cy="461665"/>
+          </a:xfrm>
+          <a:prstGeom prst="rect">
+            <a:avLst/>
+          </a:prstGeom>
+        </p:spPr>
+        <p:txBody>
+          <a:bodyPr wrap="none">
+            <a:spAutoFit/>
+          </a:bodyPr>
+          <a:lstStyle/>
+          <a:p>
+            <a:r>
+              <a:rPr lang="en-US" b="1" dirty="0" smtClean="0"/>
+              <a:t>13.3</a:t>
+            </a:r>
+            <a:endParaRPr lang="en-US" b="1" dirty="0"/>
+          </a:p>
+        </p:txBody>
+      </p:sp>
+      <p:sp>
+        <p:nvSpPr>
+          <p:cNvPr id="15" name="Rectangle 14"/>
+          <p:cNvSpPr/>
+          <p:nvPr/>
+        </p:nvSpPr>
+        <p:spPr>
+          <a:xfrm>
+            <a:off x="4895087" y="3143677"/>
+            <a:ext cx="492443" cy="461665"/>
+          </a:xfrm>
+          <a:prstGeom prst="rect">
+            <a:avLst/>
+          </a:prstGeom>
+        </p:spPr>
+        <p:txBody>
+          <a:bodyPr wrap="none">
+            <a:spAutoFit/>
+          </a:bodyPr>
+          <a:lstStyle/>
+          <a:p>
+            <a:r>
+              <a:rPr lang="en-US" b="1" dirty="0" smtClean="0"/>
+              <a:t>30</a:t>
+            </a:r>
+            <a:endParaRPr lang="en-US" b="1" dirty="0"/>
+          </a:p>
+        </p:txBody>
+      </p:sp>
+      <p:sp>
+        <p:nvSpPr>
+          <p:cNvPr id="16" name="Rectangle 15"/>
+          <p:cNvSpPr/>
+          <p:nvPr/>
+        </p:nvSpPr>
+        <p:spPr>
+          <a:xfrm>
+            <a:off x="3886199" y="3143677"/>
+            <a:ext cx="492443" cy="461665"/>
+          </a:xfrm>
+          <a:prstGeom prst="rect">
+            <a:avLst/>
+          </a:prstGeom>
+        </p:spPr>
+        <p:txBody>
+          <a:bodyPr wrap="none">
+            <a:spAutoFit/>
+          </a:bodyPr>
+          <a:lstStyle/>
+          <a:p>
+            <a:r>
+              <a:rPr lang="en-US" b="1" dirty="0" smtClean="0"/>
+              <a:t>60</a:t>
+            </a:r>
+            <a:endParaRPr lang="en-US" b="1" dirty="0"/>
+          </a:p>
+        </p:txBody>
+      </p:sp>
+      <p:sp>
+        <p:nvSpPr>
+          <p:cNvPr id="17" name="Rectangle 16"/>
+          <p:cNvSpPr/>
+          <p:nvPr/>
+        </p:nvSpPr>
+        <p:spPr>
+          <a:xfrm>
+            <a:off x="5971031" y="3143677"/>
+            <a:ext cx="492443" cy="461665"/>
+          </a:xfrm>
+          <a:prstGeom prst="rect">
+            <a:avLst/>
+          </a:prstGeom>
+        </p:spPr>
+        <p:txBody>
+          <a:bodyPr wrap="none">
+            <a:spAutoFit/>
+          </a:bodyPr>
+          <a:lstStyle/>
+          <a:p>
+            <a:r>
+              <a:rPr lang="en-US" b="1" dirty="0" smtClean="0"/>
+              <a:t>90</a:t>
+            </a:r>
+            <a:endParaRPr lang="en-US" b="1" dirty="0"/>
+          </a:p>
+        </p:txBody>
+      </p:sp>
+    </p:spTree>
+    <p:extLst>
+      <p:ext uri="{BB962C8B-B14F-4D97-AF65-F5344CB8AC3E}">
+        <p14:creationId xmlns:p14="http://schemas.microsoft.com/office/powerpoint/2010/main" val="1482610220"/>
+      </p:ext>
+    </p:extLst>
+  </p:cSld>
+  <p:clrMapOvr>
+    <a:masterClrMapping/>
+  </p:clrMapOvr>
+  <p:timing>
+    <p:tnLst>
+      <p:par>
+        <p:cTn id="1" dur="indefinite" restart="never" nodeType="tmRoot">
+          <p:childTnLst>
+            <p:seq concurrent="1" nextAc="seek">
+              <p:cTn id="2" dur="indefinite" nodeType="mainSeq">
+                <p:childTnLst>
+                  <p:par>
+                    <p:cTn id="3" fill="hold">
+                      <p:stCondLst>
+                        <p:cond delay="indefinite"/>
+                      </p:stCondLst>
+                      <p:childTnLst>
+                        <p:par>
+                          <p:cTn id="4" fill="hold">
+                            <p:stCondLst>
+                              <p:cond delay="0"/>
+                            </p:stCondLst>
+                            <p:childTnLst>
+                              <p:par>
+                                <p:cTn id="5" presetID="1" presetClass="entr" presetSubtype="0" fill="hold" grpId="0" nodeType="clickEffect">
+                                  <p:stCondLst>
+                                    <p:cond delay="0"/>
+                                  </p:stCondLst>
+                                  <p:childTnLst>
+                                    <p:set>
+                                      <p:cBhvr>
+                                        <p:cTn id="6" dur="1" fill="hold">
+                                          <p:stCondLst>
+                                            <p:cond delay="0"/>
+                                          </p:stCondLst>
+                                        </p:cTn>
+                                        <p:tgtEl>
+                                          <p:spTgt spid="11"/>
+                                        </p:tgtEl>
+                                        <p:attrNameLst>
+                                          <p:attrName>style.visibility</p:attrName>
+                                        </p:attrNameLst>
+                                      </p:cBhvr>
+                                      <p:to>
+                                        <p:strVal val="visible"/>
+                                      </p:to>
+                                    </p:set>
+                                  </p:childTnLst>
+                                </p:cTn>
+                              </p:par>
+                            </p:childTnLst>
+                          </p:cTn>
+                        </p:par>
+                      </p:childTnLst>
+                    </p:cTn>
+                  </p:par>
+                  <p:par>
+                    <p:cTn id="7" fill="hold">
+                      <p:stCondLst>
+                        <p:cond delay="indefinite"/>
+                      </p:stCondLst>
+                      <p:childTnLst>
+                        <p:par>
+                          <p:cTn id="8" fill="hold">
+                            <p:stCondLst>
+                              <p:cond delay="0"/>
+                            </p:stCondLst>
+                            <p:childTnLst>
+                              <p:par>
+                                <p:cTn id="9" presetID="1" presetClass="entr" presetSubtype="0" fill="hold" grpId="0" nodeType="clickEffect">
+                                  <p:stCondLst>
+                                    <p:cond delay="0"/>
+                                  </p:stCondLst>
+                                  <p:childTnLst>
+                                    <p:set>
+                                      <p:cBhvr>
+                                        <p:cTn id="10" dur="1" fill="hold">
+                                          <p:stCondLst>
+                                            <p:cond delay="0"/>
+                                          </p:stCondLst>
+                                        </p:cTn>
+                                        <p:tgtEl>
+                                          <p:spTgt spid="12"/>
+                                        </p:tgtEl>
+                                        <p:attrNameLst>
+                                          <p:attrName>style.visibility</p:attrName>
+                                        </p:attrNameLst>
+                                      </p:cBhvr>
+                                      <p:to>
+                                        <p:strVal val="visible"/>
+                                      </p:to>
+                                    </p:set>
+                                  </p:childTnLst>
+                                </p:cTn>
+                              </p:par>
+                            </p:childTnLst>
+                          </p:cTn>
+                        </p:par>
+                      </p:childTnLst>
+                    </p:cTn>
+                  </p:par>
+                  <p:par>
+                    <p:cTn id="11" fill="hold">
+                      <p:stCondLst>
+                        <p:cond delay="indefinite"/>
+                      </p:stCondLst>
+                      <p:childTnLst>
+                        <p:par>
+                          <p:cTn id="12" fill="hold">
+                            <p:stCondLst>
+                              <p:cond delay="0"/>
+                            </p:stCondLst>
+                            <p:childTnLst>
+                              <p:par>
+                                <p:cTn id="13" presetID="1" presetClass="entr" presetSubtype="0" fill="hold" grpId="0" nodeType="clickEffect">
+                                  <p:stCondLst>
+                                    <p:cond delay="0"/>
+                                  </p:stCondLst>
+                                  <p:childTnLst>
+                                    <p:set>
+                                      <p:cBhvr>
+                                        <p:cTn id="14" dur="1" fill="hold">
+                                          <p:stCondLst>
+                                            <p:cond delay="0"/>
+                                          </p:stCondLst>
+                                        </p:cTn>
+                                        <p:tgtEl>
+                                          <p:spTgt spid="13"/>
+                                        </p:tgtEl>
+                                        <p:attrNameLst>
+                                          <p:attrName>style.visibility</p:attrName>
+                                        </p:attrNameLst>
+                                      </p:cBhvr>
+                                      <p:to>
+                                        <p:strVal val="visible"/>
+                                      </p:to>
+                                    </p:set>
+                                  </p:childTnLst>
+                                </p:cTn>
+                              </p:par>
+                            </p:childTnLst>
+                          </p:cTn>
+                        </p:par>
+                      </p:childTnLst>
+                    </p:cTn>
+                  </p:par>
+                  <p:par>
+                    <p:cTn id="15" fill="hold">
+                      <p:stCondLst>
+                        <p:cond delay="indefinite"/>
+                      </p:stCondLst>
+                      <p:childTnLst>
+                        <p:par>
+                          <p:cTn id="16" fill="hold">
+                            <p:stCondLst>
+                              <p:cond delay="0"/>
+                            </p:stCondLst>
+                            <p:childTnLst>
+                              <p:par>
+                                <p:cTn id="17" presetID="1" presetClass="entr" presetSubtype="0" fill="hold" grpId="0" nodeType="clickEffect">
+                                  <p:stCondLst>
+                                    <p:cond delay="0"/>
+                                  </p:stCondLst>
+                                  <p:childTnLst>
+                                    <p:set>
+                                      <p:cBhvr>
+                                        <p:cTn id="18" dur="1" fill="hold">
+                                          <p:stCondLst>
+                                            <p:cond delay="0"/>
+                                          </p:stCondLst>
+                                        </p:cTn>
+                                        <p:tgtEl>
+                                          <p:spTgt spid="14"/>
+                                        </p:tgtEl>
+                                        <p:attrNameLst>
+                                          <p:attrName>style.visibility</p:attrName>
+                                        </p:attrNameLst>
+                                      </p:cBhvr>
+                                      <p:to>
+                                        <p:strVal val="visible"/>
+                                      </p:to>
+                                    </p:set>
+                                  </p:childTnLst>
+                                </p:cTn>
+                              </p:par>
+                            </p:childTnLst>
+                          </p:cTn>
+                        </p:par>
+                      </p:childTnLst>
+                    </p:cTn>
+                  </p:par>
+                  <p:par>
+                    <p:cTn id="19" fill="hold">
+                      <p:stCondLst>
+                        <p:cond delay="indefinite"/>
+                      </p:stCondLst>
+                      <p:childTnLst>
+                        <p:par>
+                          <p:cTn id="20" fill="hold">
+                            <p:stCondLst>
+                              <p:cond delay="0"/>
+                            </p:stCondLst>
+                            <p:childTnLst>
+                              <p:par>
+                                <p:cTn id="21" presetID="1" presetClass="entr" presetSubtype="0" fill="hold" nodeType="clickEffect">
+                                  <p:stCondLst>
+                                    <p:cond delay="0"/>
+                                  </p:stCondLst>
+                                  <p:childTnLst>
+                                    <p:set>
+                                      <p:cBhvr>
+                                        <p:cTn id="22" dur="1" fill="hold">
+                                          <p:stCondLst>
+                                            <p:cond delay="0"/>
+                                          </p:stCondLst>
+                                        </p:cTn>
+                                        <p:tgtEl>
+                                          <p:spTgt spid="192514">
+                                            <p:txEl>
+                                              <p:pRg st="6" end="6"/>
+                                            </p:txEl>
+                                          </p:spTgt>
+                                        </p:tgtEl>
+                                        <p:attrNameLst>
+                                          <p:attrName>style.visibility</p:attrName>
+                                        </p:attrNameLst>
+                                      </p:cBhvr>
+                                      <p:to>
+                                        <p:strVal val="visible"/>
+                                      </p:to>
+                                    </p:set>
+                                  </p:childTnLst>
+                                </p:cTn>
+                              </p:par>
+                            </p:childTnLst>
+                          </p:cTn>
+                        </p:par>
+                      </p:childTnLst>
+                    </p:cTn>
+                  </p:par>
+                  <p:par>
+                    <p:cTn id="23" fill="hold">
+                      <p:stCondLst>
+                        <p:cond delay="indefinite"/>
+                      </p:stCondLst>
+                      <p:childTnLst>
+                        <p:par>
+                          <p:cTn id="24" fill="hold">
+                            <p:stCondLst>
+                              <p:cond delay="0"/>
+                            </p:stCondLst>
+                            <p:childTnLst>
+                              <p:par>
+                                <p:cTn id="25" presetID="1" presetClass="entr" presetSubtype="0" fill="hold" nodeType="clickEffect">
+                                  <p:stCondLst>
+                                    <p:cond delay="0"/>
+                                  </p:stCondLst>
+                                  <p:childTnLst>
+                                    <p:set>
+                                      <p:cBhvr>
+                                        <p:cTn id="26" dur="1" fill="hold">
+                                          <p:stCondLst>
+                                            <p:cond delay="0"/>
+                                          </p:stCondLst>
+                                        </p:cTn>
+                                        <p:tgtEl>
+                                          <p:spTgt spid="192514">
+                                            <p:txEl>
+                                              <p:pRg st="9" end="9"/>
+                                            </p:txEl>
+                                          </p:spTgt>
+                                        </p:tgtEl>
+                                        <p:attrNameLst>
+                                          <p:attrName>style.visibility</p:attrName>
+                                        </p:attrNameLst>
+                                      </p:cBhvr>
+                                      <p:to>
+                                        <p:strVal val="visible"/>
+                                      </p:to>
+                                    </p:set>
+                                  </p:childTnLst>
+                                </p:cTn>
+                              </p:par>
+                            </p:childTnLst>
+                          </p:cTn>
+                        </p:par>
+                        <p:par>
+                          <p:cTn id="27" fill="hold">
+                            <p:stCondLst>
+                              <p:cond delay="0"/>
+                            </p:stCondLst>
+                            <p:childTnLst>
+                              <p:par>
+                                <p:cTn id="28" presetID="1" presetClass="entr" presetSubtype="0" fill="hold" nodeType="afterEffect">
+                                  <p:stCondLst>
+                                    <p:cond delay="1000"/>
+                                  </p:stCondLst>
+                                  <p:childTnLst>
+                                    <p:set>
+                                      <p:cBhvr>
+                                        <p:cTn id="29" dur="1" fill="hold">
+                                          <p:stCondLst>
+                                            <p:cond delay="0"/>
+                                          </p:stCondLst>
+                                        </p:cTn>
+                                        <p:tgtEl>
+                                          <p:spTgt spid="192514">
+                                            <p:txEl>
+                                              <p:pRg st="10" end="10"/>
+                                            </p:txEl>
+                                          </p:spTgt>
+                                        </p:tgtEl>
+                                        <p:attrNameLst>
+                                          <p:attrName>style.visibility</p:attrName>
+                                        </p:attrNameLst>
+                                      </p:cBhvr>
+                                      <p:to>
+                                        <p:strVal val="visible"/>
+                                      </p:to>
+                                    </p:set>
+                                  </p:childTnLst>
+                                </p:cTn>
+                              </p:par>
+                            </p:childTnLst>
+                          </p:cTn>
+                        </p:par>
+                      </p:childTnLst>
+                    </p:cTn>
+                  </p:par>
+                </p:childTnLst>
+              </p:cTn>
+              <p:prevCondLst>
+                <p:cond evt="onPrev" delay="0">
+                  <p:tgtEl>
+                    <p:sldTgt/>
+                  </p:tgtEl>
+                </p:cond>
+              </p:prevCondLst>
+              <p:nextCondLst>
+                <p:cond evt="onNext" delay="0">
+                  <p:tgtEl>
+                    <p:sldTgt/>
+                  </p:tgtEl>
+                </p:cond>
+              </p:nextCondLst>
+            </p:seq>
+          </p:childTnLst>
+        </p:cTn>
+      </p:par>
+    </p:tnLst>
+    <p:bldLst>
+      <p:bldP spid="11" grpId="0"/>
+      <p:bldP spid="12" grpId="0"/>
+      <p:bldP spid="13" grpId="0"/>
+      <p:bldP spid="14" grpId="0"/>
+    </p:bldLst>
+  </p:timing>
+</p:sld>
+</file>
+
+<file path=ppt/slides/slide8.xml><?xml version="1.0" encoding="utf-8"?>
+<p:sld xmlns:a="http://schemas.openxmlformats.org/drawingml/2006/main" xmlns:r="http://schemas.openxmlformats.org/officeDocument/2006/relationships" xmlns:p="http://schemas.openxmlformats.org/presentationml/2006/main" showMasterPhAnim="0">
+  <p:cSld>
+    <p:spTree>
+      <p:nvGrpSpPr>
+        <p:cNvPr id="1" name=""/>
+        <p:cNvGrpSpPr/>
+        <p:nvPr/>
+      </p:nvGrpSpPr>
+      <p:grpSpPr>
+        <a:xfrm>
+          <a:off x="0" y="0"/>
+          <a:ext cx="0" cy="0"/>
+          <a:chOff x="0" y="0"/>
+          <a:chExt cx="0" cy="0"/>
+        </a:xfrm>
+      </p:grpSpPr>
+      <p:sp>
+        <p:nvSpPr>
+          <p:cNvPr id="19" name="Footer Placeholder 4"/>
+          <p:cNvSpPr>
+            <a:spLocks noGrp="1"/>
+          </p:cNvSpPr>
+          <p:nvPr>
+            <p:ph type="ftr" sz="quarter" idx="11"/>
+          </p:nvPr>
+        </p:nvSpPr>
+        <p:spPr/>
+        <p:txBody>
+          <a:bodyPr/>
+          <a:lstStyle/>
+          <a:p>
+            <a:r>
+              <a:rPr lang="en-US" altLang="en-US"/>
+              <a:t>Chi-square</a:t>
+            </a:r>
+          </a:p>
+        </p:txBody>
+      </p:sp>
+      <p:sp>
+        <p:nvSpPr>
+          <p:cNvPr id="20" name="Slide Number Placeholder 5"/>
+          <p:cNvSpPr>
+            <a:spLocks noGrp="1"/>
+          </p:cNvSpPr>
+          <p:nvPr>
+            <p:ph type="sldNum" sz="quarter" idx="12"/>
+          </p:nvPr>
+        </p:nvSpPr>
+        <p:spPr/>
+        <p:txBody>
+          <a:bodyPr/>
+          <a:lstStyle/>
+          <a:p>
+            <a:r>
+              <a:rPr lang="en-US" altLang="en-US"/>
+              <a:t>Slide #</a:t>
+            </a:r>
+            <a:fld id="{B158DCAA-F35B-4C05-8429-9A5A268AA939}" type="slidenum">
+              <a:rPr lang="en-US" altLang="en-US"/>
+              <a:pPr/>
+              <a:t>8</a:t>
+            </a:fld>
+            <a:endParaRPr lang="en-US" altLang="en-US"/>
+          </a:p>
+        </p:txBody>
+      </p:sp>
+      <p:sp>
+        <p:nvSpPr>
+          <p:cNvPr id="193538" name="Rectangle 2"/>
+          <p:cNvSpPr>
+            <a:spLocks noGrp="1" noChangeArrowheads="1"/>
+          </p:cNvSpPr>
+          <p:nvPr>
+            <p:ph type="body" idx="1"/>
+          </p:nvPr>
+        </p:nvSpPr>
+        <p:spPr>
+          <a:xfrm>
+            <a:off x="152400" y="1066800"/>
+            <a:ext cx="8915400" cy="685800"/>
+          </a:xfrm>
+        </p:spPr>
+        <p:txBody>
+          <a:bodyPr/>
+          <a:lstStyle/>
+          <a:p>
+            <a:pPr>
+              <a:buFontTx/>
+              <a:buNone/>
+            </a:pPr>
+            <a:r>
+              <a:rPr lang="en-US" altLang="en-US" sz="3600" b="1">
+                <a:solidFill>
+                  <a:schemeClr val="accent1"/>
+                </a:solidFill>
+              </a:rPr>
+              <a:t>7)</a:t>
+            </a:r>
+            <a:r>
+              <a:rPr lang="en-US" altLang="en-US" sz="3600">
+                <a:solidFill>
+                  <a:schemeClr val="accent1"/>
+                </a:solidFill>
+              </a:rPr>
+              <a:t>  </a:t>
+            </a:r>
+            <a:r>
+              <a:rPr lang="en-US" altLang="en-US" sz="3600" b="1">
+                <a:solidFill>
+                  <a:schemeClr val="accent1"/>
+                </a:solidFill>
+              </a:rPr>
+              <a:t>Calculate the appropriate test statistic</a:t>
+            </a:r>
+            <a:endParaRPr lang="en-US" altLang="en-US" b="1"/>
+          </a:p>
+        </p:txBody>
+      </p:sp>
+      <p:sp>
+        <p:nvSpPr>
+          <p:cNvPr id="193539" name="Rectangle 3"/>
+          <p:cNvSpPr>
+            <a:spLocks noGrp="1" noChangeArrowheads="1"/>
+          </p:cNvSpPr>
+          <p:nvPr>
+            <p:ph type="title"/>
+          </p:nvPr>
+        </p:nvSpPr>
+        <p:spPr>
+          <a:xfrm>
+            <a:off x="685800" y="152400"/>
+            <a:ext cx="7772400" cy="838200"/>
+          </a:xfrm>
+          <a:noFill/>
+          <a:ln/>
+        </p:spPr>
+        <p:txBody>
+          <a:bodyPr/>
+          <a:lstStyle/>
+          <a:p>
+            <a:r>
+              <a:rPr lang="en-US" altLang="en-US"/>
+              <a:t>A Full Example</a:t>
+            </a:r>
+          </a:p>
+        </p:txBody>
+      </p:sp>
+      <p:sp>
+        <p:nvSpPr>
+          <p:cNvPr id="193540" name="Text Box 4"/>
+          <p:cNvSpPr txBox="1">
+            <a:spLocks noChangeArrowheads="1"/>
+          </p:cNvSpPr>
+          <p:nvPr/>
+        </p:nvSpPr>
+        <p:spPr bwMode="auto">
+          <a:xfrm>
+            <a:off x="2828925" y="6186488"/>
+            <a:ext cx="3041650" cy="519112"/>
+          </a:xfrm>
+          <a:prstGeom prst="rect">
+            <a:avLst/>
+          </a:prstGeom>
+          <a:noFill/>
+          <a:ln>
+            <a:noFill/>
+          </a:ln>
+          <a:effectLst/>
+          <a:extLst>
+            <a:ext uri="{909E8E84-426E-40DD-AFC4-6F175D3DCCD1}">
+              <a14:hiddenFill xmlns:a14="http://schemas.microsoft.com/office/drawing/2010/main">
+                <a:solidFill>
+                  <a:schemeClr val="accent1"/>
+                </a:solidFill>
+              </a14:hiddenFill>
+            </a:ext>
+            <a:ext uri="{91240B29-F687-4F45-9708-019B960494DF}">
+              <a14:hiddenLine xmlns:a14="http://schemas.microsoft.com/office/drawing/2010/main" w="9525">
+                <a:solidFill>
+                  <a:schemeClr val="tx1"/>
+                </a:solidFill>
+                <a:miter lim="800000"/>
+                <a:headEnd/>
+                <a:tailEnd/>
+              </a14:hiddenLine>
+            </a:ext>
+            <a:ext uri="{AF507438-7753-43E0-B8FC-AC1667EBCBE1}">
+              <a14:hiddenEffects xmlns:a14="http://schemas.microsoft.com/office/drawing/2010/main">
+                <a:effectLst>
+                  <a:outerShdw dist="35921" dir="2700000" algn="ctr" rotWithShape="0">
+                    <a:schemeClr val="bg2"/>
+                  </a:outerShdw>
+                </a:effectLst>
+              </a14:hiddenEffects>
+            </a:ext>
+          </a:extLst>
+        </p:spPr>
+        <p:txBody>
+          <a:bodyPr wrap="none">
+            <a:spAutoFit/>
+          </a:bodyPr>
+          <a:lstStyle/>
+          <a:p>
+            <a:r>
+              <a:rPr lang="en-US" altLang="en-US" sz="2800" b="1"/>
+              <a:t>df =</a:t>
+            </a:r>
+            <a:r>
+              <a:rPr lang="en-US" altLang="en-US" sz="2800"/>
+              <a:t> (2-1)*(2-1) =</a:t>
+            </a:r>
+            <a:r>
+              <a:rPr lang="en-US" altLang="en-US" sz="2800" b="1"/>
+              <a:t> 1</a:t>
+            </a:r>
+            <a:endParaRPr lang="en-US" altLang="en-US" sz="2800" b="1">
+              <a:solidFill>
+                <a:schemeClr val="accent1"/>
+              </a:solidFill>
+            </a:endParaRPr>
+          </a:p>
+        </p:txBody>
+      </p:sp>
+      <p:sp>
+        <p:nvSpPr>
+          <p:cNvPr id="193543" name="Text Box 7"/>
+          <p:cNvSpPr txBox="1">
+            <a:spLocks noChangeArrowheads="1"/>
+          </p:cNvSpPr>
+          <p:nvPr/>
+        </p:nvSpPr>
+        <p:spPr bwMode="auto">
+          <a:xfrm>
+            <a:off x="1447800" y="1676400"/>
+            <a:ext cx="1743075" cy="579438"/>
+          </a:xfrm>
+          <a:prstGeom prst="rect">
+            <a:avLst/>
+          </a:prstGeom>
+          <a:noFill/>
+          <a:ln>
+            <a:noFill/>
+          </a:ln>
+          <a:effectLst/>
+          <a:extLst>
+            <a:ext uri="{909E8E84-426E-40DD-AFC4-6F175D3DCCD1}">
+              <a14:hiddenFill xmlns:a14="http://schemas.microsoft.com/office/drawing/2010/main">
+                <a:solidFill>
+                  <a:schemeClr val="accent1"/>
+                </a:solidFill>
+              </a14:hiddenFill>
+            </a:ext>
+            <a:ext uri="{91240B29-F687-4F45-9708-019B960494DF}">
+              <a14:hiddenLine xmlns:a14="http://schemas.microsoft.com/office/drawing/2010/main" w="9525">
+                <a:solidFill>
+                  <a:schemeClr val="tx1"/>
+                </a:solidFill>
+                <a:miter lim="800000"/>
+                <a:headEnd/>
+                <a:tailEnd/>
+              </a14:hiddenLine>
+            </a:ext>
+            <a:ext uri="{AF507438-7753-43E0-B8FC-AC1667EBCBE1}">
+              <a14:hiddenEffects xmlns:a14="http://schemas.microsoft.com/office/drawing/2010/main">
+                <a:effectLst>
+                  <a:outerShdw dist="35921" dir="2700000" algn="ctr" rotWithShape="0">
+                    <a:schemeClr val="bg2"/>
+                  </a:outerShdw>
+                </a:effectLst>
+              </a14:hiddenEffects>
+            </a:ext>
+          </a:extLst>
+        </p:spPr>
+        <p:txBody>
+          <a:bodyPr wrap="none">
+            <a:spAutoFit/>
+          </a:bodyPr>
+          <a:lstStyle/>
+          <a:p>
+            <a:r>
+              <a:rPr lang="en-US" altLang="en-US" sz="3200"/>
+              <a:t>Observed</a:t>
+            </a:r>
+          </a:p>
+        </p:txBody>
+      </p:sp>
+      <p:sp>
+        <p:nvSpPr>
+          <p:cNvPr id="193544" name="Text Box 8"/>
+          <p:cNvSpPr txBox="1">
+            <a:spLocks noChangeArrowheads="1"/>
+          </p:cNvSpPr>
+          <p:nvPr/>
+        </p:nvSpPr>
+        <p:spPr bwMode="auto">
+          <a:xfrm>
+            <a:off x="6019800" y="1676400"/>
+            <a:ext cx="1697038" cy="579438"/>
+          </a:xfrm>
+          <a:prstGeom prst="rect">
+            <a:avLst/>
+          </a:prstGeom>
+          <a:noFill/>
+          <a:ln>
+            <a:noFill/>
+          </a:ln>
+          <a:effectLst/>
+          <a:extLst>
+            <a:ext uri="{909E8E84-426E-40DD-AFC4-6F175D3DCCD1}">
+              <a14:hiddenFill xmlns:a14="http://schemas.microsoft.com/office/drawing/2010/main">
+                <a:solidFill>
+                  <a:schemeClr val="accent1"/>
+                </a:solidFill>
+              </a14:hiddenFill>
+            </a:ext>
+            <a:ext uri="{91240B29-F687-4F45-9708-019B960494DF}">
+              <a14:hiddenLine xmlns:a14="http://schemas.microsoft.com/office/drawing/2010/main" w="9525">
+                <a:solidFill>
+                  <a:schemeClr val="tx1"/>
+                </a:solidFill>
+                <a:miter lim="800000"/>
+                <a:headEnd/>
+                <a:tailEnd/>
+              </a14:hiddenLine>
+            </a:ext>
+            <a:ext uri="{AF507438-7753-43E0-B8FC-AC1667EBCBE1}">
+              <a14:hiddenEffects xmlns:a14="http://schemas.microsoft.com/office/drawing/2010/main">
+                <a:effectLst>
+                  <a:outerShdw dist="35921" dir="2700000" algn="ctr" rotWithShape="0">
+                    <a:schemeClr val="bg2"/>
+                  </a:outerShdw>
+                </a:effectLst>
+              </a14:hiddenEffects>
+            </a:ext>
+          </a:extLst>
+        </p:spPr>
+        <p:txBody>
+          <a:bodyPr wrap="none">
+            <a:spAutoFit/>
+          </a:bodyPr>
+          <a:lstStyle/>
+          <a:p>
+            <a:r>
+              <a:rPr lang="en-US" altLang="en-US" sz="3200"/>
+              <a:t>Expected</a:t>
+            </a:r>
+          </a:p>
+        </p:txBody>
+      </p:sp>
+      <p:graphicFrame>
+        <p:nvGraphicFramePr>
+          <p:cNvPr id="193545" name="Object 9"/>
+          <p:cNvGraphicFramePr>
+            <a:graphicFrameLocks noChangeAspect="1"/>
+          </p:cNvGraphicFramePr>
+          <p:nvPr>
+            <p:extLst>
+              <p:ext uri="{D42A27DB-BD31-4B8C-83A1-F6EECF244321}">
+                <p14:modId xmlns:p14="http://schemas.microsoft.com/office/powerpoint/2010/main" val="3328966881"/>
+              </p:ext>
+            </p:extLst>
+          </p:nvPr>
+        </p:nvGraphicFramePr>
+        <p:xfrm>
+          <a:off x="1228725" y="4108450"/>
+          <a:ext cx="2033588" cy="996950"/>
+        </p:xfrm>
+        <a:graphic>
+          <a:graphicData uri="http://schemas.openxmlformats.org/presentationml/2006/ole">
+            <mc:AlternateContent xmlns:mc="http://schemas.openxmlformats.org/markup-compatibility/2006">
+              <mc:Choice xmlns:v="urn:schemas-microsoft-com:vml" Requires="v">
+                <p:oleObj spid="_x0000_s219168" name="Equation" r:id="rId3" imgW="876240" imgH="431640" progId="Equation.3">
+                  <p:embed/>
+                </p:oleObj>
+              </mc:Choice>
+              <mc:Fallback>
+                <p:oleObj name="Equation" r:id="rId3" imgW="876240" imgH="431640" progId="Equation.3">
+                  <p:embed/>
+                  <p:pic>
+                    <p:nvPicPr>
+                      <p:cNvPr id="0" name=""/>
+                      <p:cNvPicPr>
+                        <a:picLocks noChangeAspect="1" noChangeArrowheads="1"/>
+                      </p:cNvPicPr>
+                      <p:nvPr/>
+                    </p:nvPicPr>
+                    <p:blipFill>
+                      <a:blip r:embed="rId4"/>
+                      <a:srcRect/>
+                      <a:stretch>
+                        <a:fillRect/>
+                      </a:stretch>
+                    </p:blipFill>
+                    <p:spPr bwMode="auto">
+                      <a:xfrm>
+                        <a:off x="1228725" y="4108450"/>
+                        <a:ext cx="2033588" cy="996950"/>
                       </a:xfrm>
                       <a:prstGeom prst="rect">
                         <a:avLst/>
@@ -5239,10 +9059,1211 @@
           </a:graphicData>
         </a:graphic>
       </p:graphicFrame>
+      <p:graphicFrame>
+        <p:nvGraphicFramePr>
+          <p:cNvPr id="193546" name="Object 10"/>
+          <p:cNvGraphicFramePr>
+            <a:graphicFrameLocks noChangeAspect="1"/>
+          </p:cNvGraphicFramePr>
+          <p:nvPr>
+            <p:extLst>
+              <p:ext uri="{D42A27DB-BD31-4B8C-83A1-F6EECF244321}">
+                <p14:modId xmlns:p14="http://schemas.microsoft.com/office/powerpoint/2010/main" val="3288820216"/>
+              </p:ext>
+            </p:extLst>
+          </p:nvPr>
+        </p:nvGraphicFramePr>
+        <p:xfrm>
+          <a:off x="3300413" y="4108450"/>
+          <a:ext cx="2001837" cy="996950"/>
+        </p:xfrm>
+        <a:graphic>
+          <a:graphicData uri="http://schemas.openxmlformats.org/presentationml/2006/ole">
+            <mc:AlternateContent xmlns:mc="http://schemas.openxmlformats.org/markup-compatibility/2006">
+              <mc:Choice xmlns:v="urn:schemas-microsoft-com:vml" Requires="v">
+                <p:oleObj spid="_x0000_s219169" name="Equation" r:id="rId5" imgW="863280" imgH="431640" progId="Equation.3">
+                  <p:embed/>
+                </p:oleObj>
+              </mc:Choice>
+              <mc:Fallback>
+                <p:oleObj name="Equation" r:id="rId5" imgW="863280" imgH="431640" progId="Equation.3">
+                  <p:embed/>
+                  <p:pic>
+                    <p:nvPicPr>
+                      <p:cNvPr id="0" name=""/>
+                      <p:cNvPicPr>
+                        <a:picLocks noChangeAspect="1" noChangeArrowheads="1"/>
+                      </p:cNvPicPr>
+                      <p:nvPr/>
+                    </p:nvPicPr>
+                    <p:blipFill>
+                      <a:blip r:embed="rId6"/>
+                      <a:srcRect/>
+                      <a:stretch>
+                        <a:fillRect/>
+                      </a:stretch>
+                    </p:blipFill>
+                    <p:spPr bwMode="auto">
+                      <a:xfrm>
+                        <a:off x="3300413" y="4108450"/>
+                        <a:ext cx="2001837" cy="996950"/>
+                      </a:xfrm>
+                      <a:prstGeom prst="rect">
+                        <a:avLst/>
+                      </a:prstGeom>
+                      <a:noFill/>
+                      <a:ln>
+                        <a:noFill/>
+                      </a:ln>
+                      <a:effectLst/>
+                      <a:extLst>
+                        <a:ext uri="{909E8E84-426E-40DD-AFC4-6F175D3DCCD1}">
+                          <a14:hiddenFill xmlns:a14="http://schemas.microsoft.com/office/drawing/2010/main">
+                            <a:solidFill>
+                              <a:schemeClr val="accent1"/>
+                            </a:solidFill>
+                          </a14:hiddenFill>
+                        </a:ext>
+                        <a:ext uri="{91240B29-F687-4F45-9708-019B960494DF}">
+                          <a14:hiddenLine xmlns:a14="http://schemas.microsoft.com/office/drawing/2010/main" w="9525">
+                            <a:solidFill>
+                              <a:schemeClr val="tx1"/>
+                            </a:solidFill>
+                            <a:miter lim="800000"/>
+                            <a:headEnd/>
+                            <a:tailEnd/>
+                          </a14:hiddenLine>
+                        </a:ext>
+                        <a:ext uri="{AF507438-7753-43E0-B8FC-AC1667EBCBE1}">
+                          <a14:hiddenEffects xmlns:a14="http://schemas.microsoft.com/office/drawing/2010/main">
+                            <a:effectLst>
+                              <a:outerShdw dist="35921" dir="2700000" algn="ctr" rotWithShape="0">
+                                <a:schemeClr val="bg2"/>
+                              </a:outerShdw>
+                            </a:effectLst>
+                          </a14:hiddenEffects>
+                        </a:ext>
+                      </a:extLst>
+                    </p:spPr>
+                  </p:pic>
+                </p:oleObj>
+              </mc:Fallback>
+            </mc:AlternateContent>
+          </a:graphicData>
+        </a:graphic>
+      </p:graphicFrame>
+      <p:graphicFrame>
+        <p:nvGraphicFramePr>
+          <p:cNvPr id="193547" name="Object 11"/>
+          <p:cNvGraphicFramePr>
+            <a:graphicFrameLocks noChangeAspect="1"/>
+          </p:cNvGraphicFramePr>
+          <p:nvPr>
+            <p:extLst>
+              <p:ext uri="{D42A27DB-BD31-4B8C-83A1-F6EECF244321}">
+                <p14:modId xmlns:p14="http://schemas.microsoft.com/office/powerpoint/2010/main" val="429032859"/>
+              </p:ext>
+            </p:extLst>
+          </p:nvPr>
+        </p:nvGraphicFramePr>
+        <p:xfrm>
+          <a:off x="5243513" y="4108450"/>
+          <a:ext cx="2092325" cy="996950"/>
+        </p:xfrm>
+        <a:graphic>
+          <a:graphicData uri="http://schemas.openxmlformats.org/presentationml/2006/ole">
+            <mc:AlternateContent xmlns:mc="http://schemas.openxmlformats.org/markup-compatibility/2006">
+              <mc:Choice xmlns:v="urn:schemas-microsoft-com:vml" Requires="v">
+                <p:oleObj spid="_x0000_s219170" name="Equation" r:id="rId7" imgW="901440" imgH="431640" progId="Equation.3">
+                  <p:embed/>
+                </p:oleObj>
+              </mc:Choice>
+              <mc:Fallback>
+                <p:oleObj name="Equation" r:id="rId7" imgW="901440" imgH="431640" progId="Equation.3">
+                  <p:embed/>
+                  <p:pic>
+                    <p:nvPicPr>
+                      <p:cNvPr id="0" name=""/>
+                      <p:cNvPicPr>
+                        <a:picLocks noChangeAspect="1" noChangeArrowheads="1"/>
+                      </p:cNvPicPr>
+                      <p:nvPr/>
+                    </p:nvPicPr>
+                    <p:blipFill>
+                      <a:blip r:embed="rId8"/>
+                      <a:srcRect/>
+                      <a:stretch>
+                        <a:fillRect/>
+                      </a:stretch>
+                    </p:blipFill>
+                    <p:spPr bwMode="auto">
+                      <a:xfrm>
+                        <a:off x="5243513" y="4108450"/>
+                        <a:ext cx="2092325" cy="996950"/>
+                      </a:xfrm>
+                      <a:prstGeom prst="rect">
+                        <a:avLst/>
+                      </a:prstGeom>
+                      <a:noFill/>
+                      <a:ln>
+                        <a:noFill/>
+                      </a:ln>
+                      <a:effectLst/>
+                      <a:extLst>
+                        <a:ext uri="{909E8E84-426E-40DD-AFC4-6F175D3DCCD1}">
+                          <a14:hiddenFill xmlns:a14="http://schemas.microsoft.com/office/drawing/2010/main">
+                            <a:solidFill>
+                              <a:schemeClr val="accent1"/>
+                            </a:solidFill>
+                          </a14:hiddenFill>
+                        </a:ext>
+                        <a:ext uri="{91240B29-F687-4F45-9708-019B960494DF}">
+                          <a14:hiddenLine xmlns:a14="http://schemas.microsoft.com/office/drawing/2010/main" w="9525">
+                            <a:solidFill>
+                              <a:schemeClr val="tx1"/>
+                            </a:solidFill>
+                            <a:miter lim="800000"/>
+                            <a:headEnd/>
+                            <a:tailEnd/>
+                          </a14:hiddenLine>
+                        </a:ext>
+                        <a:ext uri="{AF507438-7753-43E0-B8FC-AC1667EBCBE1}">
+                          <a14:hiddenEffects xmlns:a14="http://schemas.microsoft.com/office/drawing/2010/main">
+                            <a:effectLst>
+                              <a:outerShdw dist="35921" dir="2700000" algn="ctr" rotWithShape="0">
+                                <a:schemeClr val="bg2"/>
+                              </a:outerShdw>
+                            </a:effectLst>
+                          </a14:hiddenEffects>
+                        </a:ext>
+                      </a:extLst>
+                    </p:spPr>
+                  </p:pic>
+                </p:oleObj>
+              </mc:Fallback>
+            </mc:AlternateContent>
+          </a:graphicData>
+        </a:graphic>
+      </p:graphicFrame>
+      <p:graphicFrame>
+        <p:nvGraphicFramePr>
+          <p:cNvPr id="193548" name="Object 12"/>
+          <p:cNvGraphicFramePr>
+            <a:graphicFrameLocks noChangeAspect="1"/>
+          </p:cNvGraphicFramePr>
+          <p:nvPr>
+            <p:extLst>
+              <p:ext uri="{D42A27DB-BD31-4B8C-83A1-F6EECF244321}">
+                <p14:modId xmlns:p14="http://schemas.microsoft.com/office/powerpoint/2010/main" val="3587649316"/>
+              </p:ext>
+            </p:extLst>
+          </p:nvPr>
+        </p:nvGraphicFramePr>
+        <p:xfrm>
+          <a:off x="7329488" y="4108450"/>
+          <a:ext cx="1738312" cy="996950"/>
+        </p:xfrm>
+        <a:graphic>
+          <a:graphicData uri="http://schemas.openxmlformats.org/presentationml/2006/ole">
+            <mc:AlternateContent xmlns:mc="http://schemas.openxmlformats.org/markup-compatibility/2006">
+              <mc:Choice xmlns:v="urn:schemas-microsoft-com:vml" Requires="v">
+                <p:oleObj spid="_x0000_s219171" name="Equation" r:id="rId9" imgW="749160" imgH="431640" progId="Equation.3">
+                  <p:embed/>
+                </p:oleObj>
+              </mc:Choice>
+              <mc:Fallback>
+                <p:oleObj name="Equation" r:id="rId9" imgW="749160" imgH="431640" progId="Equation.3">
+                  <p:embed/>
+                  <p:pic>
+                    <p:nvPicPr>
+                      <p:cNvPr id="0" name=""/>
+                      <p:cNvPicPr>
+                        <a:picLocks noChangeAspect="1" noChangeArrowheads="1"/>
+                      </p:cNvPicPr>
+                      <p:nvPr/>
+                    </p:nvPicPr>
+                    <p:blipFill>
+                      <a:blip r:embed="rId10"/>
+                      <a:srcRect/>
+                      <a:stretch>
+                        <a:fillRect/>
+                      </a:stretch>
+                    </p:blipFill>
+                    <p:spPr bwMode="auto">
+                      <a:xfrm>
+                        <a:off x="7329488" y="4108450"/>
+                        <a:ext cx="1738312" cy="996950"/>
+                      </a:xfrm>
+                      <a:prstGeom prst="rect">
+                        <a:avLst/>
+                      </a:prstGeom>
+                      <a:noFill/>
+                      <a:ln>
+                        <a:noFill/>
+                      </a:ln>
+                      <a:effectLst/>
+                      <a:extLst>
+                        <a:ext uri="{909E8E84-426E-40DD-AFC4-6F175D3DCCD1}">
+                          <a14:hiddenFill xmlns:a14="http://schemas.microsoft.com/office/drawing/2010/main">
+                            <a:solidFill>
+                              <a:schemeClr val="accent1"/>
+                            </a:solidFill>
+                          </a14:hiddenFill>
+                        </a:ext>
+                        <a:ext uri="{91240B29-F687-4F45-9708-019B960494DF}">
+                          <a14:hiddenLine xmlns:a14="http://schemas.microsoft.com/office/drawing/2010/main" w="9525">
+                            <a:solidFill>
+                              <a:schemeClr val="tx1"/>
+                            </a:solidFill>
+                            <a:miter lim="800000"/>
+                            <a:headEnd/>
+                            <a:tailEnd/>
+                          </a14:hiddenLine>
+                        </a:ext>
+                        <a:ext uri="{AF507438-7753-43E0-B8FC-AC1667EBCBE1}">
+                          <a14:hiddenEffects xmlns:a14="http://schemas.microsoft.com/office/drawing/2010/main">
+                            <a:effectLst>
+                              <a:outerShdw dist="35921" dir="2700000" algn="ctr" rotWithShape="0">
+                                <a:schemeClr val="bg2"/>
+                              </a:outerShdw>
+                            </a:effectLst>
+                          </a14:hiddenEffects>
+                        </a:ext>
+                      </a:extLst>
+                    </p:spPr>
+                  </p:pic>
+                </p:oleObj>
+              </mc:Fallback>
+            </mc:AlternateContent>
+          </a:graphicData>
+        </a:graphic>
+      </p:graphicFrame>
+      <p:sp>
+        <p:nvSpPr>
+          <p:cNvPr id="193549" name="Text Box 13"/>
+          <p:cNvSpPr txBox="1">
+            <a:spLocks noChangeArrowheads="1"/>
+          </p:cNvSpPr>
+          <p:nvPr/>
+        </p:nvSpPr>
+        <p:spPr bwMode="auto">
+          <a:xfrm>
+            <a:off x="427038" y="5251450"/>
+            <a:ext cx="5259773" cy="523220"/>
+          </a:xfrm>
+          <a:prstGeom prst="rect">
+            <a:avLst/>
+          </a:prstGeom>
+          <a:noFill/>
+          <a:ln>
+            <a:noFill/>
+          </a:ln>
+          <a:effectLst/>
+          <a:extLst>
+            <a:ext uri="{909E8E84-426E-40DD-AFC4-6F175D3DCCD1}">
+              <a14:hiddenFill xmlns:a14="http://schemas.microsoft.com/office/drawing/2010/main">
+                <a:solidFill>
+                  <a:schemeClr val="accent1"/>
+                </a:solidFill>
+              </a14:hiddenFill>
+            </a:ext>
+            <a:ext uri="{91240B29-F687-4F45-9708-019B960494DF}">
+              <a14:hiddenLine xmlns:a14="http://schemas.microsoft.com/office/drawing/2010/main" w="9525">
+                <a:solidFill>
+                  <a:schemeClr val="tx1"/>
+                </a:solidFill>
+                <a:miter lim="800000"/>
+                <a:headEnd/>
+                <a:tailEnd/>
+              </a14:hiddenLine>
+            </a:ext>
+            <a:ext uri="{AF507438-7753-43E0-B8FC-AC1667EBCBE1}">
+              <a14:hiddenEffects xmlns:a14="http://schemas.microsoft.com/office/drawing/2010/main">
+                <a:effectLst>
+                  <a:outerShdw dist="35921" dir="2700000" algn="ctr" rotWithShape="0">
+                    <a:schemeClr val="bg2"/>
+                  </a:outerShdw>
+                </a:effectLst>
+              </a14:hiddenEffects>
+            </a:ext>
+          </a:extLst>
+        </p:spPr>
+        <p:txBody>
+          <a:bodyPr wrap="none">
+            <a:spAutoFit/>
+          </a:bodyPr>
+          <a:lstStyle/>
+          <a:p>
+            <a:r>
+              <a:rPr lang="en-US" altLang="en-US" sz="2800" b="1" dirty="0">
+                <a:latin typeface="Symbol" panose="05050102010706020507" pitchFamily="18" charset="2"/>
+              </a:rPr>
+              <a:t>c</a:t>
+            </a:r>
+            <a:r>
+              <a:rPr lang="en-US" altLang="en-US" sz="2800" b="1" baseline="30000" dirty="0"/>
+              <a:t>2</a:t>
+            </a:r>
+            <a:r>
+              <a:rPr lang="en-US" altLang="en-US" sz="2800" dirty="0"/>
+              <a:t> = </a:t>
+            </a:r>
+            <a:r>
+              <a:rPr lang="en-US" altLang="en-US" sz="2800" dirty="0" smtClean="0"/>
+              <a:t>0.219 </a:t>
+            </a:r>
+            <a:r>
+              <a:rPr lang="en-US" altLang="en-US" sz="2800" dirty="0"/>
+              <a:t>+ </a:t>
+            </a:r>
+            <a:r>
+              <a:rPr lang="en-US" altLang="en-US" sz="2800" dirty="0" smtClean="0"/>
+              <a:t>0.437 </a:t>
+            </a:r>
+            <a:r>
+              <a:rPr lang="en-US" altLang="en-US" sz="2800" dirty="0"/>
+              <a:t>+ </a:t>
+            </a:r>
+            <a:r>
+              <a:rPr lang="en-US" altLang="en-US" sz="2800" dirty="0" smtClean="0"/>
+              <a:t>0.273 </a:t>
+            </a:r>
+            <a:r>
+              <a:rPr lang="en-US" altLang="en-US" sz="2800" dirty="0"/>
+              <a:t>+ </a:t>
+            </a:r>
+            <a:r>
+              <a:rPr lang="en-US" altLang="en-US" sz="2800" dirty="0" smtClean="0"/>
+              <a:t>0.548</a:t>
+            </a:r>
+            <a:endParaRPr lang="en-US" altLang="en-US" sz="2800" dirty="0"/>
+          </a:p>
+        </p:txBody>
+      </p:sp>
+      <p:sp>
+        <p:nvSpPr>
+          <p:cNvPr id="193550" name="Text Box 14"/>
+          <p:cNvSpPr txBox="1">
+            <a:spLocks noChangeArrowheads="1"/>
+          </p:cNvSpPr>
+          <p:nvPr/>
+        </p:nvSpPr>
+        <p:spPr bwMode="auto">
+          <a:xfrm>
+            <a:off x="430213" y="4419600"/>
+            <a:ext cx="788987" cy="519113"/>
+          </a:xfrm>
+          <a:prstGeom prst="rect">
+            <a:avLst/>
+          </a:prstGeom>
+          <a:noFill/>
+          <a:ln>
+            <a:noFill/>
+          </a:ln>
+          <a:effectLst/>
+          <a:extLst>
+            <a:ext uri="{909E8E84-426E-40DD-AFC4-6F175D3DCCD1}">
+              <a14:hiddenFill xmlns:a14="http://schemas.microsoft.com/office/drawing/2010/main">
+                <a:solidFill>
+                  <a:schemeClr val="accent1"/>
+                </a:solidFill>
+              </a14:hiddenFill>
+            </a:ext>
+            <a:ext uri="{91240B29-F687-4F45-9708-019B960494DF}">
+              <a14:hiddenLine xmlns:a14="http://schemas.microsoft.com/office/drawing/2010/main" w="9525">
+                <a:solidFill>
+                  <a:schemeClr val="tx1"/>
+                </a:solidFill>
+                <a:miter lim="800000"/>
+                <a:headEnd/>
+                <a:tailEnd/>
+              </a14:hiddenLine>
+            </a:ext>
+            <a:ext uri="{AF507438-7753-43E0-B8FC-AC1667EBCBE1}">
+              <a14:hiddenEffects xmlns:a14="http://schemas.microsoft.com/office/drawing/2010/main">
+                <a:effectLst>
+                  <a:outerShdw dist="35921" dir="2700000" algn="ctr" rotWithShape="0">
+                    <a:schemeClr val="bg2"/>
+                  </a:outerShdw>
+                </a:effectLst>
+              </a14:hiddenEffects>
+            </a:ext>
+          </a:extLst>
+        </p:spPr>
+        <p:txBody>
+          <a:bodyPr wrap="none">
+            <a:spAutoFit/>
+          </a:bodyPr>
+          <a:lstStyle/>
+          <a:p>
+            <a:r>
+              <a:rPr lang="en-US" altLang="en-US" sz="2800" b="1">
+                <a:latin typeface="Symbol" panose="05050102010706020507" pitchFamily="18" charset="2"/>
+              </a:rPr>
+              <a:t>c</a:t>
+            </a:r>
+            <a:r>
+              <a:rPr lang="en-US" altLang="en-US" sz="2800" b="1" baseline="30000"/>
+              <a:t>2</a:t>
+            </a:r>
+            <a:r>
+              <a:rPr lang="en-US" altLang="en-US" sz="2800"/>
+              <a:t> =</a:t>
+            </a:r>
+          </a:p>
+        </p:txBody>
+      </p:sp>
+      <p:sp>
+        <p:nvSpPr>
+          <p:cNvPr id="193551" name="Text Box 15"/>
+          <p:cNvSpPr txBox="1">
+            <a:spLocks noChangeArrowheads="1"/>
+          </p:cNvSpPr>
+          <p:nvPr/>
+        </p:nvSpPr>
+        <p:spPr bwMode="auto">
+          <a:xfrm>
+            <a:off x="427038" y="5881688"/>
+            <a:ext cx="1681162" cy="519112"/>
+          </a:xfrm>
+          <a:prstGeom prst="rect">
+            <a:avLst/>
+          </a:prstGeom>
+          <a:noFill/>
+          <a:ln>
+            <a:noFill/>
+          </a:ln>
+          <a:effectLst/>
+          <a:extLst>
+            <a:ext uri="{909E8E84-426E-40DD-AFC4-6F175D3DCCD1}">
+              <a14:hiddenFill xmlns:a14="http://schemas.microsoft.com/office/drawing/2010/main">
+                <a:solidFill>
+                  <a:schemeClr val="accent1"/>
+                </a:solidFill>
+              </a14:hiddenFill>
+            </a:ext>
+            <a:ext uri="{91240B29-F687-4F45-9708-019B960494DF}">
+              <a14:hiddenLine xmlns:a14="http://schemas.microsoft.com/office/drawing/2010/main" w="9525">
+                <a:solidFill>
+                  <a:schemeClr val="tx1"/>
+                </a:solidFill>
+                <a:miter lim="800000"/>
+                <a:headEnd/>
+                <a:tailEnd/>
+              </a14:hiddenLine>
+            </a:ext>
+            <a:ext uri="{AF507438-7753-43E0-B8FC-AC1667EBCBE1}">
+              <a14:hiddenEffects xmlns:a14="http://schemas.microsoft.com/office/drawing/2010/main">
+                <a:effectLst>
+                  <a:outerShdw dist="35921" dir="2700000" algn="ctr" rotWithShape="0">
+                    <a:schemeClr val="bg2"/>
+                  </a:outerShdw>
+                </a:effectLst>
+              </a14:hiddenEffects>
+            </a:ext>
+          </a:extLst>
+        </p:spPr>
+        <p:txBody>
+          <a:bodyPr wrap="none">
+            <a:spAutoFit/>
+          </a:bodyPr>
+          <a:lstStyle/>
+          <a:p>
+            <a:r>
+              <a:rPr lang="en-US" altLang="en-US" sz="2800" b="1">
+                <a:latin typeface="Symbol" panose="05050102010706020507" pitchFamily="18" charset="2"/>
+              </a:rPr>
+              <a:t>c</a:t>
+            </a:r>
+            <a:r>
+              <a:rPr lang="en-US" altLang="en-US" sz="2800" b="1" baseline="30000"/>
+              <a:t>2</a:t>
+            </a:r>
+            <a:r>
+              <a:rPr lang="en-US" altLang="en-US" sz="2800" b="1"/>
+              <a:t> = 1.477</a:t>
+            </a:r>
+          </a:p>
+        </p:txBody>
+      </p:sp>
+      <p:grpSp>
+        <p:nvGrpSpPr>
+          <p:cNvPr id="2" name="Group 1"/>
+          <p:cNvGrpSpPr/>
+          <p:nvPr/>
+        </p:nvGrpSpPr>
+        <p:grpSpPr>
+          <a:xfrm>
+            <a:off x="0" y="2255838"/>
+            <a:ext cx="4483119" cy="1280160"/>
+            <a:chOff x="0" y="2408238"/>
+            <a:chExt cx="4724400" cy="1395542"/>
+          </a:xfrm>
+        </p:grpSpPr>
+        <p:graphicFrame>
+          <p:nvGraphicFramePr>
+            <p:cNvPr id="21" name="Object 4"/>
+            <p:cNvGraphicFramePr>
+              <a:graphicFrameLocks noChangeAspect="1"/>
+            </p:cNvGraphicFramePr>
+            <p:nvPr>
+              <p:extLst>
+                <p:ext uri="{D42A27DB-BD31-4B8C-83A1-F6EECF244321}">
+                  <p14:modId xmlns:p14="http://schemas.microsoft.com/office/powerpoint/2010/main" val="2793509247"/>
+                </p:ext>
+              </p:extLst>
+            </p:nvPr>
+          </p:nvGraphicFramePr>
+          <p:xfrm>
+            <a:off x="0" y="2408238"/>
+            <a:ext cx="4724400" cy="1337210"/>
+          </p:xfrm>
+          <a:graphic>
+            <a:graphicData uri="http://schemas.openxmlformats.org/presentationml/2006/ole">
+              <mc:AlternateContent xmlns:mc="http://schemas.openxmlformats.org/markup-compatibility/2006">
+                <mc:Choice xmlns:v="urn:schemas-microsoft-com:vml" Requires="v">
+                  <p:oleObj spid="_x0000_s219172" name="Worksheet" r:id="rId11" imgW="2104957" imgH="715979" progId="Excel.Sheet.8">
+                    <p:embed/>
+                  </p:oleObj>
+                </mc:Choice>
+                <mc:Fallback>
+                  <p:oleObj name="Worksheet" r:id="rId11" imgW="2104957" imgH="715979" progId="Excel.Sheet.8">
+                    <p:embed/>
+                    <p:pic>
+                      <p:nvPicPr>
+                        <p:cNvPr id="0" name=""/>
+                        <p:cNvPicPr>
+                          <a:picLocks noChangeAspect="1" noChangeArrowheads="1"/>
+                        </p:cNvPicPr>
+                        <p:nvPr/>
+                      </p:nvPicPr>
+                      <p:blipFill>
+                        <a:blip r:embed="rId12"/>
+                        <a:srcRect/>
+                        <a:stretch>
+                          <a:fillRect/>
+                        </a:stretch>
+                      </p:blipFill>
+                      <p:spPr bwMode="auto">
+                        <a:xfrm>
+                          <a:off x="0" y="2408238"/>
+                          <a:ext cx="4724400" cy="1337210"/>
+                        </a:xfrm>
+                        <a:prstGeom prst="rect">
+                          <a:avLst/>
+                        </a:prstGeom>
+                        <a:noFill/>
+                        <a:extLst/>
+                      </p:spPr>
+                    </p:pic>
+                  </p:oleObj>
+                </mc:Fallback>
+              </mc:AlternateContent>
+            </a:graphicData>
+          </a:graphic>
+        </p:graphicFrame>
+        <p:sp>
+          <p:nvSpPr>
+            <p:cNvPr id="22" name="Rectangle 21"/>
+            <p:cNvSpPr/>
+            <p:nvPr/>
+          </p:nvSpPr>
+          <p:spPr>
+            <a:xfrm>
+              <a:off x="4038599" y="2662852"/>
+              <a:ext cx="492443" cy="461665"/>
+            </a:xfrm>
+            <a:prstGeom prst="rect">
+              <a:avLst/>
+            </a:prstGeom>
+          </p:spPr>
+          <p:txBody>
+            <a:bodyPr wrap="none">
+              <a:spAutoFit/>
+            </a:bodyPr>
+            <a:lstStyle/>
+            <a:p>
+              <a:r>
+                <a:rPr lang="en-US" b="1" dirty="0"/>
+                <a:t>50</a:t>
+              </a:r>
+            </a:p>
+          </p:txBody>
+        </p:sp>
+        <p:sp>
+          <p:nvSpPr>
+            <p:cNvPr id="23" name="Rectangle 22"/>
+            <p:cNvSpPr/>
+            <p:nvPr/>
+          </p:nvSpPr>
+          <p:spPr>
+            <a:xfrm>
+              <a:off x="4051466" y="3020444"/>
+              <a:ext cx="492443" cy="461665"/>
+            </a:xfrm>
+            <a:prstGeom prst="rect">
+              <a:avLst/>
+            </a:prstGeom>
+          </p:spPr>
+          <p:txBody>
+            <a:bodyPr wrap="none">
+              <a:spAutoFit/>
+            </a:bodyPr>
+            <a:lstStyle/>
+            <a:p>
+              <a:r>
+                <a:rPr lang="en-US" b="1" dirty="0" smtClean="0"/>
+                <a:t>40</a:t>
+              </a:r>
+              <a:endParaRPr lang="en-US" b="1" dirty="0"/>
+            </a:p>
+          </p:txBody>
+        </p:sp>
+        <p:sp>
+          <p:nvSpPr>
+            <p:cNvPr id="24" name="Rectangle 23"/>
+            <p:cNvSpPr/>
+            <p:nvPr/>
+          </p:nvSpPr>
+          <p:spPr>
+            <a:xfrm>
+              <a:off x="1981199" y="2665459"/>
+              <a:ext cx="492443" cy="461665"/>
+            </a:xfrm>
+            <a:prstGeom prst="rect">
+              <a:avLst/>
+            </a:prstGeom>
+          </p:spPr>
+          <p:txBody>
+            <a:bodyPr wrap="none">
+              <a:spAutoFit/>
+            </a:bodyPr>
+            <a:lstStyle/>
+            <a:p>
+              <a:r>
+                <a:rPr lang="en-US" b="1" dirty="0" smtClean="0"/>
+                <a:t>36</a:t>
+              </a:r>
+              <a:endParaRPr lang="en-US" b="1" dirty="0"/>
+            </a:p>
+          </p:txBody>
+        </p:sp>
+        <p:sp>
+          <p:nvSpPr>
+            <p:cNvPr id="25" name="Rectangle 24"/>
+            <p:cNvSpPr/>
+            <p:nvPr/>
+          </p:nvSpPr>
+          <p:spPr>
+            <a:xfrm>
+              <a:off x="2971799" y="2665459"/>
+              <a:ext cx="492443" cy="461665"/>
+            </a:xfrm>
+            <a:prstGeom prst="rect">
+              <a:avLst/>
+            </a:prstGeom>
+          </p:spPr>
+          <p:txBody>
+            <a:bodyPr wrap="none">
+              <a:spAutoFit/>
+            </a:bodyPr>
+            <a:lstStyle/>
+            <a:p>
+              <a:r>
+                <a:rPr lang="en-US" b="1" dirty="0" smtClean="0"/>
+                <a:t>14</a:t>
+              </a:r>
+              <a:endParaRPr lang="en-US" b="1" dirty="0"/>
+            </a:p>
+          </p:txBody>
+        </p:sp>
+        <p:sp>
+          <p:nvSpPr>
+            <p:cNvPr id="26" name="Rectangle 25"/>
+            <p:cNvSpPr/>
+            <p:nvPr/>
+          </p:nvSpPr>
+          <p:spPr>
+            <a:xfrm>
+              <a:off x="1984922" y="2993012"/>
+              <a:ext cx="492443" cy="461665"/>
+            </a:xfrm>
+            <a:prstGeom prst="rect">
+              <a:avLst/>
+            </a:prstGeom>
+          </p:spPr>
+          <p:txBody>
+            <a:bodyPr wrap="none">
+              <a:spAutoFit/>
+            </a:bodyPr>
+            <a:lstStyle/>
+            <a:p>
+              <a:r>
+                <a:rPr lang="en-US" b="1" dirty="0" smtClean="0"/>
+                <a:t>24</a:t>
+              </a:r>
+              <a:endParaRPr lang="en-US" b="1" dirty="0"/>
+            </a:p>
+          </p:txBody>
+        </p:sp>
+        <p:sp>
+          <p:nvSpPr>
+            <p:cNvPr id="27" name="Rectangle 26"/>
+            <p:cNvSpPr/>
+            <p:nvPr/>
+          </p:nvSpPr>
+          <p:spPr>
+            <a:xfrm>
+              <a:off x="2986364" y="2995619"/>
+              <a:ext cx="492443" cy="461665"/>
+            </a:xfrm>
+            <a:prstGeom prst="rect">
+              <a:avLst/>
+            </a:prstGeom>
+          </p:spPr>
+          <p:txBody>
+            <a:bodyPr wrap="none">
+              <a:spAutoFit/>
+            </a:bodyPr>
+            <a:lstStyle/>
+            <a:p>
+              <a:r>
+                <a:rPr lang="en-US" b="1" dirty="0" smtClean="0"/>
+                <a:t>16</a:t>
+              </a:r>
+              <a:endParaRPr lang="en-US" b="1" dirty="0"/>
+            </a:p>
+          </p:txBody>
+        </p:sp>
+        <p:sp>
+          <p:nvSpPr>
+            <p:cNvPr id="28" name="Rectangle 27"/>
+            <p:cNvSpPr/>
+            <p:nvPr/>
+          </p:nvSpPr>
+          <p:spPr>
+            <a:xfrm>
+              <a:off x="2990087" y="3342115"/>
+              <a:ext cx="492443" cy="461665"/>
+            </a:xfrm>
+            <a:prstGeom prst="rect">
+              <a:avLst/>
+            </a:prstGeom>
+          </p:spPr>
+          <p:txBody>
+            <a:bodyPr wrap="none">
+              <a:spAutoFit/>
+            </a:bodyPr>
+            <a:lstStyle/>
+            <a:p>
+              <a:r>
+                <a:rPr lang="en-US" b="1" dirty="0" smtClean="0"/>
+                <a:t>30</a:t>
+              </a:r>
+              <a:endParaRPr lang="en-US" dirty="0"/>
+            </a:p>
+          </p:txBody>
+        </p:sp>
+        <p:sp>
+          <p:nvSpPr>
+            <p:cNvPr id="29" name="Rectangle 28"/>
+            <p:cNvSpPr/>
+            <p:nvPr/>
+          </p:nvSpPr>
+          <p:spPr>
+            <a:xfrm>
+              <a:off x="1981199" y="3342115"/>
+              <a:ext cx="492443" cy="461665"/>
+            </a:xfrm>
+            <a:prstGeom prst="rect">
+              <a:avLst/>
+            </a:prstGeom>
+          </p:spPr>
+          <p:txBody>
+            <a:bodyPr wrap="none">
+              <a:spAutoFit/>
+            </a:bodyPr>
+            <a:lstStyle/>
+            <a:p>
+              <a:r>
+                <a:rPr lang="en-US" b="1" dirty="0" smtClean="0"/>
+                <a:t>60</a:t>
+              </a:r>
+              <a:endParaRPr lang="en-US" dirty="0"/>
+            </a:p>
+          </p:txBody>
+        </p:sp>
+        <p:sp>
+          <p:nvSpPr>
+            <p:cNvPr id="30" name="Rectangle 29"/>
+            <p:cNvSpPr/>
+            <p:nvPr/>
+          </p:nvSpPr>
+          <p:spPr>
+            <a:xfrm>
+              <a:off x="4066031" y="3342115"/>
+              <a:ext cx="492443" cy="461665"/>
+            </a:xfrm>
+            <a:prstGeom prst="rect">
+              <a:avLst/>
+            </a:prstGeom>
+          </p:spPr>
+          <p:txBody>
+            <a:bodyPr wrap="none">
+              <a:spAutoFit/>
+            </a:bodyPr>
+            <a:lstStyle/>
+            <a:p>
+              <a:r>
+                <a:rPr lang="en-US" b="1" dirty="0" smtClean="0"/>
+                <a:t>90</a:t>
+              </a:r>
+              <a:endParaRPr lang="en-US" dirty="0"/>
+            </a:p>
+          </p:txBody>
+        </p:sp>
+      </p:grpSp>
+      <p:grpSp>
+        <p:nvGrpSpPr>
+          <p:cNvPr id="3" name="Group 2"/>
+          <p:cNvGrpSpPr/>
+          <p:nvPr/>
+        </p:nvGrpSpPr>
+        <p:grpSpPr>
+          <a:xfrm>
+            <a:off x="4638674" y="2262058"/>
+            <a:ext cx="4480560" cy="1280160"/>
+            <a:chOff x="4343400" y="2414458"/>
+            <a:chExt cx="4724400" cy="1395542"/>
+          </a:xfrm>
+        </p:grpSpPr>
+        <p:graphicFrame>
+          <p:nvGraphicFramePr>
+            <p:cNvPr id="32" name="Object 4"/>
+            <p:cNvGraphicFramePr>
+              <a:graphicFrameLocks noChangeAspect="1"/>
+            </p:cNvGraphicFramePr>
+            <p:nvPr>
+              <p:extLst>
+                <p:ext uri="{D42A27DB-BD31-4B8C-83A1-F6EECF244321}">
+                  <p14:modId xmlns:p14="http://schemas.microsoft.com/office/powerpoint/2010/main" val="418814142"/>
+                </p:ext>
+              </p:extLst>
+            </p:nvPr>
+          </p:nvGraphicFramePr>
+          <p:xfrm>
+            <a:off x="4343400" y="2414458"/>
+            <a:ext cx="4724400" cy="1337210"/>
+          </p:xfrm>
+          <a:graphic>
+            <a:graphicData uri="http://schemas.openxmlformats.org/presentationml/2006/ole">
+              <mc:AlternateContent xmlns:mc="http://schemas.openxmlformats.org/markup-compatibility/2006">
+                <mc:Choice xmlns:v="urn:schemas-microsoft-com:vml" Requires="v">
+                  <p:oleObj spid="_x0000_s219173" name="Worksheet" r:id="rId13" imgW="2104957" imgH="715979" progId="Excel.Sheet.8">
+                    <p:embed/>
+                  </p:oleObj>
+                </mc:Choice>
+                <mc:Fallback>
+                  <p:oleObj name="Worksheet" r:id="rId13" imgW="2104957" imgH="715979" progId="Excel.Sheet.8">
+                    <p:embed/>
+                    <p:pic>
+                      <p:nvPicPr>
+                        <p:cNvPr id="0" name=""/>
+                        <p:cNvPicPr>
+                          <a:picLocks noChangeAspect="1" noChangeArrowheads="1"/>
+                        </p:cNvPicPr>
+                        <p:nvPr/>
+                      </p:nvPicPr>
+                      <p:blipFill>
+                        <a:blip r:embed="rId12"/>
+                        <a:srcRect/>
+                        <a:stretch>
+                          <a:fillRect/>
+                        </a:stretch>
+                      </p:blipFill>
+                      <p:spPr bwMode="auto">
+                        <a:xfrm>
+                          <a:off x="4343400" y="2414458"/>
+                          <a:ext cx="4724400" cy="1337210"/>
+                        </a:xfrm>
+                        <a:prstGeom prst="rect">
+                          <a:avLst/>
+                        </a:prstGeom>
+                        <a:noFill/>
+                        <a:extLst/>
+                      </p:spPr>
+                    </p:pic>
+                  </p:oleObj>
+                </mc:Fallback>
+              </mc:AlternateContent>
+            </a:graphicData>
+          </a:graphic>
+        </p:graphicFrame>
+        <p:sp>
+          <p:nvSpPr>
+            <p:cNvPr id="33" name="Rectangle 32"/>
+            <p:cNvSpPr/>
+            <p:nvPr/>
+          </p:nvSpPr>
+          <p:spPr>
+            <a:xfrm>
+              <a:off x="8381999" y="2669072"/>
+              <a:ext cx="492443" cy="461665"/>
+            </a:xfrm>
+            <a:prstGeom prst="rect">
+              <a:avLst/>
+            </a:prstGeom>
+          </p:spPr>
+          <p:txBody>
+            <a:bodyPr wrap="none">
+              <a:spAutoFit/>
+            </a:bodyPr>
+            <a:lstStyle/>
+            <a:p>
+              <a:r>
+                <a:rPr lang="en-US" b="1" dirty="0"/>
+                <a:t>50</a:t>
+              </a:r>
+            </a:p>
+          </p:txBody>
+        </p:sp>
+        <p:sp>
+          <p:nvSpPr>
+            <p:cNvPr id="34" name="Rectangle 33"/>
+            <p:cNvSpPr/>
+            <p:nvPr/>
+          </p:nvSpPr>
+          <p:spPr>
+            <a:xfrm>
+              <a:off x="8394866" y="3026664"/>
+              <a:ext cx="492443" cy="461665"/>
+            </a:xfrm>
+            <a:prstGeom prst="rect">
+              <a:avLst/>
+            </a:prstGeom>
+          </p:spPr>
+          <p:txBody>
+            <a:bodyPr wrap="none">
+              <a:spAutoFit/>
+            </a:bodyPr>
+            <a:lstStyle/>
+            <a:p>
+              <a:r>
+                <a:rPr lang="en-US" b="1" dirty="0" smtClean="0"/>
+                <a:t>40</a:t>
+              </a:r>
+              <a:endParaRPr lang="en-US" b="1" dirty="0"/>
+            </a:p>
+          </p:txBody>
+        </p:sp>
+        <p:sp>
+          <p:nvSpPr>
+            <p:cNvPr id="35" name="Rectangle 34"/>
+            <p:cNvSpPr/>
+            <p:nvPr/>
+          </p:nvSpPr>
+          <p:spPr>
+            <a:xfrm>
+              <a:off x="6324599" y="2671679"/>
+              <a:ext cx="723275" cy="461665"/>
+            </a:xfrm>
+            <a:prstGeom prst="rect">
+              <a:avLst/>
+            </a:prstGeom>
+          </p:spPr>
+          <p:txBody>
+            <a:bodyPr wrap="none">
+              <a:spAutoFit/>
+            </a:bodyPr>
+            <a:lstStyle/>
+            <a:p>
+              <a:r>
+                <a:rPr lang="en-US" b="1" dirty="0" smtClean="0"/>
+                <a:t>33.3</a:t>
+              </a:r>
+              <a:endParaRPr lang="en-US" b="1" dirty="0"/>
+            </a:p>
+          </p:txBody>
+        </p:sp>
+        <p:sp>
+          <p:nvSpPr>
+            <p:cNvPr id="36" name="Rectangle 35"/>
+            <p:cNvSpPr/>
+            <p:nvPr/>
+          </p:nvSpPr>
+          <p:spPr>
+            <a:xfrm>
+              <a:off x="7315199" y="2671679"/>
+              <a:ext cx="723275" cy="461665"/>
+            </a:xfrm>
+            <a:prstGeom prst="rect">
+              <a:avLst/>
+            </a:prstGeom>
+          </p:spPr>
+          <p:txBody>
+            <a:bodyPr wrap="none">
+              <a:spAutoFit/>
+            </a:bodyPr>
+            <a:lstStyle/>
+            <a:p>
+              <a:r>
+                <a:rPr lang="en-US" b="1" dirty="0" smtClean="0"/>
+                <a:t>16.7</a:t>
+              </a:r>
+              <a:endParaRPr lang="en-US" b="1" dirty="0"/>
+            </a:p>
+          </p:txBody>
+        </p:sp>
+        <p:sp>
+          <p:nvSpPr>
+            <p:cNvPr id="37" name="Rectangle 36"/>
+            <p:cNvSpPr/>
+            <p:nvPr/>
+          </p:nvSpPr>
+          <p:spPr>
+            <a:xfrm>
+              <a:off x="6328322" y="2999232"/>
+              <a:ext cx="723275" cy="461665"/>
+            </a:xfrm>
+            <a:prstGeom prst="rect">
+              <a:avLst/>
+            </a:prstGeom>
+          </p:spPr>
+          <p:txBody>
+            <a:bodyPr wrap="none">
+              <a:spAutoFit/>
+            </a:bodyPr>
+            <a:lstStyle/>
+            <a:p>
+              <a:r>
+                <a:rPr lang="en-US" b="1" dirty="0" smtClean="0"/>
+                <a:t>26.7</a:t>
+              </a:r>
+              <a:endParaRPr lang="en-US" b="1" dirty="0"/>
+            </a:p>
+          </p:txBody>
+        </p:sp>
+        <p:sp>
+          <p:nvSpPr>
+            <p:cNvPr id="38" name="Rectangle 37"/>
+            <p:cNvSpPr/>
+            <p:nvPr/>
+          </p:nvSpPr>
+          <p:spPr>
+            <a:xfrm>
+              <a:off x="7329764" y="3001839"/>
+              <a:ext cx="723275" cy="461665"/>
+            </a:xfrm>
+            <a:prstGeom prst="rect">
+              <a:avLst/>
+            </a:prstGeom>
+          </p:spPr>
+          <p:txBody>
+            <a:bodyPr wrap="none">
+              <a:spAutoFit/>
+            </a:bodyPr>
+            <a:lstStyle/>
+            <a:p>
+              <a:r>
+                <a:rPr lang="en-US" b="1" dirty="0" smtClean="0"/>
+                <a:t>13.3</a:t>
+              </a:r>
+              <a:endParaRPr lang="en-US" b="1" dirty="0"/>
+            </a:p>
+          </p:txBody>
+        </p:sp>
+        <p:sp>
+          <p:nvSpPr>
+            <p:cNvPr id="39" name="Rectangle 38"/>
+            <p:cNvSpPr/>
+            <p:nvPr/>
+          </p:nvSpPr>
+          <p:spPr>
+            <a:xfrm>
+              <a:off x="7333487" y="3348335"/>
+              <a:ext cx="492443" cy="461665"/>
+            </a:xfrm>
+            <a:prstGeom prst="rect">
+              <a:avLst/>
+            </a:prstGeom>
+          </p:spPr>
+          <p:txBody>
+            <a:bodyPr wrap="none">
+              <a:spAutoFit/>
+            </a:bodyPr>
+            <a:lstStyle/>
+            <a:p>
+              <a:r>
+                <a:rPr lang="en-US" b="1" dirty="0" smtClean="0"/>
+                <a:t>30</a:t>
+              </a:r>
+              <a:endParaRPr lang="en-US" b="1" dirty="0"/>
+            </a:p>
+          </p:txBody>
+        </p:sp>
+        <p:sp>
+          <p:nvSpPr>
+            <p:cNvPr id="40" name="Rectangle 39"/>
+            <p:cNvSpPr/>
+            <p:nvPr/>
+          </p:nvSpPr>
+          <p:spPr>
+            <a:xfrm>
+              <a:off x="6324599" y="3348335"/>
+              <a:ext cx="492443" cy="461665"/>
+            </a:xfrm>
+            <a:prstGeom prst="rect">
+              <a:avLst/>
+            </a:prstGeom>
+          </p:spPr>
+          <p:txBody>
+            <a:bodyPr wrap="none">
+              <a:spAutoFit/>
+            </a:bodyPr>
+            <a:lstStyle/>
+            <a:p>
+              <a:r>
+                <a:rPr lang="en-US" b="1" dirty="0" smtClean="0"/>
+                <a:t>60</a:t>
+              </a:r>
+              <a:endParaRPr lang="en-US" b="1" dirty="0"/>
+            </a:p>
+          </p:txBody>
+        </p:sp>
+        <p:sp>
+          <p:nvSpPr>
+            <p:cNvPr id="41" name="Rectangle 40"/>
+            <p:cNvSpPr/>
+            <p:nvPr/>
+          </p:nvSpPr>
+          <p:spPr>
+            <a:xfrm>
+              <a:off x="8409431" y="3348335"/>
+              <a:ext cx="492443" cy="461665"/>
+            </a:xfrm>
+            <a:prstGeom prst="rect">
+              <a:avLst/>
+            </a:prstGeom>
+          </p:spPr>
+          <p:txBody>
+            <a:bodyPr wrap="none">
+              <a:spAutoFit/>
+            </a:bodyPr>
+            <a:lstStyle/>
+            <a:p>
+              <a:r>
+                <a:rPr lang="en-US" b="1" dirty="0" smtClean="0"/>
+                <a:t>90</a:t>
+              </a:r>
+              <a:endParaRPr lang="en-US" b="1" dirty="0"/>
+            </a:p>
+          </p:txBody>
+        </p:sp>
+      </p:grpSp>
     </p:spTree>
     <p:extLst>
       <p:ext uri="{BB962C8B-B14F-4D97-AF65-F5344CB8AC3E}">
-        <p14:creationId xmlns:p14="http://schemas.microsoft.com/office/powerpoint/2010/main" val="4253805164"/>
+        <p14:creationId xmlns:p14="http://schemas.microsoft.com/office/powerpoint/2010/main" val="1056450324"/>
       </p:ext>
     </p:extLst>
   </p:cSld>
@@ -5258,22 +10279,19 @@
               <p:cTn id="2" dur="indefinite" nodeType="mainSeq">
                 <p:childTnLst>
                   <p:par>
-                    <p:cTn id="3" fill="hold">
+                    <p:cTn id="3" fill="hold" nodeType="clickPar">
                       <p:stCondLst>
                         <p:cond delay="indefinite"/>
-                        <p:cond evt="onBegin" delay="0">
-                          <p:tn val="2"/>
-                        </p:cond>
                       </p:stCondLst>
                       <p:childTnLst>
                         <p:par>
-                          <p:cTn id="4" fill="hold">
+                          <p:cTn id="4" fill="hold" nodeType="withGroup">
                             <p:stCondLst>
                               <p:cond delay="0"/>
                             </p:stCondLst>
                             <p:childTnLst>
                               <p:par>
-                                <p:cTn id="5" presetID="22" presetClass="entr" presetSubtype="8" fill="hold" grpId="0" nodeType="afterEffect">
+                                <p:cTn id="5" presetID="22" presetClass="entr" presetSubtype="8" fill="hold" nodeType="clickEffect">
                                   <p:stCondLst>
                                     <p:cond delay="0"/>
                                   </p:stCondLst>
@@ -5286,11 +10304,7 @@
                                           </p:stCondLst>
                                         </p:cTn>
                                         <p:tgtEl>
-                                          <p:spTgt spid="180227">
-                                            <p:txEl>
-                                              <p:pRg st="0" end="0"/>
-                                            </p:txEl>
-                                          </p:spTgt>
+                                          <p:spTgt spid="193545"/>
                                         </p:tgtEl>
                                         <p:attrNameLst>
                                           <p:attrName>style.visibility</p:attrName>
@@ -5304,11 +10318,7 @@
                                       <p:cBhvr>
                                         <p:cTn id="7" dur="500"/>
                                         <p:tgtEl>
-                                          <p:spTgt spid="180227">
-                                            <p:txEl>
-                                              <p:pRg st="0" end="0"/>
-                                            </p:txEl>
-                                          </p:spTgt>
+                                          <p:spTgt spid="193545"/>
                                         </p:tgtEl>
                                       </p:cBhvr>
                                     </p:animEffect>
@@ -5328,13 +10338,13 @@
                       </p:stCondLst>
                       <p:childTnLst>
                         <p:par>
-                          <p:cTn id="9" fill="hold">
+                          <p:cTn id="9" fill="hold" nodeType="afterGroup">
                             <p:stCondLst>
                               <p:cond delay="0"/>
                             </p:stCondLst>
                             <p:childTnLst>
                               <p:par>
-                                <p:cTn id="10" presetID="22" presetClass="entr" presetSubtype="8" fill="hold" grpId="0" nodeType="clickEffect">
+                                <p:cTn id="10" presetID="22" presetClass="entr" presetSubtype="8" fill="hold" nodeType="clickEffect">
                                   <p:stCondLst>
                                     <p:cond delay="0"/>
                                   </p:stCondLst>
@@ -5347,11 +10357,7 @@
                                           </p:stCondLst>
                                         </p:cTn>
                                         <p:tgtEl>
-                                          <p:spTgt spid="180227">
-                                            <p:txEl>
-                                              <p:pRg st="1" end="1"/>
-                                            </p:txEl>
-                                          </p:spTgt>
+                                          <p:spTgt spid="193546"/>
                                         </p:tgtEl>
                                         <p:attrNameLst>
                                           <p:attrName>style.visibility</p:attrName>
@@ -5365,11 +10371,7 @@
                                       <p:cBhvr>
                                         <p:cTn id="12" dur="500"/>
                                         <p:tgtEl>
-                                          <p:spTgt spid="180227">
-                                            <p:txEl>
-                                              <p:pRg st="1" end="1"/>
-                                            </p:txEl>
-                                          </p:spTgt>
+                                          <p:spTgt spid="193546"/>
                                         </p:tgtEl>
                                       </p:cBhvr>
                                     </p:animEffect>
@@ -5383,19 +10385,19 @@
                     </p:cTn>
                   </p:par>
                   <p:par>
-                    <p:cTn id="13" fill="hold">
+                    <p:cTn id="13" fill="hold" nodeType="clickPar">
                       <p:stCondLst>
                         <p:cond delay="indefinite"/>
                       </p:stCondLst>
                       <p:childTnLst>
                         <p:par>
-                          <p:cTn id="14" fill="hold">
+                          <p:cTn id="14" fill="hold" nodeType="withGroup">
                             <p:stCondLst>
                               <p:cond delay="0"/>
                             </p:stCondLst>
                             <p:childTnLst>
                               <p:par>
-                                <p:cTn id="15" presetID="22" presetClass="entr" presetSubtype="8" fill="hold" grpId="0" nodeType="clickEffect">
+                                <p:cTn id="15" presetID="22" presetClass="entr" presetSubtype="8" fill="hold" nodeType="clickEffect">
                                   <p:stCondLst>
                                     <p:cond delay="0"/>
                                   </p:stCondLst>
@@ -5408,11 +10410,7 @@
                                           </p:stCondLst>
                                         </p:cTn>
                                         <p:tgtEl>
-                                          <p:spTgt spid="180227">
-                                            <p:txEl>
-                                              <p:pRg st="2" end="2"/>
-                                            </p:txEl>
-                                          </p:spTgt>
+                                          <p:spTgt spid="193547"/>
                                         </p:tgtEl>
                                         <p:attrNameLst>
                                           <p:attrName>style.visibility</p:attrName>
@@ -5426,11 +10424,7 @@
                                       <p:cBhvr>
                                         <p:cTn id="17" dur="500"/>
                                         <p:tgtEl>
-                                          <p:spTgt spid="180227">
-                                            <p:txEl>
-                                              <p:pRg st="2" end="2"/>
-                                            </p:txEl>
-                                          </p:spTgt>
+                                          <p:spTgt spid="193547"/>
                                         </p:tgtEl>
                                       </p:cBhvr>
                                     </p:animEffect>
@@ -5444,19 +10438,19 @@
                     </p:cTn>
                   </p:par>
                   <p:par>
-                    <p:cTn id="18" fill="hold">
+                    <p:cTn id="18" fill="hold" nodeType="clickPar">
                       <p:stCondLst>
                         <p:cond delay="indefinite"/>
                       </p:stCondLst>
                       <p:childTnLst>
                         <p:par>
-                          <p:cTn id="19" fill="hold">
+                          <p:cTn id="19" fill="hold" nodeType="withGroup">
                             <p:stCondLst>
                               <p:cond delay="0"/>
                             </p:stCondLst>
                             <p:childTnLst>
                               <p:par>
-                                <p:cTn id="20" presetID="22" presetClass="entr" presetSubtype="8" fill="hold" grpId="0" nodeType="clickEffect">
+                                <p:cTn id="20" presetID="22" presetClass="entr" presetSubtype="8" fill="hold" nodeType="clickEffect">
                                   <p:stCondLst>
                                     <p:cond delay="0"/>
                                   </p:stCondLst>
@@ -5469,11 +10463,7 @@
                                           </p:stCondLst>
                                         </p:cTn>
                                         <p:tgtEl>
-                                          <p:spTgt spid="180227">
-                                            <p:txEl>
-                                              <p:pRg st="3" end="3"/>
-                                            </p:txEl>
-                                          </p:spTgt>
+                                          <p:spTgt spid="193548"/>
                                         </p:tgtEl>
                                         <p:attrNameLst>
                                           <p:attrName>style.visibility</p:attrName>
@@ -5487,11 +10477,7 @@
                                       <p:cBhvr>
                                         <p:cTn id="22" dur="500"/>
                                         <p:tgtEl>
-                                          <p:spTgt spid="180227">
-                                            <p:txEl>
-                                              <p:pRg st="3" end="3"/>
-                                            </p:txEl>
-                                          </p:spTgt>
+                                          <p:spTgt spid="193548"/>
                                         </p:tgtEl>
                                       </p:cBhvr>
                                     </p:animEffect>
@@ -5505,13 +10491,13 @@
                     </p:cTn>
                   </p:par>
                   <p:par>
-                    <p:cTn id="23" fill="hold">
+                    <p:cTn id="23" fill="hold" nodeType="clickPar">
                       <p:stCondLst>
                         <p:cond delay="indefinite"/>
                       </p:stCondLst>
                       <p:childTnLst>
                         <p:par>
-                          <p:cTn id="24" fill="hold">
+                          <p:cTn id="24" fill="hold" nodeType="withGroup">
                             <p:stCondLst>
                               <p:cond delay="0"/>
                             </p:stCondLst>
@@ -5530,11 +10516,7 @@
                                           </p:stCondLst>
                                         </p:cTn>
                                         <p:tgtEl>
-                                          <p:spTgt spid="180227">
-                                            <p:txEl>
-                                              <p:pRg st="5" end="5"/>
-                                            </p:txEl>
-                                          </p:spTgt>
+                                          <p:spTgt spid="193549"/>
                                         </p:tgtEl>
                                         <p:attrNameLst>
                                           <p:attrName>style.visibility</p:attrName>
@@ -5548,55 +10530,7 @@
                                       <p:cBhvr>
                                         <p:cTn id="27" dur="500"/>
                                         <p:tgtEl>
-                                          <p:spTgt spid="180227">
-                                            <p:txEl>
-                                              <p:pRg st="5" end="5"/>
-                                            </p:txEl>
-                                          </p:spTgt>
-                                        </p:tgtEl>
-                                      </p:cBhvr>
-                                    </p:animEffect>
-                                  </p:childTnLst>
-                                </p:cTn>
-                              </p:par>
-                            </p:childTnLst>
-                          </p:cTn>
-                        </p:par>
-                        <p:par>
-                          <p:cTn id="28" fill="hold">
-                            <p:stCondLst>
-                              <p:cond delay="500"/>
-                            </p:stCondLst>
-                            <p:childTnLst>
-                              <p:par>
-                                <p:cTn id="29" presetID="22" presetClass="entr" presetSubtype="8" fill="hold" nodeType="afterEffect">
-                                  <p:stCondLst>
-                                    <p:cond delay="0"/>
-                                  </p:stCondLst>
-                                  <p:childTnLst>
-                                    <p:set>
-                                      <p:cBhvr>
-                                        <p:cTn id="30" dur="1" fill="hold">
-                                          <p:stCondLst>
-                                            <p:cond delay="0"/>
-                                          </p:stCondLst>
-                                        </p:cTn>
-                                        <p:tgtEl>
-                                          <p:spTgt spid="2"/>
-                                        </p:tgtEl>
-                                        <p:attrNameLst>
-                                          <p:attrName>style.visibility</p:attrName>
-                                        </p:attrNameLst>
-                                      </p:cBhvr>
-                                      <p:to>
-                                        <p:strVal val="visible"/>
-                                      </p:to>
-                                    </p:set>
-                                    <p:animEffect transition="in" filter="wipe(left)">
-                                      <p:cBhvr>
-                                        <p:cTn id="31" dur="500"/>
-                                        <p:tgtEl>
-                                          <p:spTgt spid="2"/>
+                                          <p:spTgt spid="193549"/>
                                         </p:tgtEl>
                                       </p:cBhvr>
                                     </p:animEffect>
@@ -5610,36 +10544,32 @@
                     </p:cTn>
                   </p:par>
                   <p:par>
-                    <p:cTn id="32" fill="hold">
+                    <p:cTn id="28" fill="hold" nodeType="clickPar">
                       <p:stCondLst>
                         <p:cond delay="indefinite"/>
                       </p:stCondLst>
                       <p:childTnLst>
                         <p:par>
-                          <p:cTn id="33" fill="hold">
+                          <p:cTn id="29" fill="hold" nodeType="withGroup">
                             <p:stCondLst>
                               <p:cond delay="0"/>
                             </p:stCondLst>
                             <p:childTnLst>
                               <p:par>
-                                <p:cTn id="34" presetID="22" presetClass="entr" presetSubtype="8" fill="hold" grpId="0" nodeType="clickEffect">
+                                <p:cTn id="30" presetID="22" presetClass="entr" presetSubtype="8" fill="hold" grpId="0" nodeType="clickEffect">
                                   <p:stCondLst>
                                     <p:cond delay="0"/>
                                   </p:stCondLst>
                                   <p:childTnLst>
                                     <p:set>
                                       <p:cBhvr>
-                                        <p:cTn id="35" dur="1" fill="hold">
+                                        <p:cTn id="31" dur="1" fill="hold">
                                           <p:stCondLst>
                                             <p:cond delay="0"/>
                                           </p:stCondLst>
                                         </p:cTn>
                                         <p:tgtEl>
-                                          <p:spTgt spid="180227">
-                                            <p:txEl>
-                                              <p:pRg st="7" end="7"/>
-                                            </p:txEl>
-                                          </p:spTgt>
+                                          <p:spTgt spid="193551"/>
                                         </p:tgtEl>
                                         <p:attrNameLst>
                                           <p:attrName>style.visibility</p:attrName>
@@ -5651,13 +10581,9 @@
                                     </p:set>
                                     <p:animEffect transition="in" filter="wipe(left)">
                                       <p:cBhvr>
-                                        <p:cTn id="36" dur="500"/>
+                                        <p:cTn id="32" dur="500"/>
                                         <p:tgtEl>
-                                          <p:spTgt spid="180227">
-                                            <p:txEl>
-                                              <p:pRg st="7" end="7"/>
-                                            </p:txEl>
-                                          </p:spTgt>
+                                          <p:spTgt spid="193551"/>
                                         </p:tgtEl>
                                       </p:cBhvr>
                                     </p:animEffect>
@@ -5671,36 +10597,32 @@
                     </p:cTn>
                   </p:par>
                   <p:par>
-                    <p:cTn id="37" fill="hold">
+                    <p:cTn id="33" fill="hold" nodeType="clickPar">
                       <p:stCondLst>
                         <p:cond delay="indefinite"/>
                       </p:stCondLst>
                       <p:childTnLst>
                         <p:par>
-                          <p:cTn id="38" fill="hold">
+                          <p:cTn id="34" fill="hold" nodeType="withGroup">
                             <p:stCondLst>
                               <p:cond delay="0"/>
                             </p:stCondLst>
                             <p:childTnLst>
                               <p:par>
-                                <p:cTn id="39" presetID="22" presetClass="entr" presetSubtype="8" fill="hold" grpId="0" nodeType="clickEffect">
+                                <p:cTn id="35" presetID="22" presetClass="entr" presetSubtype="8" fill="hold" grpId="0" nodeType="clickEffect">
                                   <p:stCondLst>
                                     <p:cond delay="0"/>
                                   </p:stCondLst>
                                   <p:childTnLst>
                                     <p:set>
                                       <p:cBhvr>
-                                        <p:cTn id="40" dur="1" fill="hold">
+                                        <p:cTn id="36" dur="1" fill="hold">
                                           <p:stCondLst>
                                             <p:cond delay="0"/>
                                           </p:stCondLst>
                                         </p:cTn>
                                         <p:tgtEl>
-                                          <p:spTgt spid="180227">
-                                            <p:txEl>
-                                              <p:pRg st="8" end="8"/>
-                                            </p:txEl>
-                                          </p:spTgt>
+                                          <p:spTgt spid="193540"/>
                                         </p:tgtEl>
                                         <p:attrNameLst>
                                           <p:attrName>style.visibility</p:attrName>
@@ -5712,13 +10634,9 @@
                                     </p:set>
                                     <p:animEffect transition="in" filter="wipe(left)">
                                       <p:cBhvr>
-                                        <p:cTn id="41" dur="500"/>
+                                        <p:cTn id="37" dur="500"/>
                                         <p:tgtEl>
-                                          <p:spTgt spid="180227">
-                                            <p:txEl>
-                                              <p:pRg st="8" end="8"/>
-                                            </p:txEl>
-                                          </p:spTgt>
+                                          <p:spTgt spid="193540"/>
                                         </p:tgtEl>
                                       </p:cBhvr>
                                     </p:animEffect>
@@ -5753,14 +10671,16 @@
       </p:par>
     </p:tnLst>
     <p:bldLst>
-      <p:bldP spid="180227" grpId="0" uiExpand="1" build="p"/>
+      <p:bldP spid="193540" grpId="0" autoUpdateAnimBg="0"/>
+      <p:bldP spid="193549" grpId="0" autoUpdateAnimBg="0"/>
+      <p:bldP spid="193551" grpId="0" autoUpdateAnimBg="0"/>
     </p:bldLst>
   </p:timing>
 </p:sld>
 </file>
 
-<file path=ppt/slides/slide5.xml><?xml version="1.0" encoding="utf-8"?>
-<p:sld xmlns:a="http://schemas.openxmlformats.org/drawingml/2006/main" xmlns:r="http://schemas.openxmlformats.org/officeDocument/2006/relationships" xmlns:p="http://schemas.openxmlformats.org/presentationml/2006/main">
+<file path=ppt/slides/slide9.xml><?xml version="1.0" encoding="utf-8"?>
+<p:sld xmlns:a="http://schemas.openxmlformats.org/drawingml/2006/main" xmlns:r="http://schemas.openxmlformats.org/officeDocument/2006/relationships" xmlns:p="http://schemas.openxmlformats.org/presentationml/2006/main" showMasterPhAnim="0">
   <p:cSld>
     <p:spTree>
       <p:nvGrpSpPr>
@@ -5778,7 +10698,7 @@
       </p:grpSpPr>
       <p:sp>
         <p:nvSpPr>
-          <p:cNvPr id="4" name="Footer Placeholder 4"/>
+          <p:cNvPr id="6" name="Footer Placeholder 4"/>
           <p:cNvSpPr>
             <a:spLocks noGrp="1"/>
           </p:cNvSpPr>
@@ -5792,7 +10712,7 @@
           <a:lstStyle/>
           <a:p>
             <a:r>
-              <a:rPr lang="en-US"/>
+              <a:rPr lang="en-US" altLang="en-US"/>
               <a:t>Chi-square</a:t>
             </a:r>
           </a:p>
@@ -5800,7 +10720,7 @@
       </p:sp>
       <p:sp>
         <p:nvSpPr>
-          <p:cNvPr id="5" name="Slide Number Placeholder 5"/>
+          <p:cNvPr id="7" name="Slide Number Placeholder 5"/>
           <p:cNvSpPr>
             <a:spLocks noGrp="1"/>
           </p:cNvSpPr>
@@ -5814,21 +10734,337 @@
           <a:lstStyle/>
           <a:p>
             <a:r>
-              <a:rPr lang="en-US"/>
+              <a:rPr lang="en-US" altLang="en-US"/>
               <a:t>Slide #</a:t>
             </a:r>
-            <a:fld id="{88B24AF3-4205-49FA-ADFB-3B4196ADBCA0}" type="slidenum">
-              <a:rPr lang="en-US"/>
+            <a:fld id="{07438198-1887-4676-94F3-002932D9301B}" type="slidenum">
+              <a:rPr lang="en-US" altLang="en-US"/>
               <a:pPr/>
-              <a:t>5</a:t>
+              <a:t>9</a:t>
             </a:fld>
-            <a:endParaRPr lang="en-US"/>
-          </a:p>
-        </p:txBody>
-      </p:sp>
-      <p:sp>
-        <p:nvSpPr>
-          <p:cNvPr id="113666" name="Rectangle 2"/>
+            <a:endParaRPr lang="en-US" altLang="en-US"/>
+          </a:p>
+        </p:txBody>
+      </p:sp>
+      <p:sp>
+        <p:nvSpPr>
+          <p:cNvPr id="194562" name="Rectangle 2"/>
+          <p:cNvSpPr>
+            <a:spLocks noGrp="1" noChangeArrowheads="1"/>
+          </p:cNvSpPr>
+          <p:nvPr>
+            <p:ph type="body" idx="1"/>
+          </p:nvPr>
+        </p:nvSpPr>
+        <p:spPr>
+          <a:xfrm>
+            <a:off x="152400" y="1676400"/>
+            <a:ext cx="8915400" cy="5029200"/>
+          </a:xfrm>
+        </p:spPr>
+        <p:txBody>
+          <a:bodyPr/>
+          <a:lstStyle/>
+          <a:p>
+            <a:pPr>
+              <a:lnSpc>
+                <a:spcPct val="90000"/>
+              </a:lnSpc>
+              <a:spcBef>
+                <a:spcPct val="0"/>
+              </a:spcBef>
+              <a:buFontTx/>
+              <a:buNone/>
+            </a:pPr>
+            <a:r>
+              <a:rPr lang="en-US" altLang="en-US" b="1" dirty="0">
+                <a:solidFill>
+                  <a:schemeClr val="accent1"/>
+                </a:solidFill>
+              </a:rPr>
+              <a:t>8)</a:t>
+            </a:r>
+            <a:r>
+              <a:rPr lang="en-US" altLang="en-US" dirty="0">
+                <a:solidFill>
+                  <a:schemeClr val="accent1"/>
+                </a:solidFill>
+              </a:rPr>
+              <a:t> </a:t>
+            </a:r>
+            <a:r>
+              <a:rPr lang="en-US" altLang="en-US" b="1" dirty="0">
+                <a:solidFill>
+                  <a:schemeClr val="accent1"/>
+                </a:solidFill>
+              </a:rPr>
+              <a:t>Calculate p-value</a:t>
+            </a:r>
+          </a:p>
+          <a:p>
+            <a:pPr lvl="1">
+              <a:lnSpc>
+                <a:spcPct val="90000"/>
+              </a:lnSpc>
+              <a:spcBef>
+                <a:spcPct val="0"/>
+              </a:spcBef>
+            </a:pPr>
+            <a:r>
+              <a:rPr lang="en-US" altLang="en-US" sz="2400" b="1" dirty="0" err="1" smtClean="0">
+                <a:latin typeface="Courier New" panose="02070309020205020404" pitchFamily="49" charset="0"/>
+                <a:cs typeface="Courier New" panose="02070309020205020404" pitchFamily="49" charset="0"/>
+              </a:rPr>
+              <a:t>distrib</a:t>
+            </a:r>
+            <a:r>
+              <a:rPr lang="en-US" altLang="en-US" sz="2400" b="1" dirty="0" smtClean="0">
+                <a:latin typeface="Courier New" panose="02070309020205020404" pitchFamily="49" charset="0"/>
+                <a:cs typeface="Courier New" panose="02070309020205020404" pitchFamily="49" charset="0"/>
+              </a:rPr>
+              <a:t>(1.477,distrib=“</a:t>
+            </a:r>
+            <a:r>
+              <a:rPr lang="en-US" altLang="en-US" sz="2400" b="1" dirty="0" err="1" smtClean="0">
+                <a:latin typeface="Courier New" panose="02070309020205020404" pitchFamily="49" charset="0"/>
+                <a:cs typeface="Courier New" panose="02070309020205020404" pitchFamily="49" charset="0"/>
+              </a:rPr>
+              <a:t>chisq</a:t>
+            </a:r>
+            <a:r>
+              <a:rPr lang="en-US" altLang="en-US" sz="2400" b="1" dirty="0" smtClean="0">
+                <a:latin typeface="Courier New" panose="02070309020205020404" pitchFamily="49" charset="0"/>
+                <a:cs typeface="Courier New" panose="02070309020205020404" pitchFamily="49" charset="0"/>
+              </a:rPr>
+              <a:t>”,</a:t>
+            </a:r>
+            <a:r>
+              <a:rPr lang="en-US" altLang="en-US" sz="2400" b="1" dirty="0" err="1" smtClean="0">
+                <a:latin typeface="Courier New" panose="02070309020205020404" pitchFamily="49" charset="0"/>
+                <a:cs typeface="Courier New" panose="02070309020205020404" pitchFamily="49" charset="0"/>
+              </a:rPr>
+              <a:t>df</a:t>
+            </a:r>
+            <a:r>
+              <a:rPr lang="en-US" altLang="en-US" sz="2400" b="1" dirty="0" smtClean="0">
+                <a:latin typeface="Courier New" panose="02070309020205020404" pitchFamily="49" charset="0"/>
+                <a:cs typeface="Courier New" panose="02070309020205020404" pitchFamily="49" charset="0"/>
+              </a:rPr>
+              <a:t>=1,</a:t>
+            </a:r>
+          </a:p>
+          <a:p>
+            <a:pPr marL="457200" lvl="1" indent="0">
+              <a:lnSpc>
+                <a:spcPct val="90000"/>
+              </a:lnSpc>
+              <a:spcBef>
+                <a:spcPct val="0"/>
+              </a:spcBef>
+              <a:buNone/>
+            </a:pPr>
+            <a:r>
+              <a:rPr lang="en-US" altLang="en-US" sz="2400" b="1" dirty="0">
+                <a:latin typeface="Courier New" panose="02070309020205020404" pitchFamily="49" charset="0"/>
+                <a:cs typeface="Courier New" panose="02070309020205020404" pitchFamily="49" charset="0"/>
+              </a:rPr>
+              <a:t> </a:t>
+            </a:r>
+            <a:r>
+              <a:rPr lang="en-US" altLang="en-US" sz="2400" b="1" dirty="0" smtClean="0">
+                <a:latin typeface="Courier New" panose="02070309020205020404" pitchFamily="49" charset="0"/>
+                <a:cs typeface="Courier New" panose="02070309020205020404" pitchFamily="49" charset="0"/>
+              </a:rPr>
+              <a:t>         </a:t>
+            </a:r>
+            <a:r>
+              <a:rPr lang="en-US" altLang="en-US" sz="2400" b="1" dirty="0" err="1" smtClean="0">
+                <a:latin typeface="Courier New" panose="02070309020205020404" pitchFamily="49" charset="0"/>
+                <a:cs typeface="Courier New" panose="02070309020205020404" pitchFamily="49" charset="0"/>
+              </a:rPr>
+              <a:t>lower.tail</a:t>
+            </a:r>
+            <a:r>
+              <a:rPr lang="en-US" altLang="en-US" sz="2400" b="1" dirty="0" smtClean="0">
+                <a:latin typeface="Courier New" panose="02070309020205020404" pitchFamily="49" charset="0"/>
+                <a:cs typeface="Courier New" panose="02070309020205020404" pitchFamily="49" charset="0"/>
+              </a:rPr>
+              <a:t>=FALSE)</a:t>
+            </a:r>
+          </a:p>
+          <a:p>
+            <a:pPr lvl="1">
+              <a:lnSpc>
+                <a:spcPct val="90000"/>
+              </a:lnSpc>
+              <a:spcBef>
+                <a:spcPct val="0"/>
+              </a:spcBef>
+            </a:pPr>
+            <a:r>
+              <a:rPr lang="en-US" altLang="en-US" dirty="0" smtClean="0"/>
+              <a:t>p-value =  0.2242</a:t>
+            </a:r>
+            <a:endParaRPr lang="en-US" altLang="en-US" dirty="0"/>
+          </a:p>
+          <a:p>
+            <a:pPr lvl="1">
+              <a:lnSpc>
+                <a:spcPct val="90000"/>
+              </a:lnSpc>
+              <a:spcBef>
+                <a:spcPct val="0"/>
+              </a:spcBef>
+            </a:pPr>
+            <a:endParaRPr lang="en-US" altLang="en-US" sz="3600" dirty="0"/>
+          </a:p>
+          <a:p>
+            <a:pPr>
+              <a:lnSpc>
+                <a:spcPct val="90000"/>
+              </a:lnSpc>
+              <a:spcBef>
+                <a:spcPct val="0"/>
+              </a:spcBef>
+              <a:buFontTx/>
+              <a:buNone/>
+            </a:pPr>
+            <a:r>
+              <a:rPr lang="en-US" altLang="en-US" b="1" dirty="0">
+                <a:solidFill>
+                  <a:schemeClr val="accent1"/>
+                </a:solidFill>
+              </a:rPr>
+              <a:t>9)</a:t>
+            </a:r>
+            <a:r>
+              <a:rPr lang="en-US" altLang="en-US" dirty="0">
+                <a:solidFill>
+                  <a:schemeClr val="accent1"/>
+                </a:solidFill>
+              </a:rPr>
+              <a:t> </a:t>
+            </a:r>
+            <a:r>
+              <a:rPr lang="en-US" altLang="en-US" b="1" dirty="0">
+                <a:solidFill>
+                  <a:schemeClr val="accent1"/>
+                </a:solidFill>
+              </a:rPr>
+              <a:t>State rejection decision</a:t>
+            </a:r>
+          </a:p>
+          <a:p>
+            <a:pPr lvl="1">
+              <a:lnSpc>
+                <a:spcPct val="90000"/>
+              </a:lnSpc>
+              <a:spcBef>
+                <a:spcPct val="0"/>
+              </a:spcBef>
+            </a:pPr>
+            <a:r>
+              <a:rPr lang="en-US" altLang="en-US" dirty="0" smtClean="0"/>
+              <a:t>P-value &gt; </a:t>
+            </a:r>
+            <a:r>
+              <a:rPr lang="en-US" altLang="en-US" dirty="0" smtClean="0">
+                <a:latin typeface="Symbol" panose="05050102010706020507" pitchFamily="18" charset="2"/>
+              </a:rPr>
+              <a:t>a</a:t>
+            </a:r>
+            <a:r>
+              <a:rPr lang="en-US" altLang="en-US" dirty="0" smtClean="0"/>
+              <a:t> (0.10) … Do </a:t>
+            </a:r>
+            <a:r>
+              <a:rPr lang="en-US" altLang="en-US" dirty="0"/>
+              <a:t>Not Reject H</a:t>
+            </a:r>
+            <a:r>
+              <a:rPr lang="en-US" altLang="en-US" baseline="-25000" dirty="0"/>
+              <a:t>0</a:t>
+            </a:r>
+          </a:p>
+          <a:p>
+            <a:pPr lvl="1">
+              <a:lnSpc>
+                <a:spcPct val="90000"/>
+              </a:lnSpc>
+              <a:spcBef>
+                <a:spcPct val="0"/>
+              </a:spcBef>
+            </a:pPr>
+            <a:endParaRPr lang="en-US" altLang="en-US" sz="3600" dirty="0"/>
+          </a:p>
+          <a:p>
+            <a:pPr>
+              <a:lnSpc>
+                <a:spcPct val="90000"/>
+              </a:lnSpc>
+              <a:spcBef>
+                <a:spcPct val="0"/>
+              </a:spcBef>
+              <a:buFontTx/>
+              <a:buNone/>
+            </a:pPr>
+            <a:r>
+              <a:rPr lang="en-US" altLang="en-US" b="1" dirty="0">
+                <a:solidFill>
+                  <a:schemeClr val="accent1"/>
+                </a:solidFill>
+              </a:rPr>
+              <a:t>10)</a:t>
+            </a:r>
+            <a:r>
+              <a:rPr lang="en-US" altLang="en-US" dirty="0">
+                <a:solidFill>
+                  <a:schemeClr val="accent1"/>
+                </a:solidFill>
+              </a:rPr>
+              <a:t> </a:t>
+            </a:r>
+            <a:r>
+              <a:rPr lang="en-US" altLang="en-US" b="1" dirty="0">
+                <a:solidFill>
+                  <a:schemeClr val="accent1"/>
+                </a:solidFill>
+              </a:rPr>
+              <a:t>Conclusion</a:t>
+            </a:r>
+          </a:p>
+          <a:p>
+            <a:pPr lvl="1">
+              <a:lnSpc>
+                <a:spcPct val="90000"/>
+              </a:lnSpc>
+              <a:spcBef>
+                <a:spcPct val="0"/>
+              </a:spcBef>
+            </a:pPr>
+            <a:r>
+              <a:rPr lang="en-US" altLang="en-US" dirty="0"/>
+              <a:t>There is no apparent difference </a:t>
+            </a:r>
+            <a:r>
+              <a:rPr lang="en-US" altLang="en-US" dirty="0" smtClean="0"/>
+              <a:t>in the distributions of ALL Lake Trout </a:t>
+            </a:r>
+            <a:r>
+              <a:rPr lang="en-US" altLang="en-US" dirty="0"/>
+              <a:t>and </a:t>
+            </a:r>
+            <a:r>
+              <a:rPr lang="en-US" altLang="en-US" dirty="0" smtClean="0"/>
+              <a:t>ALL Chinook Salmon to the Lake Herring and no Lake Herring prey groups.</a:t>
+            </a:r>
+            <a:endParaRPr lang="en-US" altLang="en-US" dirty="0"/>
+          </a:p>
+        </p:txBody>
+      </p:sp>
+      <p:sp>
+        <p:nvSpPr>
+          <p:cNvPr id="194563" name="Rectangle 3"/>
           <p:cNvSpPr>
             <a:spLocks noGrp="1" noChangeArrowheads="1"/>
           </p:cNvSpPr>
@@ -5838,310 +11074,168 @@
         </p:nvSpPr>
         <p:spPr>
           <a:xfrm>
-            <a:off x="685800" y="76200"/>
-            <a:ext cx="7772400" cy="685800"/>
+            <a:off x="685800" y="152400"/>
+            <a:ext cx="7772400" cy="838200"/>
           </a:xfrm>
+          <a:noFill/>
+          <a:ln/>
         </p:spPr>
         <p:txBody>
           <a:bodyPr/>
           <a:lstStyle/>
           <a:p>
             <a:r>
-              <a:rPr lang="en-US" sz="4000" dirty="0" smtClean="0"/>
+              <a:rPr lang="en-US" altLang="en-US"/>
               <a:t>A Full Example</a:t>
             </a:r>
-            <a:endParaRPr lang="en-US" sz="4000" dirty="0"/>
-          </a:p>
-        </p:txBody>
-      </p:sp>
-      <p:sp>
-        <p:nvSpPr>
-          <p:cNvPr id="113667" name="Rectangle 3"/>
-          <p:cNvSpPr>
-            <a:spLocks noGrp="1" noChangeArrowheads="1"/>
+          </a:p>
+        </p:txBody>
+      </p:sp>
+      <p:sp>
+        <p:nvSpPr>
+          <p:cNvPr id="194564" name="Text Box 4"/>
+          <p:cNvSpPr txBox="1">
+            <a:spLocks noChangeArrowheads="1"/>
           </p:cNvSpPr>
-          <p:nvPr>
-            <p:ph type="body" idx="1"/>
-          </p:nvPr>
-        </p:nvSpPr>
-        <p:spPr>
+          <p:nvPr/>
+        </p:nvSpPr>
+        <p:spPr bwMode="auto">
           <a:xfrm>
-            <a:off x="304800" y="914400"/>
-            <a:ext cx="8534400" cy="5562600"/>
+            <a:off x="4883150" y="990600"/>
+            <a:ext cx="3041650" cy="519113"/>
           </a:xfrm>
-        </p:spPr>
-        <p:txBody>
-          <a:bodyPr/>
-          <a:lstStyle/>
-          <a:p>
-            <a:pPr marL="284163" indent="-284163"/>
-            <a:r>
-              <a:rPr lang="en-US" dirty="0" smtClean="0"/>
-              <a:t>When Chinook </a:t>
-            </a:r>
-            <a:r>
-              <a:rPr lang="en-US" dirty="0"/>
-              <a:t>S</a:t>
-            </a:r>
-            <a:r>
-              <a:rPr lang="en-US" dirty="0" smtClean="0"/>
-              <a:t>almon </a:t>
-            </a:r>
-            <a:r>
-              <a:rPr lang="en-US" dirty="0"/>
-              <a:t>were first introduced to Lake </a:t>
-            </a:r>
-            <a:r>
-              <a:rPr lang="en-US" dirty="0" smtClean="0"/>
-              <a:t>Superior there was concern that they </a:t>
-            </a:r>
-            <a:r>
-              <a:rPr lang="en-US" dirty="0"/>
-              <a:t>would compete </a:t>
-            </a:r>
-            <a:r>
-              <a:rPr lang="en-US" dirty="0" smtClean="0"/>
-              <a:t>with </a:t>
-            </a:r>
-            <a:r>
-              <a:rPr lang="en-US" dirty="0"/>
-              <a:t>native L</a:t>
-            </a:r>
-            <a:r>
-              <a:rPr lang="en-US" dirty="0" smtClean="0"/>
-              <a:t>ake Trout </a:t>
-            </a:r>
-            <a:r>
-              <a:rPr lang="en-US" dirty="0"/>
-              <a:t>for </a:t>
-            </a:r>
-            <a:r>
-              <a:rPr lang="en-US" dirty="0" smtClean="0"/>
-              <a:t>Lake </a:t>
-            </a:r>
-            <a:r>
-              <a:rPr lang="en-US" dirty="0"/>
-              <a:t>H</a:t>
-            </a:r>
-            <a:r>
-              <a:rPr lang="en-US" dirty="0" smtClean="0"/>
-              <a:t>erring</a:t>
-            </a:r>
-            <a:r>
-              <a:rPr lang="en-US" dirty="0"/>
-              <a:t>. </a:t>
-            </a:r>
-            <a:r>
-              <a:rPr lang="en-US" dirty="0" smtClean="0"/>
-              <a:t>Preliminarily, </a:t>
-            </a:r>
-            <a:r>
-              <a:rPr lang="en-US" dirty="0"/>
-              <a:t>fisheries biologists </a:t>
-            </a:r>
-            <a:r>
-              <a:rPr lang="en-US" dirty="0" smtClean="0"/>
-              <a:t>classified </a:t>
-            </a:r>
-            <a:r>
-              <a:rPr lang="en-US" dirty="0"/>
-              <a:t>the diets of </a:t>
-            </a:r>
-            <a:r>
-              <a:rPr lang="en-US" b="1" dirty="0" smtClean="0">
-                <a:solidFill>
-                  <a:schemeClr val="hlink"/>
-                </a:solidFill>
-              </a:rPr>
-              <a:t>50</a:t>
-            </a:r>
-            <a:r>
-              <a:rPr lang="en-US" dirty="0" smtClean="0"/>
-              <a:t> </a:t>
-            </a:r>
-            <a:r>
-              <a:rPr lang="en-US" dirty="0"/>
-              <a:t>L</a:t>
-            </a:r>
-            <a:r>
-              <a:rPr lang="en-US" dirty="0" smtClean="0"/>
-              <a:t>ake </a:t>
-            </a:r>
-            <a:r>
-              <a:rPr lang="en-US" dirty="0"/>
-              <a:t>T</a:t>
-            </a:r>
-            <a:r>
-              <a:rPr lang="en-US" dirty="0" smtClean="0"/>
-              <a:t>rout </a:t>
-            </a:r>
-            <a:r>
-              <a:rPr lang="en-US" dirty="0"/>
-              <a:t>and </a:t>
-            </a:r>
-            <a:r>
-              <a:rPr lang="en-US" b="1" dirty="0" smtClean="0">
+          <a:prstGeom prst="rect">
+            <a:avLst/>
+          </a:prstGeom>
+          <a:noFill/>
+          <a:ln>
+            <a:noFill/>
+          </a:ln>
+          <a:effectLst/>
+          <a:extLst>
+            <a:ext uri="{909E8E84-426E-40DD-AFC4-6F175D3DCCD1}">
+              <a14:hiddenFill xmlns:a14="http://schemas.microsoft.com/office/drawing/2010/main">
                 <a:solidFill>
                   <a:schemeClr val="accent1"/>
                 </a:solidFill>
-              </a:rPr>
-              <a:t>40</a:t>
-            </a:r>
-            <a:r>
-              <a:rPr lang="en-US" dirty="0" smtClean="0"/>
-              <a:t> </a:t>
-            </a:r>
-            <a:r>
-              <a:rPr lang="en-US" dirty="0"/>
-              <a:t>C</a:t>
-            </a:r>
-            <a:r>
-              <a:rPr lang="en-US" dirty="0" smtClean="0"/>
-              <a:t>hinook Salmon as </a:t>
-            </a:r>
-            <a:r>
-              <a:rPr lang="en-US" dirty="0"/>
-              <a:t>containing </a:t>
-            </a:r>
-            <a:r>
-              <a:rPr lang="en-US" dirty="0" smtClean="0"/>
-              <a:t>Lake </a:t>
-            </a:r>
-            <a:r>
-              <a:rPr lang="en-US" dirty="0"/>
-              <a:t>H</a:t>
-            </a:r>
-            <a:r>
-              <a:rPr lang="en-US" dirty="0" smtClean="0"/>
-              <a:t>erring </a:t>
-            </a:r>
-            <a:r>
-              <a:rPr lang="en-US" dirty="0"/>
-              <a:t>or not. They found </a:t>
-            </a:r>
-            <a:r>
-              <a:rPr lang="en-US" b="1" dirty="0" smtClean="0">
+              </a14:hiddenFill>
+            </a:ext>
+            <a:ext uri="{91240B29-F687-4F45-9708-019B960494DF}">
+              <a14:hiddenLine xmlns:a14="http://schemas.microsoft.com/office/drawing/2010/main" w="9525">
                 <a:solidFill>
-                  <a:schemeClr val="hlink"/>
+                  <a:schemeClr val="tx1"/>
                 </a:solidFill>
-              </a:rPr>
-              <a:t>36</a:t>
-            </a:r>
-            <a:r>
-              <a:rPr lang="en-US" dirty="0" smtClean="0"/>
-              <a:t> Lake </a:t>
-            </a:r>
-            <a:r>
-              <a:rPr lang="en-US" dirty="0"/>
-              <a:t>T</a:t>
-            </a:r>
-            <a:r>
-              <a:rPr lang="en-US" dirty="0" smtClean="0"/>
-              <a:t>rout </a:t>
-            </a:r>
-            <a:r>
-              <a:rPr lang="en-US" dirty="0"/>
-              <a:t>and </a:t>
-            </a:r>
-            <a:r>
-              <a:rPr lang="en-US" b="1" dirty="0">
+                <a:miter lim="800000"/>
+                <a:headEnd/>
+                <a:tailEnd/>
+              </a14:hiddenLine>
+            </a:ext>
+            <a:ext uri="{AF507438-7753-43E0-B8FC-AC1667EBCBE1}">
+              <a14:hiddenEffects xmlns:a14="http://schemas.microsoft.com/office/drawing/2010/main">
+                <a:effectLst>
+                  <a:outerShdw dist="35921" dir="2700000" algn="ctr" rotWithShape="0">
+                    <a:schemeClr val="bg2"/>
+                  </a:outerShdw>
+                </a:effectLst>
+              </a14:hiddenEffects>
+            </a:ext>
+          </a:extLst>
+        </p:spPr>
+        <p:txBody>
+          <a:bodyPr wrap="none">
+            <a:spAutoFit/>
+          </a:bodyPr>
+          <a:lstStyle/>
+          <a:p>
+            <a:r>
+              <a:rPr lang="en-US" altLang="en-US" sz="2800" b="1"/>
+              <a:t>df =</a:t>
+            </a:r>
+            <a:r>
+              <a:rPr lang="en-US" altLang="en-US" sz="2800"/>
+              <a:t> (2-1)*(2-1) =</a:t>
+            </a:r>
+            <a:r>
+              <a:rPr lang="en-US" altLang="en-US" sz="2800" b="1"/>
+              <a:t> 1</a:t>
+            </a:r>
+            <a:endParaRPr lang="en-US" altLang="en-US" sz="2800" b="1">
+              <a:solidFill>
+                <a:schemeClr val="accent1"/>
+              </a:solidFill>
+            </a:endParaRPr>
+          </a:p>
+        </p:txBody>
+      </p:sp>
+      <p:sp>
+        <p:nvSpPr>
+          <p:cNvPr id="194565" name="Text Box 5"/>
+          <p:cNvSpPr txBox="1">
+            <a:spLocks noChangeArrowheads="1"/>
+          </p:cNvSpPr>
+          <p:nvPr/>
+        </p:nvSpPr>
+        <p:spPr bwMode="auto">
+          <a:xfrm>
+            <a:off x="2481263" y="1004888"/>
+            <a:ext cx="1681162" cy="519112"/>
+          </a:xfrm>
+          <a:prstGeom prst="rect">
+            <a:avLst/>
+          </a:prstGeom>
+          <a:noFill/>
+          <a:ln>
+            <a:noFill/>
+          </a:ln>
+          <a:effectLst/>
+          <a:extLst>
+            <a:ext uri="{909E8E84-426E-40DD-AFC4-6F175D3DCCD1}">
+              <a14:hiddenFill xmlns:a14="http://schemas.microsoft.com/office/drawing/2010/main">
                 <a:solidFill>
                   <a:schemeClr val="accent1"/>
                 </a:solidFill>
+              </a14:hiddenFill>
+            </a:ext>
+            <a:ext uri="{91240B29-F687-4F45-9708-019B960494DF}">
+              <a14:hiddenLine xmlns:a14="http://schemas.microsoft.com/office/drawing/2010/main" w="9525">
+                <a:solidFill>
+                  <a:schemeClr val="tx1"/>
+                </a:solidFill>
+                <a:miter lim="800000"/>
+                <a:headEnd/>
+                <a:tailEnd/>
+              </a14:hiddenLine>
+            </a:ext>
+            <a:ext uri="{AF507438-7753-43E0-B8FC-AC1667EBCBE1}">
+              <a14:hiddenEffects xmlns:a14="http://schemas.microsoft.com/office/drawing/2010/main">
+                <a:effectLst>
+                  <a:outerShdw dist="35921" dir="2700000" algn="ctr" rotWithShape="0">
+                    <a:schemeClr val="bg2"/>
+                  </a:outerShdw>
+                </a:effectLst>
+              </a14:hiddenEffects>
+            </a:ext>
+          </a:extLst>
+        </p:spPr>
+        <p:txBody>
+          <a:bodyPr wrap="none">
+            <a:spAutoFit/>
+          </a:bodyPr>
+          <a:lstStyle/>
+          <a:p>
+            <a:r>
+              <a:rPr lang="en-US" altLang="en-US" sz="2800" b="1">
+                <a:latin typeface="Symbol" panose="05050102010706020507" pitchFamily="18" charset="2"/>
               </a:rPr>
-              <a:t>24</a:t>
-            </a:r>
-            <a:r>
-              <a:rPr lang="en-US" dirty="0"/>
-              <a:t> C</a:t>
-            </a:r>
-            <a:r>
-              <a:rPr lang="en-US" dirty="0" smtClean="0"/>
-              <a:t>hinook </a:t>
-            </a:r>
-            <a:r>
-              <a:rPr lang="en-US" dirty="0"/>
-              <a:t>S</a:t>
-            </a:r>
-            <a:r>
-              <a:rPr lang="en-US" dirty="0" smtClean="0"/>
-              <a:t>almon </a:t>
-            </a:r>
-            <a:r>
-              <a:rPr lang="en-US" dirty="0"/>
-              <a:t>contained </a:t>
-            </a:r>
-            <a:r>
-              <a:rPr lang="en-US" dirty="0" smtClean="0"/>
-              <a:t>Lake </a:t>
-            </a:r>
-            <a:r>
-              <a:rPr lang="en-US" dirty="0"/>
-              <a:t>H</a:t>
-            </a:r>
-            <a:r>
-              <a:rPr lang="en-US" dirty="0" smtClean="0"/>
-              <a:t>erring</a:t>
-            </a:r>
-            <a:r>
-              <a:rPr lang="en-US" dirty="0"/>
-              <a:t>. T</a:t>
-            </a:r>
-            <a:r>
-              <a:rPr lang="en-US" dirty="0" smtClean="0"/>
-              <a:t>est </a:t>
-            </a:r>
-            <a:r>
-              <a:rPr lang="en-US" dirty="0"/>
-              <a:t>(at the 10% level) if there is a difference in the proportion of </a:t>
-            </a:r>
-            <a:r>
-              <a:rPr lang="en-US" dirty="0" smtClean="0"/>
-              <a:t>Lake </a:t>
-            </a:r>
-            <a:r>
-              <a:rPr lang="en-US" dirty="0"/>
-              <a:t>T</a:t>
-            </a:r>
-            <a:r>
-              <a:rPr lang="en-US" dirty="0" smtClean="0"/>
-              <a:t>rout </a:t>
-            </a:r>
-            <a:r>
-              <a:rPr lang="en-US" dirty="0"/>
-              <a:t>and </a:t>
-            </a:r>
-            <a:r>
-              <a:rPr lang="en-US" dirty="0" smtClean="0"/>
-              <a:t>Chinook </a:t>
-            </a:r>
-            <a:r>
-              <a:rPr lang="en-US" dirty="0"/>
-              <a:t>S</a:t>
-            </a:r>
-            <a:r>
-              <a:rPr lang="en-US" dirty="0" smtClean="0"/>
-              <a:t>almon </a:t>
-            </a:r>
-            <a:r>
-              <a:rPr lang="en-US" dirty="0"/>
-              <a:t>that </a:t>
-            </a:r>
-            <a:r>
-              <a:rPr lang="en-US" dirty="0" smtClean="0"/>
-              <a:t>had Lake </a:t>
-            </a:r>
-            <a:r>
-              <a:rPr lang="en-US" dirty="0"/>
-              <a:t>H</a:t>
-            </a:r>
-            <a:r>
-              <a:rPr lang="en-US" dirty="0" smtClean="0"/>
-              <a:t>erring</a:t>
-            </a:r>
-            <a:r>
-              <a:rPr lang="en-US" dirty="0"/>
-              <a:t>.</a:t>
+              <a:t>c</a:t>
+            </a:r>
+            <a:r>
+              <a:rPr lang="en-US" altLang="en-US" sz="2800" b="1" baseline="30000"/>
+              <a:t>2</a:t>
+            </a:r>
+            <a:r>
+              <a:rPr lang="en-US" altLang="en-US" sz="2800" b="1"/>
+              <a:t> = 1.477</a:t>
             </a:r>
           </a:p>
         </p:txBody>
@@ -6149,7 +11243,7 @@
     </p:spTree>
     <p:extLst>
       <p:ext uri="{BB962C8B-B14F-4D97-AF65-F5344CB8AC3E}">
-        <p14:creationId xmlns:p14="http://schemas.microsoft.com/office/powerpoint/2010/main" val="2014688986"/>
+        <p14:creationId xmlns:p14="http://schemas.microsoft.com/office/powerpoint/2010/main" val="325942897"/>
       </p:ext>
     </p:extLst>
   </p:cSld>
@@ -6159,9 +11253,360 @@
   <p:timing>
     <p:tnLst>
       <p:par>
-        <p:cTn id="1" dur="indefinite" restart="never" nodeType="tmRoot"/>
+        <p:cTn id="1" dur="indefinite" restart="never" nodeType="tmRoot">
+          <p:childTnLst>
+            <p:seq concurrent="1" nextAc="seek">
+              <p:cTn id="2" dur="indefinite" nodeType="mainSeq">
+                <p:childTnLst>
+                  <p:par>
+                    <p:cTn id="3" fill="hold">
+                      <p:stCondLst>
+                        <p:cond delay="indefinite"/>
+                      </p:stCondLst>
+                      <p:childTnLst>
+                        <p:par>
+                          <p:cTn id="4" fill="hold">
+                            <p:stCondLst>
+                              <p:cond delay="0"/>
+                            </p:stCondLst>
+                            <p:childTnLst>
+                              <p:par>
+                                <p:cTn id="5" presetID="1" presetClass="entr" presetSubtype="0" fill="hold" grpId="0" nodeType="clickEffect">
+                                  <p:stCondLst>
+                                    <p:cond delay="0"/>
+                                  </p:stCondLst>
+                                  <p:childTnLst>
+                                    <p:set>
+                                      <p:cBhvr>
+                                        <p:cTn id="6" dur="1" fill="hold">
+                                          <p:stCondLst>
+                                            <p:cond delay="0"/>
+                                          </p:stCondLst>
+                                        </p:cTn>
+                                        <p:tgtEl>
+                                          <p:spTgt spid="194562">
+                                            <p:txEl>
+                                              <p:pRg st="1" end="1"/>
+                                            </p:txEl>
+                                          </p:spTgt>
+                                        </p:tgtEl>
+                                        <p:attrNameLst>
+                                          <p:attrName>style.visibility</p:attrName>
+                                        </p:attrNameLst>
+                                      </p:cBhvr>
+                                      <p:to>
+                                        <p:strVal val="visible"/>
+                                      </p:to>
+                                    </p:set>
+                                  </p:childTnLst>
+                                </p:cTn>
+                              </p:par>
+                              <p:par>
+                                <p:cTn id="7" presetID="1" presetClass="entr" presetSubtype="0" fill="hold" grpId="0" nodeType="withEffect">
+                                  <p:stCondLst>
+                                    <p:cond delay="0"/>
+                                  </p:stCondLst>
+                                  <p:childTnLst>
+                                    <p:set>
+                                      <p:cBhvr>
+                                        <p:cTn id="8" dur="1" fill="hold">
+                                          <p:stCondLst>
+                                            <p:cond delay="0"/>
+                                          </p:stCondLst>
+                                        </p:cTn>
+                                        <p:tgtEl>
+                                          <p:spTgt spid="194562">
+                                            <p:txEl>
+                                              <p:pRg st="2" end="2"/>
+                                            </p:txEl>
+                                          </p:spTgt>
+                                        </p:tgtEl>
+                                        <p:attrNameLst>
+                                          <p:attrName>style.visibility</p:attrName>
+                                        </p:attrNameLst>
+                                      </p:cBhvr>
+                                      <p:to>
+                                        <p:strVal val="visible"/>
+                                      </p:to>
+                                    </p:set>
+                                  </p:childTnLst>
+                                </p:cTn>
+                              </p:par>
+                            </p:childTnLst>
+                          </p:cTn>
+                        </p:par>
+                      </p:childTnLst>
+                    </p:cTn>
+                  </p:par>
+                  <p:par>
+                    <p:cTn id="9" fill="hold">
+                      <p:stCondLst>
+                        <p:cond delay="indefinite"/>
+                      </p:stCondLst>
+                      <p:childTnLst>
+                        <p:par>
+                          <p:cTn id="10" fill="hold">
+                            <p:stCondLst>
+                              <p:cond delay="0"/>
+                            </p:stCondLst>
+                            <p:childTnLst>
+                              <p:par>
+                                <p:cTn id="11" presetID="1" presetClass="entr" presetSubtype="0" fill="hold" grpId="0" nodeType="clickEffect">
+                                  <p:stCondLst>
+                                    <p:cond delay="0"/>
+                                  </p:stCondLst>
+                                  <p:childTnLst>
+                                    <p:set>
+                                      <p:cBhvr>
+                                        <p:cTn id="12" dur="1" fill="hold">
+                                          <p:stCondLst>
+                                            <p:cond delay="0"/>
+                                          </p:stCondLst>
+                                        </p:cTn>
+                                        <p:tgtEl>
+                                          <p:spTgt spid="194562">
+                                            <p:txEl>
+                                              <p:pRg st="3" end="3"/>
+                                            </p:txEl>
+                                          </p:spTgt>
+                                        </p:tgtEl>
+                                        <p:attrNameLst>
+                                          <p:attrName>style.visibility</p:attrName>
+                                        </p:attrNameLst>
+                                      </p:cBhvr>
+                                      <p:to>
+                                        <p:strVal val="visible"/>
+                                      </p:to>
+                                    </p:set>
+                                  </p:childTnLst>
+                                </p:cTn>
+                              </p:par>
+                            </p:childTnLst>
+                          </p:cTn>
+                        </p:par>
+                      </p:childTnLst>
+                    </p:cTn>
+                  </p:par>
+                  <p:par>
+                    <p:cTn id="13" fill="hold">
+                      <p:stCondLst>
+                        <p:cond delay="indefinite"/>
+                      </p:stCondLst>
+                      <p:childTnLst>
+                        <p:par>
+                          <p:cTn id="14" fill="hold">
+                            <p:stCondLst>
+                              <p:cond delay="0"/>
+                            </p:stCondLst>
+                            <p:childTnLst>
+                              <p:par>
+                                <p:cTn id="15" presetID="1" presetClass="entr" presetSubtype="0" fill="hold" grpId="0" nodeType="clickEffect">
+                                  <p:stCondLst>
+                                    <p:cond delay="0"/>
+                                  </p:stCondLst>
+                                  <p:childTnLst>
+                                    <p:set>
+                                      <p:cBhvr>
+                                        <p:cTn id="16" dur="1" fill="hold">
+                                          <p:stCondLst>
+                                            <p:cond delay="0"/>
+                                          </p:stCondLst>
+                                        </p:cTn>
+                                        <p:tgtEl>
+                                          <p:spTgt spid="194562">
+                                            <p:txEl>
+                                              <p:pRg st="5" end="5"/>
+                                            </p:txEl>
+                                          </p:spTgt>
+                                        </p:tgtEl>
+                                        <p:attrNameLst>
+                                          <p:attrName>style.visibility</p:attrName>
+                                        </p:attrNameLst>
+                                      </p:cBhvr>
+                                      <p:to>
+                                        <p:strVal val="visible"/>
+                                      </p:to>
+                                    </p:set>
+                                  </p:childTnLst>
+                                </p:cTn>
+                              </p:par>
+                            </p:childTnLst>
+                          </p:cTn>
+                        </p:par>
+                      </p:childTnLst>
+                    </p:cTn>
+                  </p:par>
+                  <p:par>
+                    <p:cTn id="17" fill="hold">
+                      <p:stCondLst>
+                        <p:cond delay="indefinite"/>
+                      </p:stCondLst>
+                      <p:childTnLst>
+                        <p:par>
+                          <p:cTn id="18" fill="hold">
+                            <p:stCondLst>
+                              <p:cond delay="0"/>
+                            </p:stCondLst>
+                            <p:childTnLst>
+                              <p:par>
+                                <p:cTn id="19" presetID="1" presetClass="entr" presetSubtype="0" fill="hold" grpId="0" nodeType="clickEffect">
+                                  <p:stCondLst>
+                                    <p:cond delay="0"/>
+                                  </p:stCondLst>
+                                  <p:childTnLst>
+                                    <p:set>
+                                      <p:cBhvr>
+                                        <p:cTn id="20" dur="1" fill="hold">
+                                          <p:stCondLst>
+                                            <p:cond delay="0"/>
+                                          </p:stCondLst>
+                                        </p:cTn>
+                                        <p:tgtEl>
+                                          <p:spTgt spid="194562">
+                                            <p:txEl>
+                                              <p:pRg st="6" end="6"/>
+                                            </p:txEl>
+                                          </p:spTgt>
+                                        </p:tgtEl>
+                                        <p:attrNameLst>
+                                          <p:attrName>style.visibility</p:attrName>
+                                        </p:attrNameLst>
+                                      </p:cBhvr>
+                                      <p:to>
+                                        <p:strVal val="visible"/>
+                                      </p:to>
+                                    </p:set>
+                                  </p:childTnLst>
+                                </p:cTn>
+                              </p:par>
+                            </p:childTnLst>
+                          </p:cTn>
+                        </p:par>
+                      </p:childTnLst>
+                    </p:cTn>
+                  </p:par>
+                  <p:par>
+                    <p:cTn id="21" fill="hold">
+                      <p:stCondLst>
+                        <p:cond delay="indefinite"/>
+                      </p:stCondLst>
+                      <p:childTnLst>
+                        <p:par>
+                          <p:cTn id="22" fill="hold">
+                            <p:stCondLst>
+                              <p:cond delay="0"/>
+                            </p:stCondLst>
+                            <p:childTnLst>
+                              <p:par>
+                                <p:cTn id="23" presetID="1" presetClass="entr" presetSubtype="0" fill="hold" grpId="0" nodeType="clickEffect">
+                                  <p:stCondLst>
+                                    <p:cond delay="0"/>
+                                  </p:stCondLst>
+                                  <p:childTnLst>
+                                    <p:set>
+                                      <p:cBhvr>
+                                        <p:cTn id="24" dur="1" fill="hold">
+                                          <p:stCondLst>
+                                            <p:cond delay="0"/>
+                                          </p:stCondLst>
+                                        </p:cTn>
+                                        <p:tgtEl>
+                                          <p:spTgt spid="194562">
+                                            <p:txEl>
+                                              <p:pRg st="8" end="8"/>
+                                            </p:txEl>
+                                          </p:spTgt>
+                                        </p:tgtEl>
+                                        <p:attrNameLst>
+                                          <p:attrName>style.visibility</p:attrName>
+                                        </p:attrNameLst>
+                                      </p:cBhvr>
+                                      <p:to>
+                                        <p:strVal val="visible"/>
+                                      </p:to>
+                                    </p:set>
+                                  </p:childTnLst>
+                                </p:cTn>
+                              </p:par>
+                            </p:childTnLst>
+                          </p:cTn>
+                        </p:par>
+                      </p:childTnLst>
+                    </p:cTn>
+                  </p:par>
+                  <p:par>
+                    <p:cTn id="25" fill="hold">
+                      <p:stCondLst>
+                        <p:cond delay="indefinite"/>
+                      </p:stCondLst>
+                      <p:childTnLst>
+                        <p:par>
+                          <p:cTn id="26" fill="hold">
+                            <p:stCondLst>
+                              <p:cond delay="0"/>
+                            </p:stCondLst>
+                            <p:childTnLst>
+                              <p:par>
+                                <p:cTn id="27" presetID="1" presetClass="entr" presetSubtype="0" fill="hold" grpId="0" nodeType="clickEffect">
+                                  <p:stCondLst>
+                                    <p:cond delay="0"/>
+                                  </p:stCondLst>
+                                  <p:childTnLst>
+                                    <p:set>
+                                      <p:cBhvr>
+                                        <p:cTn id="28" dur="1" fill="hold">
+                                          <p:stCondLst>
+                                            <p:cond delay="0"/>
+                                          </p:stCondLst>
+                                        </p:cTn>
+                                        <p:tgtEl>
+                                          <p:spTgt spid="194562">
+                                            <p:txEl>
+                                              <p:pRg st="9" end="9"/>
+                                            </p:txEl>
+                                          </p:spTgt>
+                                        </p:tgtEl>
+                                        <p:attrNameLst>
+                                          <p:attrName>style.visibility</p:attrName>
+                                        </p:attrNameLst>
+                                      </p:cBhvr>
+                                      <p:to>
+                                        <p:strVal val="visible"/>
+                                      </p:to>
+                                    </p:set>
+                                  </p:childTnLst>
+                                </p:cTn>
+                              </p:par>
+                            </p:childTnLst>
+                          </p:cTn>
+                        </p:par>
+                      </p:childTnLst>
+                    </p:cTn>
+                  </p:par>
+                </p:childTnLst>
+              </p:cTn>
+              <p:prevCondLst>
+                <p:cond evt="onPrev" delay="0">
+                  <p:tgtEl>
+                    <p:sldTgt/>
+                  </p:tgtEl>
+                </p:cond>
+              </p:prevCondLst>
+              <p:nextCondLst>
+                <p:cond evt="onNext" delay="0">
+                  <p:tgtEl>
+                    <p:sldTgt/>
+                  </p:tgtEl>
+                </p:cond>
+              </p:nextCondLst>
+            </p:seq>
+          </p:childTnLst>
+        </p:cTn>
       </p:par>
     </p:tnLst>
+    <p:bldLst>
+      <p:bldP spid="194562" grpId="0" uiExpand="1" build="p"/>
+    </p:bldLst>
   </p:timing>
 </p:sld>
 </file>

--- a/modules/Chi_Square/PPT2.pptx
+++ b/modules/Chi_Square/PPT2.pptx
@@ -3982,7 +3982,15 @@
             </a:r>
             <a:r>
               <a:rPr lang="en-US" dirty="0"/>
-              <a:t> “distribution of individuals into the levels is same for each population”</a:t>
+              <a:t> “distribution of individuals into the levels is </a:t>
+            </a:r>
+            <a:r>
+              <a:rPr lang="en-US" dirty="0" smtClean="0"/>
+              <a:t>the same </a:t>
+            </a:r>
+            <a:r>
+              <a:rPr lang="en-US" dirty="0"/>
+              <a:t>for each population”</a:t>
             </a:r>
           </a:p>
           <a:p>
@@ -4097,7 +4105,7 @@
           <a:graphicData uri="http://schemas.openxmlformats.org/presentationml/2006/ole">
             <mc:AlternateContent xmlns:mc="http://schemas.openxmlformats.org/markup-compatibility/2006">
               <mc:Choice xmlns:v="urn:schemas-microsoft-com:vml" Requires="v">
-                <p:oleObj spid="_x0000_s215077" name="Equation" r:id="rId3" imgW="1968500" imgH="457200" progId="Equation.3">
+                <p:oleObj spid="_x0000_s215080" name="Equation" r:id="rId3" imgW="1968500" imgH="457200" progId="Equation.3">
                   <p:embed/>
                 </p:oleObj>
               </mc:Choice>
@@ -5485,15 +5493,16 @@
               <a:t>use </a:t>
             </a:r>
             <a:r>
-              <a:rPr lang="en-US" altLang="en-US" dirty="0">
+              <a:rPr lang="en-US" altLang="en-US" dirty="0" smtClean="0">
                 <a:latin typeface="Symbol" panose="05050102010706020507" pitchFamily="18" charset="2"/>
               </a:rPr>
               <a:t>a</a:t>
             </a:r>
             <a:r>
-              <a:rPr lang="en-US" altLang="en-US" dirty="0"/>
-              <a:t>=0.10</a:t>
-            </a:r>
+              <a:rPr lang="en-US" altLang="en-US" dirty="0" smtClean="0"/>
+              <a:t>=0.10 (“at the 10% level”)</a:t>
+            </a:r>
+            <a:endParaRPr lang="en-US" altLang="en-US" dirty="0"/>
           </a:p>
           <a:p>
             <a:pPr lvl="1">
@@ -5834,21 +5843,30 @@
                             </p:childTnLst>
                           </p:cTn>
                         </p:par>
+                      </p:childTnLst>
+                    </p:cTn>
+                  </p:par>
+                  <p:par>
+                    <p:cTn id="7" fill="hold">
+                      <p:stCondLst>
+                        <p:cond delay="indefinite"/>
+                      </p:stCondLst>
+                      <p:childTnLst>
                         <p:par>
-                          <p:cTn id="7" fill="hold" nodeType="withGroup">
+                          <p:cTn id="8" fill="hold" nodeType="withGroup">
                             <p:stCondLst>
                               <p:cond delay="0"/>
                             </p:stCondLst>
                             <p:childTnLst>
                               <p:par>
-                                <p:cTn id="8" presetID="1" presetClass="entr" presetSubtype="0" fill="hold" grpId="0" nodeType="afterEffect">
+                                <p:cTn id="9" presetID="1" presetClass="entr" presetSubtype="0" fill="hold" grpId="0" nodeType="clickEffect">
                                   <p:stCondLst>
-                                    <p:cond delay="500"/>
+                                    <p:cond delay="0"/>
                                   </p:stCondLst>
                                   <p:childTnLst>
                                     <p:set>
                                       <p:cBhvr>
-                                        <p:cTn id="9" dur="1" fill="hold">
+                                        <p:cTn id="10" dur="1" fill="hold">
                                           <p:stCondLst>
                                             <p:cond delay="0"/>
                                           </p:stCondLst>
@@ -5878,26 +5896,26 @@
                     </p:cTn>
                   </p:par>
                   <p:par>
-                    <p:cTn id="10" fill="hold">
+                    <p:cTn id="11" fill="hold">
                       <p:stCondLst>
                         <p:cond delay="indefinite"/>
                       </p:stCondLst>
                       <p:childTnLst>
                         <p:par>
-                          <p:cTn id="11" fill="hold">
+                          <p:cTn id="12" fill="hold">
                             <p:stCondLst>
                               <p:cond delay="0"/>
                             </p:stCondLst>
                             <p:childTnLst>
                               <p:par>
-                                <p:cTn id="12" presetID="1" presetClass="entr" presetSubtype="0" fill="hold" grpId="0" nodeType="clickEffect">
+                                <p:cTn id="13" presetID="1" presetClass="entr" presetSubtype="0" fill="hold" grpId="0" nodeType="clickEffect">
                                   <p:stCondLst>
                                     <p:cond delay="0"/>
                                   </p:stCondLst>
                                   <p:childTnLst>
                                     <p:set>
                                       <p:cBhvr>
-                                        <p:cTn id="13" dur="1" fill="hold">
+                                        <p:cTn id="14" dur="1" fill="hold">
                                           <p:stCondLst>
                                             <p:cond delay="0"/>
                                           </p:stCondLst>
@@ -5927,26 +5945,26 @@
                     </p:cTn>
                   </p:par>
                   <p:par>
-                    <p:cTn id="14" fill="hold">
+                    <p:cTn id="15" fill="hold">
                       <p:stCondLst>
                         <p:cond delay="indefinite"/>
                       </p:stCondLst>
                       <p:childTnLst>
                         <p:par>
-                          <p:cTn id="15" fill="hold">
+                          <p:cTn id="16" fill="hold">
                             <p:stCondLst>
                               <p:cond delay="0"/>
                             </p:stCondLst>
                             <p:childTnLst>
                               <p:par>
-                                <p:cTn id="16" presetID="1" presetClass="entr" presetSubtype="0" fill="hold" grpId="0" nodeType="clickEffect">
+                                <p:cTn id="17" presetID="1" presetClass="entr" presetSubtype="0" fill="hold" grpId="0" nodeType="clickEffect">
                                   <p:stCondLst>
                                     <p:cond delay="0"/>
                                   </p:stCondLst>
                                   <p:childTnLst>
                                     <p:set>
                                       <p:cBhvr>
-                                        <p:cTn id="17" dur="1" fill="hold">
+                                        <p:cTn id="18" dur="1" fill="hold">
                                           <p:stCondLst>
                                             <p:cond delay="0"/>
                                           </p:stCondLst>
@@ -5976,26 +5994,26 @@
                     </p:cTn>
                   </p:par>
                   <p:par>
-                    <p:cTn id="18" fill="hold">
+                    <p:cTn id="19" fill="hold">
                       <p:stCondLst>
                         <p:cond delay="indefinite"/>
                       </p:stCondLst>
                       <p:childTnLst>
                         <p:par>
-                          <p:cTn id="19" fill="hold">
+                          <p:cTn id="20" fill="hold">
                             <p:stCondLst>
                               <p:cond delay="0"/>
                             </p:stCondLst>
                             <p:childTnLst>
                               <p:par>
-                                <p:cTn id="20" presetID="1" presetClass="entr" presetSubtype="0" fill="hold" grpId="0" nodeType="clickEffect">
+                                <p:cTn id="21" presetID="1" presetClass="entr" presetSubtype="0" fill="hold" grpId="0" nodeType="clickEffect">
                                   <p:stCondLst>
                                     <p:cond delay="0"/>
                                   </p:stCondLst>
                                   <p:childTnLst>
                                     <p:set>
                                       <p:cBhvr>
-                                        <p:cTn id="21" dur="1" fill="hold">
+                                        <p:cTn id="22" dur="1" fill="hold">
                                           <p:stCondLst>
                                             <p:cond delay="0"/>
                                           </p:stCondLst>
@@ -6022,20 +6040,20 @@
                           </p:cTn>
                         </p:par>
                         <p:par>
-                          <p:cTn id="22" fill="hold">
+                          <p:cTn id="23" fill="hold">
                             <p:stCondLst>
                               <p:cond delay="0"/>
                             </p:stCondLst>
                             <p:childTnLst>
                               <p:par>
-                                <p:cTn id="23" presetID="1" presetClass="entr" presetSubtype="0" fill="hold" grpId="0" nodeType="afterEffect">
+                                <p:cTn id="24" presetID="1" presetClass="entr" presetSubtype="0" fill="hold" grpId="0" nodeType="afterEffect">
                                   <p:stCondLst>
                                     <p:cond delay="0"/>
                                   </p:stCondLst>
                                   <p:childTnLst>
                                     <p:set>
                                       <p:cBhvr>
-                                        <p:cTn id="24" dur="1" fill="hold">
+                                        <p:cTn id="25" dur="1" fill="hold">
                                           <p:stCondLst>
                                             <p:cond delay="0"/>
                                           </p:stCondLst>
@@ -6062,20 +6080,20 @@
                           </p:cTn>
                         </p:par>
                         <p:par>
-                          <p:cTn id="25" fill="hold" nodeType="withGroup">
+                          <p:cTn id="26" fill="hold" nodeType="withGroup">
                             <p:stCondLst>
                               <p:cond delay="0"/>
                             </p:stCondLst>
                             <p:childTnLst>
                               <p:par>
-                                <p:cTn id="26" presetID="1" presetClass="entr" presetSubtype="0" fill="hold" grpId="0" nodeType="afterEffect">
+                                <p:cTn id="27" presetID="1" presetClass="entr" presetSubtype="0" fill="hold" grpId="0" nodeType="afterEffect">
                                   <p:stCondLst>
                                     <p:cond delay="0"/>
                                   </p:stCondLst>
                                   <p:childTnLst>
                                     <p:set>
                                       <p:cBhvr>
-                                        <p:cTn id="27" dur="1" fill="hold">
+                                        <p:cTn id="28" dur="1" fill="hold">
                                           <p:stCondLst>
                                             <p:cond delay="0"/>
                                           </p:stCondLst>
@@ -6102,20 +6120,20 @@
                           </p:cTn>
                         </p:par>
                         <p:par>
-                          <p:cTn id="28" fill="hold">
+                          <p:cTn id="29" fill="hold">
                             <p:stCondLst>
                               <p:cond delay="0"/>
                             </p:stCondLst>
                             <p:childTnLst>
                               <p:par>
-                                <p:cTn id="29" presetID="1" presetClass="entr" presetSubtype="0" fill="hold" grpId="0" nodeType="afterEffect">
+                                <p:cTn id="30" presetID="1" presetClass="entr" presetSubtype="0" fill="hold" grpId="0" nodeType="afterEffect">
                                   <p:stCondLst>
                                     <p:cond delay="0"/>
                                   </p:stCondLst>
                                   <p:childTnLst>
                                     <p:set>
                                       <p:cBhvr>
-                                        <p:cTn id="30" dur="1" fill="hold">
+                                        <p:cTn id="31" dur="1" fill="hold">
                                           <p:stCondLst>
                                             <p:cond delay="0"/>
                                           </p:stCondLst>
@@ -6142,20 +6160,20 @@
                           </p:cTn>
                         </p:par>
                         <p:par>
-                          <p:cTn id="31" fill="hold">
+                          <p:cTn id="32" fill="hold">
                             <p:stCondLst>
                               <p:cond delay="0"/>
                             </p:stCondLst>
                             <p:childTnLst>
                               <p:par>
-                                <p:cTn id="32" presetID="1" presetClass="entr" presetSubtype="0" fill="hold" grpId="0" nodeType="afterEffect">
+                                <p:cTn id="33" presetID="1" presetClass="entr" presetSubtype="0" fill="hold" grpId="0" nodeType="afterEffect">
                                   <p:stCondLst>
                                     <p:cond delay="0"/>
                                   </p:stCondLst>
                                   <p:childTnLst>
                                     <p:set>
                                       <p:cBhvr>
-                                        <p:cTn id="33" dur="1" fill="hold">
+                                        <p:cTn id="34" dur="1" fill="hold">
                                           <p:stCondLst>
                                             <p:cond delay="0"/>
                                           </p:stCondLst>
@@ -6860,7 +6878,7 @@
           <a:graphicData uri="http://schemas.openxmlformats.org/presentationml/2006/ole">
             <mc:AlternateContent xmlns:mc="http://schemas.openxmlformats.org/markup-compatibility/2006">
               <mc:Choice xmlns:v="urn:schemas-microsoft-com:vml" Requires="v">
-                <p:oleObj spid="_x0000_s216071" name="Worksheet" r:id="rId3" imgW="2104957" imgH="715979" progId="Excel.Sheet.8">
+                <p:oleObj spid="_x0000_s216073" name="Worksheet" r:id="rId3" imgW="2104957" imgH="715979" progId="Excel.Sheet.8">
                   <p:embed/>
                 </p:oleObj>
               </mc:Choice>
@@ -7949,7 +7967,7 @@
           <a:graphicData uri="http://schemas.openxmlformats.org/presentationml/2006/ole">
             <mc:AlternateContent xmlns:mc="http://schemas.openxmlformats.org/markup-compatibility/2006">
               <mc:Choice xmlns:v="urn:schemas-microsoft-com:vml" Requires="v">
-                <p:oleObj spid="_x0000_s218119" name="Worksheet" r:id="rId3" imgW="2104957" imgH="715979" progId="Excel.Sheet.8">
+                <p:oleObj spid="_x0000_s218121" name="Worksheet" r:id="rId3" imgW="2104957" imgH="715979" progId="Excel.Sheet.8">
                   <p:embed/>
                 </p:oleObj>
               </mc:Choice>
@@ -8774,7 +8792,7 @@
         </p:nvSpPr>
         <p:spPr bwMode="auto">
           <a:xfrm>
-            <a:off x="2828925" y="6186488"/>
+            <a:off x="2828925" y="6262688"/>
             <a:ext cx="3041650" cy="519112"/>
           </a:xfrm>
           <a:prstGeom prst="rect">
@@ -8850,7 +8868,7 @@
         </p:nvSpPr>
         <p:spPr bwMode="auto">
           <a:xfrm>
-            <a:off x="1447800" y="1676400"/>
+            <a:off x="1447800" y="1524000"/>
             <a:ext cx="1743075" cy="579438"/>
           </a:xfrm>
           <a:prstGeom prst="rect">
@@ -8913,7 +8931,7 @@
         </p:nvSpPr>
         <p:spPr bwMode="auto">
           <a:xfrm>
-            <a:off x="6019800" y="1676400"/>
+            <a:off x="6019800" y="1524000"/>
             <a:ext cx="1697038" cy="579438"/>
           </a:xfrm>
           <a:prstGeom prst="rect">
@@ -8975,20 +8993,20 @@
           <p:nvPr>
             <p:extLst>
               <p:ext uri="{D42A27DB-BD31-4B8C-83A1-F6EECF244321}">
-                <p14:modId xmlns:p14="http://schemas.microsoft.com/office/powerpoint/2010/main" val="3328966881"/>
+                <p14:modId xmlns:p14="http://schemas.microsoft.com/office/powerpoint/2010/main" val="4072218465"/>
               </p:ext>
             </p:extLst>
           </p:nvPr>
         </p:nvGraphicFramePr>
         <p:xfrm>
-          <a:off x="1228725" y="4108450"/>
+          <a:off x="1228725" y="4413250"/>
           <a:ext cx="2033588" cy="996950"/>
         </p:xfrm>
         <a:graphic>
           <a:graphicData uri="http://schemas.openxmlformats.org/presentationml/2006/ole">
             <mc:AlternateContent xmlns:mc="http://schemas.openxmlformats.org/markup-compatibility/2006">
               <mc:Choice xmlns:v="urn:schemas-microsoft-com:vml" Requires="v">
-                <p:oleObj spid="_x0000_s219168" name="Equation" r:id="rId3" imgW="876240" imgH="431640" progId="Equation.3">
+                <p:oleObj spid="_x0000_s219187" name="Equation" r:id="rId3" imgW="876240" imgH="431640" progId="Equation.3">
                   <p:embed/>
                 </p:oleObj>
               </mc:Choice>
@@ -9012,7 +9030,7 @@
                     </p:blipFill>
                     <p:spPr bwMode="auto">
                       <a:xfrm>
-                        <a:off x="1228725" y="4108450"/>
+                        <a:off x="1228725" y="4413250"/>
                         <a:ext cx="2033588" cy="996950"/>
                       </a:xfrm>
                       <a:prstGeom prst="rect">
@@ -9068,20 +9086,20 @@
           <p:nvPr>
             <p:extLst>
               <p:ext uri="{D42A27DB-BD31-4B8C-83A1-F6EECF244321}">
-                <p14:modId xmlns:p14="http://schemas.microsoft.com/office/powerpoint/2010/main" val="3288820216"/>
+                <p14:modId xmlns:p14="http://schemas.microsoft.com/office/powerpoint/2010/main" val="402699888"/>
               </p:ext>
             </p:extLst>
           </p:nvPr>
         </p:nvGraphicFramePr>
         <p:xfrm>
-          <a:off x="3300413" y="4108450"/>
+          <a:off x="3300413" y="4413250"/>
           <a:ext cx="2001837" cy="996950"/>
         </p:xfrm>
         <a:graphic>
           <a:graphicData uri="http://schemas.openxmlformats.org/presentationml/2006/ole">
             <mc:AlternateContent xmlns:mc="http://schemas.openxmlformats.org/markup-compatibility/2006">
               <mc:Choice xmlns:v="urn:schemas-microsoft-com:vml" Requires="v">
-                <p:oleObj spid="_x0000_s219169" name="Equation" r:id="rId5" imgW="863280" imgH="431640" progId="Equation.3">
+                <p:oleObj spid="_x0000_s219188" name="Equation" r:id="rId5" imgW="863280" imgH="431640" progId="Equation.3">
                   <p:embed/>
                 </p:oleObj>
               </mc:Choice>
@@ -9105,7 +9123,7 @@
                     </p:blipFill>
                     <p:spPr bwMode="auto">
                       <a:xfrm>
-                        <a:off x="3300413" y="4108450"/>
+                        <a:off x="3300413" y="4413250"/>
                         <a:ext cx="2001837" cy="996950"/>
                       </a:xfrm>
                       <a:prstGeom prst="rect">
@@ -9161,20 +9179,20 @@
           <p:nvPr>
             <p:extLst>
               <p:ext uri="{D42A27DB-BD31-4B8C-83A1-F6EECF244321}">
-                <p14:modId xmlns:p14="http://schemas.microsoft.com/office/powerpoint/2010/main" val="429032859"/>
+                <p14:modId xmlns:p14="http://schemas.microsoft.com/office/powerpoint/2010/main" val="1835995332"/>
               </p:ext>
             </p:extLst>
           </p:nvPr>
         </p:nvGraphicFramePr>
         <p:xfrm>
-          <a:off x="5243513" y="4108450"/>
+          <a:off x="5243513" y="4413250"/>
           <a:ext cx="2092325" cy="996950"/>
         </p:xfrm>
         <a:graphic>
           <a:graphicData uri="http://schemas.openxmlformats.org/presentationml/2006/ole">
             <mc:AlternateContent xmlns:mc="http://schemas.openxmlformats.org/markup-compatibility/2006">
               <mc:Choice xmlns:v="urn:schemas-microsoft-com:vml" Requires="v">
-                <p:oleObj spid="_x0000_s219170" name="Equation" r:id="rId7" imgW="901440" imgH="431640" progId="Equation.3">
+                <p:oleObj spid="_x0000_s219189" name="Equation" r:id="rId7" imgW="901440" imgH="431640" progId="Equation.3">
                   <p:embed/>
                 </p:oleObj>
               </mc:Choice>
@@ -9198,7 +9216,7 @@
                     </p:blipFill>
                     <p:spPr bwMode="auto">
                       <a:xfrm>
-                        <a:off x="5243513" y="4108450"/>
+                        <a:off x="5243513" y="4413250"/>
                         <a:ext cx="2092325" cy="996950"/>
                       </a:xfrm>
                       <a:prstGeom prst="rect">
@@ -9254,20 +9272,20 @@
           <p:nvPr>
             <p:extLst>
               <p:ext uri="{D42A27DB-BD31-4B8C-83A1-F6EECF244321}">
-                <p14:modId xmlns:p14="http://schemas.microsoft.com/office/powerpoint/2010/main" val="3587649316"/>
+                <p14:modId xmlns:p14="http://schemas.microsoft.com/office/powerpoint/2010/main" val="800825426"/>
               </p:ext>
             </p:extLst>
           </p:nvPr>
         </p:nvGraphicFramePr>
         <p:xfrm>
-          <a:off x="7329488" y="4108450"/>
+          <a:off x="7329488" y="4413250"/>
           <a:ext cx="1738312" cy="996950"/>
         </p:xfrm>
         <a:graphic>
           <a:graphicData uri="http://schemas.openxmlformats.org/presentationml/2006/ole">
             <mc:AlternateContent xmlns:mc="http://schemas.openxmlformats.org/markup-compatibility/2006">
               <mc:Choice xmlns:v="urn:schemas-microsoft-com:vml" Requires="v">
-                <p:oleObj spid="_x0000_s219171" name="Equation" r:id="rId9" imgW="749160" imgH="431640" progId="Equation.3">
+                <p:oleObj spid="_x0000_s219190" name="Equation" r:id="rId9" imgW="749160" imgH="431640" progId="Equation.3">
                   <p:embed/>
                 </p:oleObj>
               </mc:Choice>
@@ -9291,7 +9309,7 @@
                     </p:blipFill>
                     <p:spPr bwMode="auto">
                       <a:xfrm>
-                        <a:off x="7329488" y="4108450"/>
+                        <a:off x="7329488" y="4413250"/>
                         <a:ext cx="1738312" cy="996950"/>
                       </a:xfrm>
                       <a:prstGeom prst="rect">
@@ -9348,7 +9366,7 @@
         </p:nvSpPr>
         <p:spPr bwMode="auto">
           <a:xfrm>
-            <a:off x="427038" y="5251450"/>
+            <a:off x="427038" y="5556250"/>
             <a:ext cx="5259773" cy="523220"/>
           </a:xfrm>
           <a:prstGeom prst="rect">
@@ -9450,7 +9468,7 @@
         </p:nvSpPr>
         <p:spPr bwMode="auto">
           <a:xfrm>
-            <a:off x="430213" y="4419600"/>
+            <a:off x="430213" y="4724400"/>
             <a:ext cx="788987" cy="519113"/>
           </a:xfrm>
           <a:prstGeom prst="rect">
@@ -9523,7 +9541,7 @@
         </p:nvSpPr>
         <p:spPr bwMode="auto">
           <a:xfrm>
-            <a:off x="427038" y="5881688"/>
+            <a:off x="427038" y="6262688"/>
             <a:ext cx="1681162" cy="519112"/>
           </a:xfrm>
           <a:prstGeom prst="rect">
@@ -9570,17 +9588,17 @@
           <a:lstStyle/>
           <a:p>
             <a:r>
-              <a:rPr lang="en-US" altLang="en-US" sz="2800" b="1">
+              <a:rPr lang="en-US" altLang="en-US" sz="2800" b="1" dirty="0">
                 <a:latin typeface="Symbol" panose="05050102010706020507" pitchFamily="18" charset="2"/>
               </a:rPr>
               <a:t>c</a:t>
             </a:r>
             <a:r>
-              <a:rPr lang="en-US" altLang="en-US" sz="2800" b="1" baseline="30000"/>
+              <a:rPr lang="en-US" altLang="en-US" sz="2800" b="1" baseline="30000" dirty="0"/>
               <a:t>2</a:t>
             </a:r>
             <a:r>
-              <a:rPr lang="en-US" altLang="en-US" sz="2800" b="1"/>
+              <a:rPr lang="en-US" altLang="en-US" sz="2800" b="1" dirty="0"/>
               <a:t> = 1.477</a:t>
             </a:r>
           </a:p>
@@ -9594,7 +9612,7 @@
         </p:nvGrpSpPr>
         <p:grpSpPr>
           <a:xfrm>
-            <a:off x="0" y="2255838"/>
+            <a:off x="0" y="2103438"/>
             <a:ext cx="4483119" cy="1280160"/>
             <a:chOff x="0" y="2408238"/>
             <a:chExt cx="4724400" cy="1395542"/>
@@ -9622,7 +9640,7 @@
             <a:graphicData uri="http://schemas.openxmlformats.org/presentationml/2006/ole">
               <mc:AlternateContent xmlns:mc="http://schemas.openxmlformats.org/markup-compatibility/2006">
                 <mc:Choice xmlns:v="urn:schemas-microsoft-com:vml" Requires="v">
-                  <p:oleObj spid="_x0000_s219172" name="Worksheet" r:id="rId11" imgW="2104957" imgH="715979" progId="Excel.Sheet.8">
+                  <p:oleObj spid="_x0000_s219191" name="Worksheet" r:id="rId11" imgW="2104957" imgH="715979" progId="Excel.Sheet.8">
                     <p:embed/>
                   </p:oleObj>
                 </mc:Choice>
@@ -9931,7 +9949,7 @@
         </p:nvGrpSpPr>
         <p:grpSpPr>
           <a:xfrm>
-            <a:off x="4638674" y="2262058"/>
+            <a:off x="4638674" y="2109658"/>
             <a:ext cx="4480560" cy="1280160"/>
             <a:chOff x="4343400" y="2414458"/>
             <a:chExt cx="4724400" cy="1395542"/>
@@ -9959,7 +9977,7 @@
             <a:graphicData uri="http://schemas.openxmlformats.org/presentationml/2006/ole">
               <mc:AlternateContent xmlns:mc="http://schemas.openxmlformats.org/markup-compatibility/2006">
                 <mc:Choice xmlns:v="urn:schemas-microsoft-com:vml" Requires="v">
-                  <p:oleObj spid="_x0000_s219173" name="Worksheet" r:id="rId13" imgW="2104957" imgH="715979" progId="Excel.Sheet.8">
+                  <p:oleObj spid="_x0000_s219192" name="Worksheet" r:id="rId13" imgW="2104957" imgH="715979" progId="Excel.Sheet.8">
                     <p:embed/>
                   </p:oleObj>
                 </mc:Choice>
@@ -10260,6 +10278,78 @@
           </p:txBody>
         </p:sp>
       </p:grpSp>
+      <p:graphicFrame>
+        <p:nvGraphicFramePr>
+          <p:cNvPr id="42" name="Object 41"/>
+          <p:cNvGraphicFramePr>
+            <a:graphicFrameLocks noChangeAspect="1"/>
+          </p:cNvGraphicFramePr>
+          <p:nvPr>
+            <p:extLst>
+              <p:ext uri="{D42A27DB-BD31-4B8C-83A1-F6EECF244321}">
+                <p14:modId xmlns:p14="http://schemas.microsoft.com/office/powerpoint/2010/main" val="157693759"/>
+              </p:ext>
+            </p:extLst>
+          </p:nvPr>
+        </p:nvGraphicFramePr>
+        <p:xfrm>
+          <a:off x="457200" y="3335148"/>
+          <a:ext cx="4338926" cy="1008252"/>
+        </p:xfrm>
+        <a:graphic>
+          <a:graphicData uri="http://schemas.openxmlformats.org/presentationml/2006/ole">
+            <mc:AlternateContent xmlns:mc="http://schemas.openxmlformats.org/markup-compatibility/2006">
+              <mc:Choice xmlns:v="urn:schemas-microsoft-com:vml" Requires="v">
+                <p:oleObj spid="_x0000_s219193" name="Equation" r:id="rId14" imgW="1968500" imgH="457200" progId="Equation.3">
+                  <p:embed/>
+                </p:oleObj>
+              </mc:Choice>
+              <mc:Fallback>
+                <p:oleObj name="Equation" r:id="rId14" imgW="1968500" imgH="457200" progId="Equation.3">
+                  <p:embed/>
+                  <p:pic>
+                    <p:nvPicPr>
+                      <p:cNvPr id="0" name=""/>
+                      <p:cNvPicPr>
+                        <a:picLocks noChangeAspect="1" noChangeArrowheads="1"/>
+                      </p:cNvPicPr>
+                      <p:nvPr/>
+                    </p:nvPicPr>
+                    <p:blipFill>
+                      <a:blip r:embed="rId15">
+                        <a:extLst>
+                          <a:ext uri="{28A0092B-C50C-407E-A947-70E740481C1C}">
+                            <a14:useLocalDpi xmlns:a14="http://schemas.microsoft.com/office/drawing/2010/main" val="0"/>
+                          </a:ext>
+                        </a:extLst>
+                      </a:blip>
+                      <a:srcRect/>
+                      <a:stretch>
+                        <a:fillRect/>
+                      </a:stretch>
+                    </p:blipFill>
+                    <p:spPr bwMode="auto">
+                      <a:xfrm>
+                        <a:off x="457200" y="3335148"/>
+                        <a:ext cx="4338926" cy="1008252"/>
+                      </a:xfrm>
+                      <a:prstGeom prst="rect">
+                        <a:avLst/>
+                      </a:prstGeom>
+                      <a:noFill/>
+                      <a:ln>
+                        <a:noFill/>
+                      </a:ln>
+                      <a:effectLst/>
+                      <a:extLst/>
+                    </p:spPr>
+                  </p:pic>
+                </p:oleObj>
+              </mc:Fallback>
+            </mc:AlternateContent>
+          </a:graphicData>
+        </a:graphic>
+      </p:graphicFrame>
     </p:spTree>
     <p:extLst>
       <p:ext uri="{BB962C8B-B14F-4D97-AF65-F5344CB8AC3E}">
